--- a/Picher Eveitor.pptx
+++ b/Picher Eveitor.pptx
@@ -1,27 +1,27 @@
 
 <file path=ppt/presentation.xml><?xml version="1.0" encoding="utf-8"?>
-<p:presentation xmlns:a="http://schemas.openxmlformats.org/drawingml/2006/main" xmlns:r="http://schemas.openxmlformats.org/officeDocument/2006/relationships" xmlns:mc="http://schemas.openxmlformats.org/markup-compatibility/2006" xmlns:mv="urn:schemas-microsoft-com:mac:vml" xmlns:p="http://schemas.openxmlformats.org/presentationml/2006/main" xmlns:c="http://schemas.openxmlformats.org/drawingml/2006/chart" xmlns:dgm="http://schemas.openxmlformats.org/drawingml/2006/diagram" xmlns:o="urn:schemas-microsoft-com:office:office" xmlns:v="urn:schemas-microsoft-com:vml" xmlns:pvml="urn:schemas-microsoft-com:office:powerpoint" xmlns:com="http://schemas.openxmlformats.org/drawingml/2006/compatibility" xmlns:p14="http://schemas.microsoft.com/office/powerpoint/2010/main" xmlns:p15="http://schemas.microsoft.com/office/powerpoint/2012/main" xmlns:ahyp="http://schemas.microsoft.com/office/drawing/2018/hyperlinkcolor" autoCompressPictures="0" embedTrueTypeFonts="1" strictFirstAndLastChars="0" saveSubsetFonts="1">
+<p:presentation xmlns:a="http://schemas.openxmlformats.org/drawingml/2006/main" xmlns:r="http://schemas.openxmlformats.org/officeDocument/2006/relationships" xmlns:p="http://schemas.openxmlformats.org/presentationml/2006/main" strictFirstAndLastChars="0" embedTrueTypeFonts="1" saveSubsetFonts="1" autoCompressPictures="0">
   <p:sldMasterIdLst>
-    <p:sldMasterId id="2147483659" r:id="rId4"/>
+    <p:sldMasterId id="2147483659" r:id="rId1"/>
   </p:sldMasterIdLst>
   <p:notesMasterIdLst>
     <p:notesMasterId r:id="rId5"/>
   </p:notesMasterIdLst>
   <p:sldIdLst>
-    <p:sldId id="256" r:id="rId6"/>
-    <p:sldId id="257" r:id="rId7"/>
-    <p:sldId id="258" r:id="rId8"/>
+    <p:sldId id="256" r:id="rId2"/>
+    <p:sldId id="257" r:id="rId3"/>
+    <p:sldId id="258" r:id="rId4"/>
   </p:sldIdLst>
-  <p:sldSz cy="5143500" cx="9144000"/>
+  <p:sldSz cx="9144000" cy="5143500" type="screen16x9"/>
   <p:notesSz cx="6858000" cy="9144000"/>
   <p:embeddedFontLst>
     <p:embeddedFont>
-      <p:font typeface="Lobster"/>
-      <p:regular r:id="rId9"/>
+      <p:font typeface="Lobster" panose="020B0604020202020204" charset="0"/>
+      <p:regular r:id="rId6"/>
     </p:embeddedFont>
   </p:embeddedFontLst>
   <p:defaultTextStyle>
-    <a:defPPr lvl="0" marR="0" rtl="0" algn="l">
+    <a:defPPr marR="0" lvl="0" algn="l" rtl="0">
       <a:lnSpc>
         <a:spcPct val="100000"/>
       </a:lnSpc>
@@ -32,7 +32,7 @@
         <a:spcPts val="0"/>
       </a:spcAft>
     </a:defPPr>
-    <a:lvl1pPr lvl="0" marR="0" rtl="0" algn="l">
+    <a:lvl1pPr marR="0" lvl="0" algn="l" rtl="0">
       <a:lnSpc>
         <a:spcPct val="100000"/>
       </a:lnSpc>
@@ -46,7 +46,7 @@
         <a:srgbClr val="000000"/>
       </a:buClr>
       <a:buFont typeface="Arial"/>
-      <a:defRPr b="0" i="0" sz="1400" u="none" cap="none" strike="noStrike">
+      <a:defRPr sz="1400" b="0" i="0" u="none" strike="noStrike" cap="none">
         <a:solidFill>
           <a:srgbClr val="000000"/>
         </a:solidFill>
@@ -56,7 +56,7 @@
         <a:sym typeface="Arial"/>
       </a:defRPr>
     </a:lvl1pPr>
-    <a:lvl2pPr lvl="1" marR="0" rtl="0" algn="l">
+    <a:lvl2pPr marR="0" lvl="1" algn="l" rtl="0">
       <a:lnSpc>
         <a:spcPct val="100000"/>
       </a:lnSpc>
@@ -70,7 +70,7 @@
         <a:srgbClr val="000000"/>
       </a:buClr>
       <a:buFont typeface="Arial"/>
-      <a:defRPr b="0" i="0" sz="1400" u="none" cap="none" strike="noStrike">
+      <a:defRPr sz="1400" b="0" i="0" u="none" strike="noStrike" cap="none">
         <a:solidFill>
           <a:srgbClr val="000000"/>
         </a:solidFill>
@@ -80,7 +80,7 @@
         <a:sym typeface="Arial"/>
       </a:defRPr>
     </a:lvl2pPr>
-    <a:lvl3pPr lvl="2" marR="0" rtl="0" algn="l">
+    <a:lvl3pPr marR="0" lvl="2" algn="l" rtl="0">
       <a:lnSpc>
         <a:spcPct val="100000"/>
       </a:lnSpc>
@@ -94,7 +94,7 @@
         <a:srgbClr val="000000"/>
       </a:buClr>
       <a:buFont typeface="Arial"/>
-      <a:defRPr b="0" i="0" sz="1400" u="none" cap="none" strike="noStrike">
+      <a:defRPr sz="1400" b="0" i="0" u="none" strike="noStrike" cap="none">
         <a:solidFill>
           <a:srgbClr val="000000"/>
         </a:solidFill>
@@ -104,7 +104,7 @@
         <a:sym typeface="Arial"/>
       </a:defRPr>
     </a:lvl3pPr>
-    <a:lvl4pPr lvl="3" marR="0" rtl="0" algn="l">
+    <a:lvl4pPr marR="0" lvl="3" algn="l" rtl="0">
       <a:lnSpc>
         <a:spcPct val="100000"/>
       </a:lnSpc>
@@ -118,7 +118,7 @@
         <a:srgbClr val="000000"/>
       </a:buClr>
       <a:buFont typeface="Arial"/>
-      <a:defRPr b="0" i="0" sz="1400" u="none" cap="none" strike="noStrike">
+      <a:defRPr sz="1400" b="0" i="0" u="none" strike="noStrike" cap="none">
         <a:solidFill>
           <a:srgbClr val="000000"/>
         </a:solidFill>
@@ -128,7 +128,7 @@
         <a:sym typeface="Arial"/>
       </a:defRPr>
     </a:lvl4pPr>
-    <a:lvl5pPr lvl="4" marR="0" rtl="0" algn="l">
+    <a:lvl5pPr marR="0" lvl="4" algn="l" rtl="0">
       <a:lnSpc>
         <a:spcPct val="100000"/>
       </a:lnSpc>
@@ -142,7 +142,7 @@
         <a:srgbClr val="000000"/>
       </a:buClr>
       <a:buFont typeface="Arial"/>
-      <a:defRPr b="0" i="0" sz="1400" u="none" cap="none" strike="noStrike">
+      <a:defRPr sz="1400" b="0" i="0" u="none" strike="noStrike" cap="none">
         <a:solidFill>
           <a:srgbClr val="000000"/>
         </a:solidFill>
@@ -152,7 +152,7 @@
         <a:sym typeface="Arial"/>
       </a:defRPr>
     </a:lvl5pPr>
-    <a:lvl6pPr lvl="5" marR="0" rtl="0" algn="l">
+    <a:lvl6pPr marR="0" lvl="5" algn="l" rtl="0">
       <a:lnSpc>
         <a:spcPct val="100000"/>
       </a:lnSpc>
@@ -166,7 +166,7 @@
         <a:srgbClr val="000000"/>
       </a:buClr>
       <a:buFont typeface="Arial"/>
-      <a:defRPr b="0" i="0" sz="1400" u="none" cap="none" strike="noStrike">
+      <a:defRPr sz="1400" b="0" i="0" u="none" strike="noStrike" cap="none">
         <a:solidFill>
           <a:srgbClr val="000000"/>
         </a:solidFill>
@@ -176,7 +176,7 @@
         <a:sym typeface="Arial"/>
       </a:defRPr>
     </a:lvl6pPr>
-    <a:lvl7pPr lvl="6" marR="0" rtl="0" algn="l">
+    <a:lvl7pPr marR="0" lvl="6" algn="l" rtl="0">
       <a:lnSpc>
         <a:spcPct val="100000"/>
       </a:lnSpc>
@@ -190,7 +190,7 @@
         <a:srgbClr val="000000"/>
       </a:buClr>
       <a:buFont typeface="Arial"/>
-      <a:defRPr b="0" i="0" sz="1400" u="none" cap="none" strike="noStrike">
+      <a:defRPr sz="1400" b="0" i="0" u="none" strike="noStrike" cap="none">
         <a:solidFill>
           <a:srgbClr val="000000"/>
         </a:solidFill>
@@ -200,7 +200,7 @@
         <a:sym typeface="Arial"/>
       </a:defRPr>
     </a:lvl7pPr>
-    <a:lvl8pPr lvl="7" marR="0" rtl="0" algn="l">
+    <a:lvl8pPr marR="0" lvl="7" algn="l" rtl="0">
       <a:lnSpc>
         <a:spcPct val="100000"/>
       </a:lnSpc>
@@ -214,7 +214,7 @@
         <a:srgbClr val="000000"/>
       </a:buClr>
       <a:buFont typeface="Arial"/>
-      <a:defRPr b="0" i="0" sz="1400" u="none" cap="none" strike="noStrike">
+      <a:defRPr sz="1400" b="0" i="0" u="none" strike="noStrike" cap="none">
         <a:solidFill>
           <a:srgbClr val="000000"/>
         </a:solidFill>
@@ -224,7 +224,7 @@
         <a:sym typeface="Arial"/>
       </a:defRPr>
     </a:lvl8pPr>
-    <a:lvl9pPr lvl="8" marR="0" rtl="0" algn="l">
+    <a:lvl9pPr marR="0" lvl="8" algn="l" rtl="0">
       <a:lnSpc>
         <a:spcPct val="100000"/>
       </a:lnSpc>
@@ -238,7 +238,7 @@
         <a:srgbClr val="000000"/>
       </a:buClr>
       <a:buFont typeface="Arial"/>
-      <a:defRPr b="0" i="0" sz="1400" u="none" cap="none" strike="noStrike">
+      <a:defRPr sz="1400" b="0" i="0" u="none" strike="noStrike" cap="none">
         <a:solidFill>
           <a:srgbClr val="000000"/>
         </a:solidFill>
@@ -251,7 +251,7 @@
   </p:defaultTextStyle>
   <p:extLst>
     <p:ext uri="{EFAFB233-063F-42B5-8137-9DF3F51BA10A}">
-      <p15:sldGuideLst>
+      <p15:sldGuideLst xmlns:p15="http://schemas.microsoft.com/office/powerpoint/2012/main">
         <p15:guide id="1" orient="horz" pos="1620">
           <p15:clr>
             <a:srgbClr val="A4A3A4"/>
@@ -269,11 +269,16 @@
 </file>
 
 <file path=ppt/notesMasters/notesMaster1.xml><?xml version="1.0" encoding="utf-8"?>
-<p:notesMaster xmlns:a="http://schemas.openxmlformats.org/drawingml/2006/main" xmlns:r="http://schemas.openxmlformats.org/officeDocument/2006/relationships" xmlns:mc="http://schemas.openxmlformats.org/markup-compatibility/2006" xmlns:mv="urn:schemas-microsoft-com:mac:vml" xmlns:p="http://schemas.openxmlformats.org/presentationml/2006/main" xmlns:c="http://schemas.openxmlformats.org/drawingml/2006/chart" xmlns:dgm="http://schemas.openxmlformats.org/drawingml/2006/diagram" xmlns:o="urn:schemas-microsoft-com:office:office" xmlns:v="urn:schemas-microsoft-com:vml" xmlns:pvml="urn:schemas-microsoft-com:office:powerpoint" xmlns:com="http://schemas.openxmlformats.org/drawingml/2006/compatibility" xmlns:p14="http://schemas.microsoft.com/office/powerpoint/2010/main" xmlns:p15="http://schemas.microsoft.com/office/powerpoint/2012/main" xmlns:ahyp="http://schemas.microsoft.com/office/drawing/2018/hyperlinkcolor">
+<p:notesMaster xmlns:a="http://schemas.openxmlformats.org/drawingml/2006/main" xmlns:r="http://schemas.openxmlformats.org/officeDocument/2006/relationships" xmlns:p="http://schemas.openxmlformats.org/presentationml/2006/main">
   <p:cSld>
+    <p:bg>
+      <p:bgRef idx="1001">
+        <a:schemeClr val="bg1"/>
+      </p:bgRef>
+    </p:bg>
     <p:spTree>
       <p:nvGrpSpPr>
-        <p:cNvPr id="2" name="Shape 2"/>
+        <p:cNvPr id="1" name="Shape 2"/>
         <p:cNvGrpSpPr/>
         <p:nvPr/>
       </p:nvGrpSpPr>
@@ -288,9 +293,11 @@
       <p:sp>
         <p:nvSpPr>
           <p:cNvPr id="3" name="Google Shape;3;n"/>
-          <p:cNvSpPr/>
+          <p:cNvSpPr>
+            <a:spLocks noGrp="1" noRot="1" noChangeAspect="1"/>
+          </p:cNvSpPr>
           <p:nvPr>
-            <p:ph idx="2" type="sldImg"/>
+            <p:ph type="sldImg" idx="2"/>
           </p:nvPr>
         </p:nvSpPr>
         <p:spPr>
@@ -299,9 +306,13 @@
             <a:ext cx="6096075" cy="3429000"/>
           </a:xfrm>
           <a:custGeom>
-            <a:rect b="b" l="l" r="r" t="t"/>
+            <a:avLst/>
+            <a:gdLst/>
+            <a:ahLst/>
+            <a:cxnLst/>
+            <a:rect l="l" t="t" r="r" b="b"/>
             <a:pathLst>
-              <a:path extrusionOk="0" h="120000" w="120000">
+              <a:path w="120000" h="120000" extrusionOk="0">
                 <a:moveTo>
                   <a:pt x="0" y="0"/>
                 </a:moveTo>
@@ -319,23 +330,25 @@
             </a:pathLst>
           </a:custGeom>
           <a:noFill/>
-          <a:ln cap="flat" cmpd="sng" w="9525">
+          <a:ln w="9525" cap="flat" cmpd="sng">
             <a:solidFill>
               <a:srgbClr val="000000"/>
             </a:solidFill>
             <a:prstDash val="solid"/>
             <a:round/>
-            <a:headEnd len="sm" w="sm" type="none"/>
-            <a:tailEnd len="sm" w="sm" type="none"/>
+            <a:headEnd type="none" w="sm" len="sm"/>
+            <a:tailEnd type="none" w="sm" len="sm"/>
           </a:ln>
         </p:spPr>
       </p:sp>
       <p:sp>
         <p:nvSpPr>
           <p:cNvPr id="4" name="Google Shape;4;n"/>
-          <p:cNvSpPr txBox="1"/>
+          <p:cNvSpPr txBox="1">
+            <a:spLocks noGrp="1"/>
+          </p:cNvSpPr>
           <p:nvPr>
-            <p:ph idx="1" type="body"/>
+            <p:ph type="body" idx="1"/>
           </p:nvPr>
         </p:nvSpPr>
         <p:spPr>
@@ -352,11 +365,11 @@
           </a:ln>
         </p:spPr>
         <p:txBody>
-          <a:bodyPr anchorCtr="0" anchor="t" bIns="91425" lIns="91425" spcFirstLastPara="1" rIns="91425" wrap="square" tIns="91425">
+          <a:bodyPr spcFirstLastPara="1" wrap="square" lIns="91425" tIns="91425" rIns="91425" bIns="91425" anchor="t" anchorCtr="0">
             <a:noAutofit/>
           </a:bodyPr>
           <a:lstStyle>
-            <a:lvl1pPr indent="-298450" lvl="0" marL="457200">
+            <a:lvl1pPr marL="457200" lvl="0" indent="-298450">
               <a:spcBef>
                 <a:spcPts val="0"/>
               </a:spcBef>
@@ -367,7 +380,7 @@
               <a:buChar char="●"/>
               <a:defRPr sz="1100"/>
             </a:lvl1pPr>
-            <a:lvl2pPr indent="-298450" lvl="1" marL="914400">
+            <a:lvl2pPr marL="914400" lvl="1" indent="-298450">
               <a:spcBef>
                 <a:spcPts val="0"/>
               </a:spcBef>
@@ -378,7 +391,7 @@
               <a:buChar char="○"/>
               <a:defRPr sz="1100"/>
             </a:lvl2pPr>
-            <a:lvl3pPr indent="-298450" lvl="2" marL="1371600">
+            <a:lvl3pPr marL="1371600" lvl="2" indent="-298450">
               <a:spcBef>
                 <a:spcPts val="0"/>
               </a:spcBef>
@@ -389,7 +402,7 @@
               <a:buChar char="■"/>
               <a:defRPr sz="1100"/>
             </a:lvl3pPr>
-            <a:lvl4pPr indent="-298450" lvl="3" marL="1828800">
+            <a:lvl4pPr marL="1828800" lvl="3" indent="-298450">
               <a:spcBef>
                 <a:spcPts val="0"/>
               </a:spcBef>
@@ -400,7 +413,7 @@
               <a:buChar char="●"/>
               <a:defRPr sz="1100"/>
             </a:lvl4pPr>
-            <a:lvl5pPr indent="-298450" lvl="4" marL="2286000">
+            <a:lvl5pPr marL="2286000" lvl="4" indent="-298450">
               <a:spcBef>
                 <a:spcPts val="0"/>
               </a:spcBef>
@@ -411,7 +424,7 @@
               <a:buChar char="○"/>
               <a:defRPr sz="1100"/>
             </a:lvl5pPr>
-            <a:lvl6pPr indent="-298450" lvl="5" marL="2743200">
+            <a:lvl6pPr marL="2743200" lvl="5" indent="-298450">
               <a:spcBef>
                 <a:spcPts val="0"/>
               </a:spcBef>
@@ -422,7 +435,7 @@
               <a:buChar char="■"/>
               <a:defRPr sz="1100"/>
             </a:lvl6pPr>
-            <a:lvl7pPr indent="-298450" lvl="6" marL="3200400">
+            <a:lvl7pPr marL="3200400" lvl="6" indent="-298450">
               <a:spcBef>
                 <a:spcPts val="0"/>
               </a:spcBef>
@@ -433,7 +446,7 @@
               <a:buChar char="●"/>
               <a:defRPr sz="1100"/>
             </a:lvl7pPr>
-            <a:lvl8pPr indent="-298450" lvl="7" marL="3657600">
+            <a:lvl8pPr marL="3657600" lvl="7" indent="-298450">
               <a:spcBef>
                 <a:spcPts val="0"/>
               </a:spcBef>
@@ -444,7 +457,7 @@
               <a:buChar char="○"/>
               <a:defRPr sz="1100"/>
             </a:lvl8pPr>
-            <a:lvl9pPr indent="-298450" lvl="8" marL="4114800">
+            <a:lvl9pPr marL="4114800" lvl="8" indent="-298450">
               <a:spcBef>
                 <a:spcPts val="0"/>
               </a:spcBef>
@@ -456,14 +469,21 @@
               <a:defRPr sz="1100"/>
             </a:lvl9pPr>
           </a:lstStyle>
-          <a:p/>
+          <a:p>
+            <a:endParaRPr/>
+          </a:p>
         </p:txBody>
       </p:sp>
     </p:spTree>
+    <p:extLst>
+      <p:ext uri="{BB962C8B-B14F-4D97-AF65-F5344CB8AC3E}">
+        <p14:creationId xmlns:p14="http://schemas.microsoft.com/office/powerpoint/2010/main" val="1469445900"/>
+      </p:ext>
+    </p:extLst>
   </p:cSld>
-  <p:clrMap accent1="accent1" accent2="accent2" accent3="accent3" accent4="accent4" accent5="accent5" accent6="accent6" bg1="lt1" bg2="dk2" tx1="dk1" tx2="lt2" folHlink="folHlink" hlink="hlink"/>
+  <p:clrMap bg1="lt1" tx1="dk1" bg2="dk2" tx2="lt2" accent1="accent1" accent2="accent2" accent3="accent3" accent4="accent4" accent5="accent5" accent6="accent6" hlink="hlink" folHlink="folHlink"/>
   <p:notesStyle>
-    <a:defPPr lvl="0" marR="0" rtl="0" algn="l">
+    <a:defPPr marR="0" lvl="0" algn="l" rtl="0">
       <a:lnSpc>
         <a:spcPct val="100000"/>
       </a:lnSpc>
@@ -474,7 +494,7 @@
         <a:spcPts val="0"/>
       </a:spcAft>
     </a:defPPr>
-    <a:lvl1pPr lvl="0" marR="0" rtl="0" algn="l">
+    <a:lvl1pPr marR="0" lvl="0" algn="l" rtl="0">
       <a:lnSpc>
         <a:spcPct val="100000"/>
       </a:lnSpc>
@@ -488,7 +508,7 @@
         <a:srgbClr val="000000"/>
       </a:buClr>
       <a:buFont typeface="Arial"/>
-      <a:defRPr b="0" i="0" sz="1400" u="none" cap="none" strike="noStrike">
+      <a:defRPr sz="1400" b="0" i="0" u="none" strike="noStrike" cap="none">
         <a:solidFill>
           <a:srgbClr val="000000"/>
         </a:solidFill>
@@ -498,7 +518,7 @@
         <a:sym typeface="Arial"/>
       </a:defRPr>
     </a:lvl1pPr>
-    <a:lvl2pPr lvl="1" marR="0" rtl="0" algn="l">
+    <a:lvl2pPr marR="0" lvl="1" algn="l" rtl="0">
       <a:lnSpc>
         <a:spcPct val="100000"/>
       </a:lnSpc>
@@ -512,7 +532,7 @@
         <a:srgbClr val="000000"/>
       </a:buClr>
       <a:buFont typeface="Arial"/>
-      <a:defRPr b="0" i="0" sz="1400" u="none" cap="none" strike="noStrike">
+      <a:defRPr sz="1400" b="0" i="0" u="none" strike="noStrike" cap="none">
         <a:solidFill>
           <a:srgbClr val="000000"/>
         </a:solidFill>
@@ -522,7 +542,7 @@
         <a:sym typeface="Arial"/>
       </a:defRPr>
     </a:lvl2pPr>
-    <a:lvl3pPr lvl="2" marR="0" rtl="0" algn="l">
+    <a:lvl3pPr marR="0" lvl="2" algn="l" rtl="0">
       <a:lnSpc>
         <a:spcPct val="100000"/>
       </a:lnSpc>
@@ -536,7 +556,7 @@
         <a:srgbClr val="000000"/>
       </a:buClr>
       <a:buFont typeface="Arial"/>
-      <a:defRPr b="0" i="0" sz="1400" u="none" cap="none" strike="noStrike">
+      <a:defRPr sz="1400" b="0" i="0" u="none" strike="noStrike" cap="none">
         <a:solidFill>
           <a:srgbClr val="000000"/>
         </a:solidFill>
@@ -546,7 +566,7 @@
         <a:sym typeface="Arial"/>
       </a:defRPr>
     </a:lvl3pPr>
-    <a:lvl4pPr lvl="3" marR="0" rtl="0" algn="l">
+    <a:lvl4pPr marR="0" lvl="3" algn="l" rtl="0">
       <a:lnSpc>
         <a:spcPct val="100000"/>
       </a:lnSpc>
@@ -560,7 +580,7 @@
         <a:srgbClr val="000000"/>
       </a:buClr>
       <a:buFont typeface="Arial"/>
-      <a:defRPr b="0" i="0" sz="1400" u="none" cap="none" strike="noStrike">
+      <a:defRPr sz="1400" b="0" i="0" u="none" strike="noStrike" cap="none">
         <a:solidFill>
           <a:srgbClr val="000000"/>
         </a:solidFill>
@@ -570,7 +590,7 @@
         <a:sym typeface="Arial"/>
       </a:defRPr>
     </a:lvl4pPr>
-    <a:lvl5pPr lvl="4" marR="0" rtl="0" algn="l">
+    <a:lvl5pPr marR="0" lvl="4" algn="l" rtl="0">
       <a:lnSpc>
         <a:spcPct val="100000"/>
       </a:lnSpc>
@@ -584,7 +604,7 @@
         <a:srgbClr val="000000"/>
       </a:buClr>
       <a:buFont typeface="Arial"/>
-      <a:defRPr b="0" i="0" sz="1400" u="none" cap="none" strike="noStrike">
+      <a:defRPr sz="1400" b="0" i="0" u="none" strike="noStrike" cap="none">
         <a:solidFill>
           <a:srgbClr val="000000"/>
         </a:solidFill>
@@ -594,7 +614,7 @@
         <a:sym typeface="Arial"/>
       </a:defRPr>
     </a:lvl5pPr>
-    <a:lvl6pPr lvl="5" marR="0" rtl="0" algn="l">
+    <a:lvl6pPr marR="0" lvl="5" algn="l" rtl="0">
       <a:lnSpc>
         <a:spcPct val="100000"/>
       </a:lnSpc>
@@ -608,7 +628,7 @@
         <a:srgbClr val="000000"/>
       </a:buClr>
       <a:buFont typeface="Arial"/>
-      <a:defRPr b="0" i="0" sz="1400" u="none" cap="none" strike="noStrike">
+      <a:defRPr sz="1400" b="0" i="0" u="none" strike="noStrike" cap="none">
         <a:solidFill>
           <a:srgbClr val="000000"/>
         </a:solidFill>
@@ -618,7 +638,7 @@
         <a:sym typeface="Arial"/>
       </a:defRPr>
     </a:lvl6pPr>
-    <a:lvl7pPr lvl="6" marR="0" rtl="0" algn="l">
+    <a:lvl7pPr marR="0" lvl="6" algn="l" rtl="0">
       <a:lnSpc>
         <a:spcPct val="100000"/>
       </a:lnSpc>
@@ -632,7 +652,7 @@
         <a:srgbClr val="000000"/>
       </a:buClr>
       <a:buFont typeface="Arial"/>
-      <a:defRPr b="0" i="0" sz="1400" u="none" cap="none" strike="noStrike">
+      <a:defRPr sz="1400" b="0" i="0" u="none" strike="noStrike" cap="none">
         <a:solidFill>
           <a:srgbClr val="000000"/>
         </a:solidFill>
@@ -642,7 +662,7 @@
         <a:sym typeface="Arial"/>
       </a:defRPr>
     </a:lvl7pPr>
-    <a:lvl8pPr lvl="7" marR="0" rtl="0" algn="l">
+    <a:lvl8pPr marR="0" lvl="7" algn="l" rtl="0">
       <a:lnSpc>
         <a:spcPct val="100000"/>
       </a:lnSpc>
@@ -656,7 +676,7 @@
         <a:srgbClr val="000000"/>
       </a:buClr>
       <a:buFont typeface="Arial"/>
-      <a:defRPr b="0" i="0" sz="1400" u="none" cap="none" strike="noStrike">
+      <a:defRPr sz="1400" b="0" i="0" u="none" strike="noStrike" cap="none">
         <a:solidFill>
           <a:srgbClr val="000000"/>
         </a:solidFill>
@@ -666,7 +686,7 @@
         <a:sym typeface="Arial"/>
       </a:defRPr>
     </a:lvl8pPr>
-    <a:lvl9pPr lvl="8" marR="0" rtl="0" algn="l">
+    <a:lvl9pPr marR="0" lvl="8" algn="l" rtl="0">
       <a:lnSpc>
         <a:spcPct val="100000"/>
       </a:lnSpc>
@@ -680,7 +700,7 @@
         <a:srgbClr val="000000"/>
       </a:buClr>
       <a:buFont typeface="Arial"/>
-      <a:defRPr b="0" i="0" sz="1400" u="none" cap="none" strike="noStrike">
+      <a:defRPr sz="1400" b="0" i="0" u="none" strike="noStrike" cap="none">
         <a:solidFill>
           <a:srgbClr val="000000"/>
         </a:solidFill>
@@ -695,11 +715,11 @@
 </file>
 
 <file path=ppt/notesSlides/notesSlide1.xml><?xml version="1.0" encoding="utf-8"?>
-<p:notes xmlns:a="http://schemas.openxmlformats.org/drawingml/2006/main" xmlns:r="http://schemas.openxmlformats.org/officeDocument/2006/relationships" xmlns:mc="http://schemas.openxmlformats.org/markup-compatibility/2006" xmlns:mv="urn:schemas-microsoft-com:mac:vml" xmlns:p="http://schemas.openxmlformats.org/presentationml/2006/main" xmlns:c="http://schemas.openxmlformats.org/drawingml/2006/chart" xmlns:dgm="http://schemas.openxmlformats.org/drawingml/2006/diagram" xmlns:o="urn:schemas-microsoft-com:office:office" xmlns:v="urn:schemas-microsoft-com:vml" xmlns:pvml="urn:schemas-microsoft-com:office:powerpoint" xmlns:com="http://schemas.openxmlformats.org/drawingml/2006/compatibility" xmlns:p14="http://schemas.microsoft.com/office/powerpoint/2010/main" xmlns:p15="http://schemas.microsoft.com/office/powerpoint/2012/main" xmlns:ahyp="http://schemas.microsoft.com/office/drawing/2018/hyperlinkcolor" showMasterPhAnim="0" showMasterSp="0">
+<p:notes xmlns:a="http://schemas.openxmlformats.org/drawingml/2006/main" xmlns:r="http://schemas.openxmlformats.org/officeDocument/2006/relationships" xmlns:p="http://schemas.openxmlformats.org/presentationml/2006/main" showMasterSp="0" showMasterPhAnim="0">
   <p:cSld>
     <p:spTree>
       <p:nvGrpSpPr>
-        <p:cNvPr id="50" name="Shape 50"/>
+        <p:cNvPr id="1" name="Shape 50"/>
         <p:cNvGrpSpPr/>
         <p:nvPr/>
       </p:nvGrpSpPr>
@@ -714,20 +734,26 @@
       <p:sp>
         <p:nvSpPr>
           <p:cNvPr id="51" name="Google Shape;51;ga17cb9d300_0_0:notes"/>
-          <p:cNvSpPr/>
+          <p:cNvSpPr>
+            <a:spLocks noGrp="1" noRot="1" noChangeAspect="1"/>
+          </p:cNvSpPr>
           <p:nvPr>
-            <p:ph idx="2" type="sldImg"/>
+            <p:ph type="sldImg" idx="2"/>
           </p:nvPr>
         </p:nvSpPr>
         <p:spPr>
           <a:xfrm>
-            <a:off x="381300" y="685800"/>
+            <a:off x="381000" y="685800"/>
             <a:ext cx="6096000" cy="3429000"/>
           </a:xfrm>
           <a:custGeom>
-            <a:rect b="b" l="l" r="r" t="t"/>
+            <a:avLst/>
+            <a:gdLst/>
+            <a:ahLst/>
+            <a:cxnLst/>
+            <a:rect l="l" t="t" r="r" b="b"/>
             <a:pathLst>
-              <a:path extrusionOk="0" h="120000" w="120000">
+              <a:path w="120000" h="120000" extrusionOk="0">
                 <a:moveTo>
                   <a:pt x="0" y="0"/>
                 </a:moveTo>
@@ -749,9 +775,11 @@
       <p:sp>
         <p:nvSpPr>
           <p:cNvPr id="52" name="Google Shape;52;ga17cb9d300_0_0:notes"/>
-          <p:cNvSpPr txBox="1"/>
+          <p:cNvSpPr txBox="1">
+            <a:spLocks noGrp="1"/>
+          </p:cNvSpPr>
           <p:nvPr>
-            <p:ph idx="1" type="body"/>
+            <p:ph type="body" idx="1"/>
           </p:nvPr>
         </p:nvSpPr>
         <p:spPr>
@@ -764,12 +792,12 @@
           </a:prstGeom>
         </p:spPr>
         <p:txBody>
-          <a:bodyPr anchorCtr="0" anchor="t" bIns="91425" lIns="91425" spcFirstLastPara="1" rIns="91425" wrap="square" tIns="91425">
+          <a:bodyPr spcFirstLastPara="1" wrap="square" lIns="91425" tIns="91425" rIns="91425" bIns="91425" anchor="t" anchorCtr="0">
             <a:noAutofit/>
           </a:bodyPr>
           <a:lstStyle/>
           <a:p>
-            <a:pPr indent="0" lvl="0" marL="0" rtl="0" algn="l">
+            <a:pPr marL="0" lvl="0" indent="0" algn="l" rtl="0">
               <a:spcBef>
                 <a:spcPts val="0"/>
               </a:spcBef>
@@ -778,14 +806,16 @@
               </a:spcAft>
               <a:buNone/>
             </a:pPr>
-            <a:r>
-              <a:t/>
-            </a:r>
             <a:endParaRPr/>
           </a:p>
         </p:txBody>
       </p:sp>
     </p:spTree>
+    <p:extLst>
+      <p:ext uri="{BB962C8B-B14F-4D97-AF65-F5344CB8AC3E}">
+        <p14:creationId xmlns:p14="http://schemas.microsoft.com/office/powerpoint/2010/main" val="3793485205"/>
+      </p:ext>
+    </p:extLst>
   </p:cSld>
   <p:clrMapOvr>
     <a:masterClrMapping/>
@@ -794,11 +824,11 @@
 </file>
 
 <file path=ppt/notesSlides/notesSlide2.xml><?xml version="1.0" encoding="utf-8"?>
-<p:notes xmlns:a="http://schemas.openxmlformats.org/drawingml/2006/main" xmlns:r="http://schemas.openxmlformats.org/officeDocument/2006/relationships" xmlns:mc="http://schemas.openxmlformats.org/markup-compatibility/2006" xmlns:mv="urn:schemas-microsoft-com:mac:vml" xmlns:p="http://schemas.openxmlformats.org/presentationml/2006/main" xmlns:c="http://schemas.openxmlformats.org/drawingml/2006/chart" xmlns:dgm="http://schemas.openxmlformats.org/drawingml/2006/diagram" xmlns:o="urn:schemas-microsoft-com:office:office" xmlns:v="urn:schemas-microsoft-com:vml" xmlns:pvml="urn:schemas-microsoft-com:office:powerpoint" xmlns:com="http://schemas.openxmlformats.org/drawingml/2006/compatibility" xmlns:p14="http://schemas.microsoft.com/office/powerpoint/2010/main" xmlns:p15="http://schemas.microsoft.com/office/powerpoint/2012/main" xmlns:ahyp="http://schemas.microsoft.com/office/drawing/2018/hyperlinkcolor" showMasterPhAnim="0" showMasterSp="0">
+<p:notes xmlns:a="http://schemas.openxmlformats.org/drawingml/2006/main" xmlns:r="http://schemas.openxmlformats.org/officeDocument/2006/relationships" xmlns:p="http://schemas.openxmlformats.org/presentationml/2006/main" showMasterSp="0" showMasterPhAnim="0">
   <p:cSld>
     <p:spTree>
       <p:nvGrpSpPr>
-        <p:cNvPr id="59" name="Shape 59"/>
+        <p:cNvPr id="1" name="Shape 59"/>
         <p:cNvGrpSpPr/>
         <p:nvPr/>
       </p:nvGrpSpPr>
@@ -813,20 +843,26 @@
       <p:sp>
         <p:nvSpPr>
           <p:cNvPr id="60" name="Google Shape;60;ga17cb9d300_0_5:notes"/>
-          <p:cNvSpPr/>
+          <p:cNvSpPr>
+            <a:spLocks noGrp="1" noRot="1" noChangeAspect="1"/>
+          </p:cNvSpPr>
           <p:nvPr>
-            <p:ph idx="2" type="sldImg"/>
+            <p:ph type="sldImg" idx="2"/>
           </p:nvPr>
         </p:nvSpPr>
         <p:spPr>
           <a:xfrm>
-            <a:off x="381300" y="685800"/>
+            <a:off x="381000" y="685800"/>
             <a:ext cx="6096000" cy="3429000"/>
           </a:xfrm>
           <a:custGeom>
-            <a:rect b="b" l="l" r="r" t="t"/>
+            <a:avLst/>
+            <a:gdLst/>
+            <a:ahLst/>
+            <a:cxnLst/>
+            <a:rect l="l" t="t" r="r" b="b"/>
             <a:pathLst>
-              <a:path extrusionOk="0" h="120000" w="120000">
+              <a:path w="120000" h="120000" extrusionOk="0">
                 <a:moveTo>
                   <a:pt x="0" y="0"/>
                 </a:moveTo>
@@ -848,9 +884,11 @@
       <p:sp>
         <p:nvSpPr>
           <p:cNvPr id="61" name="Google Shape;61;ga17cb9d300_0_5:notes"/>
-          <p:cNvSpPr txBox="1"/>
+          <p:cNvSpPr txBox="1">
+            <a:spLocks noGrp="1"/>
+          </p:cNvSpPr>
           <p:nvPr>
-            <p:ph idx="1" type="body"/>
+            <p:ph type="body" idx="1"/>
           </p:nvPr>
         </p:nvSpPr>
         <p:spPr>
@@ -863,12 +901,12 @@
           </a:prstGeom>
         </p:spPr>
         <p:txBody>
-          <a:bodyPr anchorCtr="0" anchor="t" bIns="91425" lIns="91425" spcFirstLastPara="1" rIns="91425" wrap="square" tIns="91425">
+          <a:bodyPr spcFirstLastPara="1" wrap="square" lIns="91425" tIns="91425" rIns="91425" bIns="91425" anchor="t" anchorCtr="0">
             <a:noAutofit/>
           </a:bodyPr>
           <a:lstStyle/>
           <a:p>
-            <a:pPr indent="0" lvl="0" marL="0" rtl="0" algn="l">
+            <a:pPr marL="0" lvl="0" indent="0" algn="l" rtl="0">
               <a:spcBef>
                 <a:spcPts val="0"/>
               </a:spcBef>
@@ -877,14 +915,16 @@
               </a:spcAft>
               <a:buNone/>
             </a:pPr>
-            <a:r>
-              <a:t/>
-            </a:r>
             <a:endParaRPr/>
           </a:p>
         </p:txBody>
       </p:sp>
     </p:spTree>
+    <p:extLst>
+      <p:ext uri="{BB962C8B-B14F-4D97-AF65-F5344CB8AC3E}">
+        <p14:creationId xmlns:p14="http://schemas.microsoft.com/office/powerpoint/2010/main" val="3954503358"/>
+      </p:ext>
+    </p:extLst>
   </p:cSld>
   <p:clrMapOvr>
     <a:masterClrMapping/>
@@ -893,11 +933,11 @@
 </file>
 
 <file path=ppt/notesSlides/notesSlide3.xml><?xml version="1.0" encoding="utf-8"?>
-<p:notes xmlns:a="http://schemas.openxmlformats.org/drawingml/2006/main" xmlns:r="http://schemas.openxmlformats.org/officeDocument/2006/relationships" xmlns:mc="http://schemas.openxmlformats.org/markup-compatibility/2006" xmlns:mv="urn:schemas-microsoft-com:mac:vml" xmlns:p="http://schemas.openxmlformats.org/presentationml/2006/main" xmlns:c="http://schemas.openxmlformats.org/drawingml/2006/chart" xmlns:dgm="http://schemas.openxmlformats.org/drawingml/2006/diagram" xmlns:o="urn:schemas-microsoft-com:office:office" xmlns:v="urn:schemas-microsoft-com:vml" xmlns:pvml="urn:schemas-microsoft-com:office:powerpoint" xmlns:com="http://schemas.openxmlformats.org/drawingml/2006/compatibility" xmlns:p14="http://schemas.microsoft.com/office/powerpoint/2010/main" xmlns:p15="http://schemas.microsoft.com/office/powerpoint/2012/main" xmlns:ahyp="http://schemas.microsoft.com/office/drawing/2018/hyperlinkcolor" showMasterPhAnim="0" showMasterSp="0">
+<p:notes xmlns:a="http://schemas.openxmlformats.org/drawingml/2006/main" xmlns:r="http://schemas.openxmlformats.org/officeDocument/2006/relationships" xmlns:p="http://schemas.openxmlformats.org/presentationml/2006/main" showMasterSp="0" showMasterPhAnim="0">
   <p:cSld>
     <p:spTree>
       <p:nvGrpSpPr>
-        <p:cNvPr id="65" name="Shape 65"/>
+        <p:cNvPr id="1" name="Shape 65"/>
         <p:cNvGrpSpPr/>
         <p:nvPr/>
       </p:nvGrpSpPr>
@@ -912,20 +952,26 @@
       <p:sp>
         <p:nvSpPr>
           <p:cNvPr id="66" name="Google Shape;66;ga17cb9d300_1_0:notes"/>
-          <p:cNvSpPr/>
+          <p:cNvSpPr>
+            <a:spLocks noGrp="1" noRot="1" noChangeAspect="1"/>
+          </p:cNvSpPr>
           <p:nvPr>
-            <p:ph idx="2" type="sldImg"/>
+            <p:ph type="sldImg" idx="2"/>
           </p:nvPr>
         </p:nvSpPr>
         <p:spPr>
           <a:xfrm>
-            <a:off x="381300" y="685800"/>
+            <a:off x="381000" y="685800"/>
             <a:ext cx="6096000" cy="3429000"/>
           </a:xfrm>
           <a:custGeom>
-            <a:rect b="b" l="l" r="r" t="t"/>
+            <a:avLst/>
+            <a:gdLst/>
+            <a:ahLst/>
+            <a:cxnLst/>
+            <a:rect l="l" t="t" r="r" b="b"/>
             <a:pathLst>
-              <a:path extrusionOk="0" h="120000" w="120000">
+              <a:path w="120000" h="120000" extrusionOk="0">
                 <a:moveTo>
                   <a:pt x="0" y="0"/>
                 </a:moveTo>
@@ -947,9 +993,11 @@
       <p:sp>
         <p:nvSpPr>
           <p:cNvPr id="67" name="Google Shape;67;ga17cb9d300_1_0:notes"/>
-          <p:cNvSpPr txBox="1"/>
+          <p:cNvSpPr txBox="1">
+            <a:spLocks noGrp="1"/>
+          </p:cNvSpPr>
           <p:nvPr>
-            <p:ph idx="1" type="body"/>
+            <p:ph type="body" idx="1"/>
           </p:nvPr>
         </p:nvSpPr>
         <p:spPr>
@@ -962,12 +1010,12 @@
           </a:prstGeom>
         </p:spPr>
         <p:txBody>
-          <a:bodyPr anchorCtr="0" anchor="t" bIns="91425" lIns="91425" spcFirstLastPara="1" rIns="91425" wrap="square" tIns="91425">
+          <a:bodyPr spcFirstLastPara="1" wrap="square" lIns="91425" tIns="91425" rIns="91425" bIns="91425" anchor="t" anchorCtr="0">
             <a:noAutofit/>
           </a:bodyPr>
           <a:lstStyle/>
           <a:p>
-            <a:pPr indent="0" lvl="0" marL="0" rtl="0" algn="l">
+            <a:pPr marL="0" lvl="0" indent="0" algn="l" rtl="0">
               <a:spcBef>
                 <a:spcPts val="0"/>
               </a:spcBef>
@@ -976,14 +1024,16 @@
               </a:spcAft>
               <a:buNone/>
             </a:pPr>
-            <a:r>
-              <a:t/>
-            </a:r>
             <a:endParaRPr/>
           </a:p>
         </p:txBody>
       </p:sp>
     </p:spTree>
+    <p:extLst>
+      <p:ext uri="{BB962C8B-B14F-4D97-AF65-F5344CB8AC3E}">
+        <p14:creationId xmlns:p14="http://schemas.microsoft.com/office/powerpoint/2010/main" val="3296932310"/>
+      </p:ext>
+    </p:extLst>
   </p:cSld>
   <p:clrMapOvr>
     <a:masterClrMapping/>
@@ -992,11 +1042,11 @@
 </file>
 
 <file path=ppt/slideLayouts/slideLayout1.xml><?xml version="1.0" encoding="utf-8"?>
-<p:sldLayout xmlns:a="http://schemas.openxmlformats.org/drawingml/2006/main" xmlns:r="http://schemas.openxmlformats.org/officeDocument/2006/relationships" xmlns:mc="http://schemas.openxmlformats.org/markup-compatibility/2006" xmlns:mv="urn:schemas-microsoft-com:mac:vml" xmlns:p="http://schemas.openxmlformats.org/presentationml/2006/main" xmlns:c="http://schemas.openxmlformats.org/drawingml/2006/chart" xmlns:dgm="http://schemas.openxmlformats.org/drawingml/2006/diagram" xmlns:o="urn:schemas-microsoft-com:office:office" xmlns:v="urn:schemas-microsoft-com:vml" xmlns:pvml="urn:schemas-microsoft-com:office:powerpoint" xmlns:com="http://schemas.openxmlformats.org/drawingml/2006/compatibility" xmlns:p14="http://schemas.microsoft.com/office/powerpoint/2010/main" xmlns:p15="http://schemas.microsoft.com/office/powerpoint/2012/main" xmlns:ahyp="http://schemas.microsoft.com/office/drawing/2018/hyperlinkcolor" matchingName="Title slide" type="title">
+<p:sldLayout xmlns:a="http://schemas.openxmlformats.org/drawingml/2006/main" xmlns:r="http://schemas.openxmlformats.org/officeDocument/2006/relationships" xmlns:p="http://schemas.openxmlformats.org/presentationml/2006/main" matchingName="Title slide" type="title">
   <p:cSld name="TITLE">
     <p:spTree>
       <p:nvGrpSpPr>
-        <p:cNvPr id="9" name="Shape 9"/>
+        <p:cNvPr id="1" name="Shape 9"/>
         <p:cNvGrpSpPr/>
         <p:nvPr/>
       </p:nvGrpSpPr>
@@ -1011,7 +1061,9 @@
       <p:sp>
         <p:nvSpPr>
           <p:cNvPr id="10" name="Google Shape;10;p2"/>
-          <p:cNvSpPr txBox="1"/>
+          <p:cNvSpPr txBox="1">
+            <a:spLocks noGrp="1"/>
+          </p:cNvSpPr>
           <p:nvPr>
             <p:ph type="ctrTitle"/>
           </p:nvPr>
@@ -1026,7 +1078,7 @@
           </a:prstGeom>
         </p:spPr>
         <p:txBody>
-          <a:bodyPr anchorCtr="0" anchor="b" bIns="91425" lIns="91425" spcFirstLastPara="1" rIns="91425" wrap="square" tIns="91425">
+          <a:bodyPr spcFirstLastPara="1" wrap="square" lIns="91425" tIns="91425" rIns="91425" bIns="91425" anchor="b" anchorCtr="0">
             <a:noAutofit/>
           </a:bodyPr>
           <a:lstStyle>
@@ -1130,15 +1182,19 @@
               <a:defRPr sz="5200"/>
             </a:lvl9pPr>
           </a:lstStyle>
-          <a:p/>
+          <a:p>
+            <a:endParaRPr/>
+          </a:p>
         </p:txBody>
       </p:sp>
       <p:sp>
         <p:nvSpPr>
           <p:cNvPr id="11" name="Google Shape;11;p2"/>
-          <p:cNvSpPr txBox="1"/>
+          <p:cNvSpPr txBox="1">
+            <a:spLocks noGrp="1"/>
+          </p:cNvSpPr>
           <p:nvPr>
-            <p:ph idx="1" type="subTitle"/>
+            <p:ph type="subTitle" idx="1"/>
           </p:nvPr>
         </p:nvSpPr>
         <p:spPr>
@@ -1151,7 +1207,7 @@
           </a:prstGeom>
         </p:spPr>
         <p:txBody>
-          <a:bodyPr anchorCtr="0" anchor="t" bIns="91425" lIns="91425" spcFirstLastPara="1" rIns="91425" wrap="square" tIns="91425">
+          <a:bodyPr spcFirstLastPara="1" wrap="square" lIns="91425" tIns="91425" rIns="91425" bIns="91425" anchor="t" anchorCtr="0">
             <a:noAutofit/>
           </a:bodyPr>
           <a:lstStyle>
@@ -1282,15 +1338,19 @@
               <a:defRPr sz="2800"/>
             </a:lvl9pPr>
           </a:lstStyle>
-          <a:p/>
+          <a:p>
+            <a:endParaRPr/>
+          </a:p>
         </p:txBody>
       </p:sp>
       <p:sp>
         <p:nvSpPr>
           <p:cNvPr id="12" name="Google Shape;12;p2"/>
-          <p:cNvSpPr txBox="1"/>
+          <p:cNvSpPr txBox="1">
+            <a:spLocks noGrp="1"/>
+          </p:cNvSpPr>
           <p:nvPr>
-            <p:ph idx="12" type="sldNum"/>
+            <p:ph type="sldNum" idx="12"/>
           </p:nvPr>
         </p:nvSpPr>
         <p:spPr>
@@ -1303,7 +1363,7 @@
           </a:prstGeom>
         </p:spPr>
         <p:txBody>
-          <a:bodyPr anchorCtr="0" anchor="ctr" bIns="91425" lIns="91425" spcFirstLastPara="1" rIns="91425" wrap="square" tIns="91425">
+          <a:bodyPr spcFirstLastPara="1" wrap="square" lIns="91425" tIns="91425" rIns="91425" bIns="91425" anchor="ctr" anchorCtr="0">
             <a:noAutofit/>
           </a:bodyPr>
           <a:lstStyle>
@@ -1345,7 +1405,7 @@
             </a:lvl9pPr>
           </a:lstStyle>
           <a:p>
-            <a:pPr indent="0" lvl="0" marL="0" rtl="0" algn="r">
+            <a:pPr marL="0" lvl="0" indent="0" algn="r" rtl="0">
               <a:spcBef>
                 <a:spcPts val="0"/>
               </a:spcBef>
@@ -1356,7 +1416,7 @@
             </a:pPr>
             <a:fld id="{00000000-1234-1234-1234-123412341234}" type="slidenum">
               <a:rPr lang="es"/>
-              <a:t>‹#›</a:t>
+              <a:t>‹Nº›</a:t>
             </a:fld>
             <a:endParaRPr/>
           </a:p>
@@ -1371,11 +1431,11 @@
 </file>
 
 <file path=ppt/slideLayouts/slideLayout10.xml><?xml version="1.0" encoding="utf-8"?>
-<p:sldLayout xmlns:a="http://schemas.openxmlformats.org/drawingml/2006/main" xmlns:r="http://schemas.openxmlformats.org/officeDocument/2006/relationships" xmlns:mc="http://schemas.openxmlformats.org/markup-compatibility/2006" xmlns:mv="urn:schemas-microsoft-com:mac:vml" xmlns:p="http://schemas.openxmlformats.org/presentationml/2006/main" xmlns:c="http://schemas.openxmlformats.org/drawingml/2006/chart" xmlns:dgm="http://schemas.openxmlformats.org/drawingml/2006/diagram" xmlns:o="urn:schemas-microsoft-com:office:office" xmlns:v="urn:schemas-microsoft-com:vml" xmlns:pvml="urn:schemas-microsoft-com:office:powerpoint" xmlns:com="http://schemas.openxmlformats.org/drawingml/2006/compatibility" xmlns:p14="http://schemas.microsoft.com/office/powerpoint/2010/main" xmlns:p15="http://schemas.microsoft.com/office/powerpoint/2012/main" xmlns:ahyp="http://schemas.microsoft.com/office/drawing/2018/hyperlinkcolor" matchingName="Big number">
+<p:sldLayout xmlns:a="http://schemas.openxmlformats.org/drawingml/2006/main" xmlns:r="http://schemas.openxmlformats.org/officeDocument/2006/relationships" xmlns:p="http://schemas.openxmlformats.org/presentationml/2006/main" matchingName="Big number">
   <p:cSld name="BIG_NUMBER">
     <p:spTree>
       <p:nvGrpSpPr>
-        <p:cNvPr id="44" name="Shape 44"/>
+        <p:cNvPr id="1" name="Shape 44"/>
         <p:cNvGrpSpPr/>
         <p:nvPr/>
       </p:nvGrpSpPr>
@@ -1390,9 +1450,11 @@
       <p:sp>
         <p:nvSpPr>
           <p:cNvPr id="45" name="Google Shape;45;p11"/>
-          <p:cNvSpPr txBox="1"/>
+          <p:cNvSpPr txBox="1">
+            <a:spLocks noGrp="1"/>
+          </p:cNvSpPr>
           <p:nvPr>
-            <p:ph hasCustomPrompt="1" type="title"/>
+            <p:ph type="title" hasCustomPrompt="1"/>
           </p:nvPr>
         </p:nvSpPr>
         <p:spPr>
@@ -1405,7 +1467,7 @@
           </a:prstGeom>
         </p:spPr>
         <p:txBody>
-          <a:bodyPr anchorCtr="0" anchor="b" bIns="91425" lIns="91425" spcFirstLastPara="1" rIns="91425" wrap="square" tIns="91425">
+          <a:bodyPr spcFirstLastPara="1" wrap="square" lIns="91425" tIns="91425" rIns="91425" bIns="91425" anchor="b" anchorCtr="0">
             <a:noAutofit/>
           </a:bodyPr>
           <a:lstStyle>
@@ -1519,9 +1581,11 @@
       <p:sp>
         <p:nvSpPr>
           <p:cNvPr id="46" name="Google Shape;46;p11"/>
-          <p:cNvSpPr txBox="1"/>
+          <p:cNvSpPr txBox="1">
+            <a:spLocks noGrp="1"/>
+          </p:cNvSpPr>
           <p:nvPr>
-            <p:ph idx="1" type="body"/>
+            <p:ph type="body" idx="1"/>
           </p:nvPr>
         </p:nvSpPr>
         <p:spPr>
@@ -1534,11 +1598,11 @@
           </a:prstGeom>
         </p:spPr>
         <p:txBody>
-          <a:bodyPr anchorCtr="0" anchor="t" bIns="91425" lIns="91425" spcFirstLastPara="1" rIns="91425" wrap="square" tIns="91425">
+          <a:bodyPr spcFirstLastPara="1" wrap="square" lIns="91425" tIns="91425" rIns="91425" bIns="91425" anchor="t" anchorCtr="0">
             <a:noAutofit/>
           </a:bodyPr>
           <a:lstStyle>
-            <a:lvl1pPr indent="-342900" lvl="0" marL="457200" algn="ctr">
+            <a:lvl1pPr marL="457200" lvl="0" indent="-342900" algn="ctr">
               <a:spcBef>
                 <a:spcPts val="0"/>
               </a:spcBef>
@@ -1549,7 +1613,7 @@
               <a:buChar char="●"/>
               <a:defRPr/>
             </a:lvl1pPr>
-            <a:lvl2pPr indent="-317500" lvl="1" marL="914400" algn="ctr">
+            <a:lvl2pPr marL="914400" lvl="1" indent="-317500" algn="ctr">
               <a:spcBef>
                 <a:spcPts val="1600"/>
               </a:spcBef>
@@ -1560,7 +1624,7 @@
               <a:buChar char="○"/>
               <a:defRPr/>
             </a:lvl2pPr>
-            <a:lvl3pPr indent="-317500" lvl="2" marL="1371600" algn="ctr">
+            <a:lvl3pPr marL="1371600" lvl="2" indent="-317500" algn="ctr">
               <a:spcBef>
                 <a:spcPts val="1600"/>
               </a:spcBef>
@@ -1571,7 +1635,7 @@
               <a:buChar char="■"/>
               <a:defRPr/>
             </a:lvl3pPr>
-            <a:lvl4pPr indent="-317500" lvl="3" marL="1828800" algn="ctr">
+            <a:lvl4pPr marL="1828800" lvl="3" indent="-317500" algn="ctr">
               <a:spcBef>
                 <a:spcPts val="1600"/>
               </a:spcBef>
@@ -1582,7 +1646,7 @@
               <a:buChar char="●"/>
               <a:defRPr/>
             </a:lvl4pPr>
-            <a:lvl5pPr indent="-317500" lvl="4" marL="2286000" algn="ctr">
+            <a:lvl5pPr marL="2286000" lvl="4" indent="-317500" algn="ctr">
               <a:spcBef>
                 <a:spcPts val="1600"/>
               </a:spcBef>
@@ -1593,7 +1657,7 @@
               <a:buChar char="○"/>
               <a:defRPr/>
             </a:lvl5pPr>
-            <a:lvl6pPr indent="-317500" lvl="5" marL="2743200" algn="ctr">
+            <a:lvl6pPr marL="2743200" lvl="5" indent="-317500" algn="ctr">
               <a:spcBef>
                 <a:spcPts val="1600"/>
               </a:spcBef>
@@ -1604,7 +1668,7 @@
               <a:buChar char="■"/>
               <a:defRPr/>
             </a:lvl6pPr>
-            <a:lvl7pPr indent="-317500" lvl="6" marL="3200400" algn="ctr">
+            <a:lvl7pPr marL="3200400" lvl="6" indent="-317500" algn="ctr">
               <a:spcBef>
                 <a:spcPts val="1600"/>
               </a:spcBef>
@@ -1615,7 +1679,7 @@
               <a:buChar char="●"/>
               <a:defRPr/>
             </a:lvl7pPr>
-            <a:lvl8pPr indent="-317500" lvl="7" marL="3657600" algn="ctr">
+            <a:lvl8pPr marL="3657600" lvl="7" indent="-317500" algn="ctr">
               <a:spcBef>
                 <a:spcPts val="1600"/>
               </a:spcBef>
@@ -1626,7 +1690,7 @@
               <a:buChar char="○"/>
               <a:defRPr/>
             </a:lvl8pPr>
-            <a:lvl9pPr indent="-317500" lvl="8" marL="4114800" algn="ctr">
+            <a:lvl9pPr marL="4114800" lvl="8" indent="-317500" algn="ctr">
               <a:spcBef>
                 <a:spcPts val="1600"/>
               </a:spcBef>
@@ -1638,15 +1702,19 @@
               <a:defRPr/>
             </a:lvl9pPr>
           </a:lstStyle>
-          <a:p/>
+          <a:p>
+            <a:endParaRPr/>
+          </a:p>
         </p:txBody>
       </p:sp>
       <p:sp>
         <p:nvSpPr>
           <p:cNvPr id="47" name="Google Shape;47;p11"/>
-          <p:cNvSpPr txBox="1"/>
+          <p:cNvSpPr txBox="1">
+            <a:spLocks noGrp="1"/>
+          </p:cNvSpPr>
           <p:nvPr>
-            <p:ph idx="12" type="sldNum"/>
+            <p:ph type="sldNum" idx="12"/>
           </p:nvPr>
         </p:nvSpPr>
         <p:spPr>
@@ -1659,7 +1727,7 @@
           </a:prstGeom>
         </p:spPr>
         <p:txBody>
-          <a:bodyPr anchorCtr="0" anchor="ctr" bIns="91425" lIns="91425" spcFirstLastPara="1" rIns="91425" wrap="square" tIns="91425">
+          <a:bodyPr spcFirstLastPara="1" wrap="square" lIns="91425" tIns="91425" rIns="91425" bIns="91425" anchor="ctr" anchorCtr="0">
             <a:noAutofit/>
           </a:bodyPr>
           <a:lstStyle>
@@ -1701,7 +1769,7 @@
             </a:lvl9pPr>
           </a:lstStyle>
           <a:p>
-            <a:pPr indent="0" lvl="0" marL="0" rtl="0" algn="r">
+            <a:pPr marL="0" lvl="0" indent="0" algn="r" rtl="0">
               <a:spcBef>
                 <a:spcPts val="0"/>
               </a:spcBef>
@@ -1712,7 +1780,7 @@
             </a:pPr>
             <a:fld id="{00000000-1234-1234-1234-123412341234}" type="slidenum">
               <a:rPr lang="es"/>
-              <a:t>‹#›</a:t>
+              <a:t>‹Nº›</a:t>
             </a:fld>
             <a:endParaRPr/>
           </a:p>
@@ -1727,11 +1795,11 @@
 </file>
 
 <file path=ppt/slideLayouts/slideLayout11.xml><?xml version="1.0" encoding="utf-8"?>
-<p:sldLayout xmlns:a="http://schemas.openxmlformats.org/drawingml/2006/main" xmlns:r="http://schemas.openxmlformats.org/officeDocument/2006/relationships" xmlns:mc="http://schemas.openxmlformats.org/markup-compatibility/2006" xmlns:mv="urn:schemas-microsoft-com:mac:vml" xmlns:p="http://schemas.openxmlformats.org/presentationml/2006/main" xmlns:c="http://schemas.openxmlformats.org/drawingml/2006/chart" xmlns:dgm="http://schemas.openxmlformats.org/drawingml/2006/diagram" xmlns:o="urn:schemas-microsoft-com:office:office" xmlns:v="urn:schemas-microsoft-com:vml" xmlns:pvml="urn:schemas-microsoft-com:office:powerpoint" xmlns:com="http://schemas.openxmlformats.org/drawingml/2006/compatibility" xmlns:p14="http://schemas.microsoft.com/office/powerpoint/2010/main" xmlns:p15="http://schemas.microsoft.com/office/powerpoint/2012/main" xmlns:ahyp="http://schemas.microsoft.com/office/drawing/2018/hyperlinkcolor" matchingName="Blank" type="blank">
+<p:sldLayout xmlns:a="http://schemas.openxmlformats.org/drawingml/2006/main" xmlns:r="http://schemas.openxmlformats.org/officeDocument/2006/relationships" xmlns:p="http://schemas.openxmlformats.org/presentationml/2006/main" matchingName="Blank" type="blank">
   <p:cSld name="BLANK">
     <p:spTree>
       <p:nvGrpSpPr>
-        <p:cNvPr id="48" name="Shape 48"/>
+        <p:cNvPr id="1" name="Shape 48"/>
         <p:cNvGrpSpPr/>
         <p:nvPr/>
       </p:nvGrpSpPr>
@@ -1746,9 +1814,11 @@
       <p:sp>
         <p:nvSpPr>
           <p:cNvPr id="49" name="Google Shape;49;p12"/>
-          <p:cNvSpPr txBox="1"/>
+          <p:cNvSpPr txBox="1">
+            <a:spLocks noGrp="1"/>
+          </p:cNvSpPr>
           <p:nvPr>
-            <p:ph idx="12" type="sldNum"/>
+            <p:ph type="sldNum" idx="12"/>
           </p:nvPr>
         </p:nvSpPr>
         <p:spPr>
@@ -1761,7 +1831,7 @@
           </a:prstGeom>
         </p:spPr>
         <p:txBody>
-          <a:bodyPr anchorCtr="0" anchor="ctr" bIns="91425" lIns="91425" spcFirstLastPara="1" rIns="91425" wrap="square" tIns="91425">
+          <a:bodyPr spcFirstLastPara="1" wrap="square" lIns="91425" tIns="91425" rIns="91425" bIns="91425" anchor="ctr" anchorCtr="0">
             <a:noAutofit/>
           </a:bodyPr>
           <a:lstStyle>
@@ -1803,7 +1873,7 @@
             </a:lvl9pPr>
           </a:lstStyle>
           <a:p>
-            <a:pPr indent="0" lvl="0" marL="0" rtl="0" algn="r">
+            <a:pPr marL="0" lvl="0" indent="0" algn="r" rtl="0">
               <a:spcBef>
                 <a:spcPts val="0"/>
               </a:spcBef>
@@ -1814,7 +1884,7 @@
             </a:pPr>
             <a:fld id="{00000000-1234-1234-1234-123412341234}" type="slidenum">
               <a:rPr lang="es"/>
-              <a:t>‹#›</a:t>
+              <a:t>‹Nº›</a:t>
             </a:fld>
             <a:endParaRPr/>
           </a:p>
@@ -1829,11 +1899,11 @@
 </file>
 
 <file path=ppt/slideLayouts/slideLayout2.xml><?xml version="1.0" encoding="utf-8"?>
-<p:sldLayout xmlns:a="http://schemas.openxmlformats.org/drawingml/2006/main" xmlns:r="http://schemas.openxmlformats.org/officeDocument/2006/relationships" xmlns:mc="http://schemas.openxmlformats.org/markup-compatibility/2006" xmlns:mv="urn:schemas-microsoft-com:mac:vml" xmlns:p="http://schemas.openxmlformats.org/presentationml/2006/main" xmlns:c="http://schemas.openxmlformats.org/drawingml/2006/chart" xmlns:dgm="http://schemas.openxmlformats.org/drawingml/2006/diagram" xmlns:o="urn:schemas-microsoft-com:office:office" xmlns:v="urn:schemas-microsoft-com:vml" xmlns:pvml="urn:schemas-microsoft-com:office:powerpoint" xmlns:com="http://schemas.openxmlformats.org/drawingml/2006/compatibility" xmlns:p14="http://schemas.microsoft.com/office/powerpoint/2010/main" xmlns:p15="http://schemas.microsoft.com/office/powerpoint/2012/main" xmlns:ahyp="http://schemas.microsoft.com/office/drawing/2018/hyperlinkcolor" matchingName="Section header" type="secHead">
+<p:sldLayout xmlns:a="http://schemas.openxmlformats.org/drawingml/2006/main" xmlns:r="http://schemas.openxmlformats.org/officeDocument/2006/relationships" xmlns:p="http://schemas.openxmlformats.org/presentationml/2006/main" matchingName="Section header" type="secHead">
   <p:cSld name="SECTION_HEADER">
     <p:spTree>
       <p:nvGrpSpPr>
-        <p:cNvPr id="13" name="Shape 13"/>
+        <p:cNvPr id="1" name="Shape 13"/>
         <p:cNvGrpSpPr/>
         <p:nvPr/>
       </p:nvGrpSpPr>
@@ -1848,7 +1918,9 @@
       <p:sp>
         <p:nvSpPr>
           <p:cNvPr id="14" name="Google Shape;14;p3"/>
-          <p:cNvSpPr txBox="1"/>
+          <p:cNvSpPr txBox="1">
+            <a:spLocks noGrp="1"/>
+          </p:cNvSpPr>
           <p:nvPr>
             <p:ph type="title"/>
           </p:nvPr>
@@ -1863,7 +1935,7 @@
           </a:prstGeom>
         </p:spPr>
         <p:txBody>
-          <a:bodyPr anchorCtr="0" anchor="ctr" bIns="91425" lIns="91425" spcFirstLastPara="1" rIns="91425" wrap="square" tIns="91425">
+          <a:bodyPr spcFirstLastPara="1" wrap="square" lIns="91425" tIns="91425" rIns="91425" bIns="91425" anchor="ctr" anchorCtr="0">
             <a:noAutofit/>
           </a:bodyPr>
           <a:lstStyle>
@@ -1967,15 +2039,19 @@
               <a:defRPr sz="3600"/>
             </a:lvl9pPr>
           </a:lstStyle>
-          <a:p/>
+          <a:p>
+            <a:endParaRPr/>
+          </a:p>
         </p:txBody>
       </p:sp>
       <p:sp>
         <p:nvSpPr>
           <p:cNvPr id="15" name="Google Shape;15;p3"/>
-          <p:cNvSpPr txBox="1"/>
+          <p:cNvSpPr txBox="1">
+            <a:spLocks noGrp="1"/>
+          </p:cNvSpPr>
           <p:nvPr>
-            <p:ph idx="12" type="sldNum"/>
+            <p:ph type="sldNum" idx="12"/>
           </p:nvPr>
         </p:nvSpPr>
         <p:spPr>
@@ -1988,7 +2064,7 @@
           </a:prstGeom>
         </p:spPr>
         <p:txBody>
-          <a:bodyPr anchorCtr="0" anchor="ctr" bIns="91425" lIns="91425" spcFirstLastPara="1" rIns="91425" wrap="square" tIns="91425">
+          <a:bodyPr spcFirstLastPara="1" wrap="square" lIns="91425" tIns="91425" rIns="91425" bIns="91425" anchor="ctr" anchorCtr="0">
             <a:noAutofit/>
           </a:bodyPr>
           <a:lstStyle>
@@ -2030,7 +2106,7 @@
             </a:lvl9pPr>
           </a:lstStyle>
           <a:p>
-            <a:pPr indent="0" lvl="0" marL="0" rtl="0" algn="r">
+            <a:pPr marL="0" lvl="0" indent="0" algn="r" rtl="0">
               <a:spcBef>
                 <a:spcPts val="0"/>
               </a:spcBef>
@@ -2041,7 +2117,7 @@
             </a:pPr>
             <a:fld id="{00000000-1234-1234-1234-123412341234}" type="slidenum">
               <a:rPr lang="es"/>
-              <a:t>‹#›</a:t>
+              <a:t>‹Nº›</a:t>
             </a:fld>
             <a:endParaRPr/>
           </a:p>
@@ -2056,11 +2132,11 @@
 </file>
 
 <file path=ppt/slideLayouts/slideLayout3.xml><?xml version="1.0" encoding="utf-8"?>
-<p:sldLayout xmlns:a="http://schemas.openxmlformats.org/drawingml/2006/main" xmlns:r="http://schemas.openxmlformats.org/officeDocument/2006/relationships" xmlns:mc="http://schemas.openxmlformats.org/markup-compatibility/2006" xmlns:mv="urn:schemas-microsoft-com:mac:vml" xmlns:p="http://schemas.openxmlformats.org/presentationml/2006/main" xmlns:c="http://schemas.openxmlformats.org/drawingml/2006/chart" xmlns:dgm="http://schemas.openxmlformats.org/drawingml/2006/diagram" xmlns:o="urn:schemas-microsoft-com:office:office" xmlns:v="urn:schemas-microsoft-com:vml" xmlns:pvml="urn:schemas-microsoft-com:office:powerpoint" xmlns:com="http://schemas.openxmlformats.org/drawingml/2006/compatibility" xmlns:p14="http://schemas.microsoft.com/office/powerpoint/2010/main" xmlns:p15="http://schemas.microsoft.com/office/powerpoint/2012/main" xmlns:ahyp="http://schemas.microsoft.com/office/drawing/2018/hyperlinkcolor" matchingName="Title and body" type="tx">
+<p:sldLayout xmlns:a="http://schemas.openxmlformats.org/drawingml/2006/main" xmlns:r="http://schemas.openxmlformats.org/officeDocument/2006/relationships" xmlns:p="http://schemas.openxmlformats.org/presentationml/2006/main" matchingName="Title and body" type="tx">
   <p:cSld name="TITLE_AND_BODY">
     <p:spTree>
       <p:nvGrpSpPr>
-        <p:cNvPr id="16" name="Shape 16"/>
+        <p:cNvPr id="1" name="Shape 16"/>
         <p:cNvGrpSpPr/>
         <p:nvPr/>
       </p:nvGrpSpPr>
@@ -2075,7 +2151,9 @@
       <p:sp>
         <p:nvSpPr>
           <p:cNvPr id="17" name="Google Shape;17;p4"/>
-          <p:cNvSpPr txBox="1"/>
+          <p:cNvSpPr txBox="1">
+            <a:spLocks noGrp="1"/>
+          </p:cNvSpPr>
           <p:nvPr>
             <p:ph type="title"/>
           </p:nvPr>
@@ -2090,7 +2168,7 @@
           </a:prstGeom>
         </p:spPr>
         <p:txBody>
-          <a:bodyPr anchorCtr="0" anchor="t" bIns="91425" lIns="91425" spcFirstLastPara="1" rIns="91425" wrap="square" tIns="91425">
+          <a:bodyPr spcFirstLastPara="1" wrap="square" lIns="91425" tIns="91425" rIns="91425" bIns="91425" anchor="t" anchorCtr="0">
             <a:noAutofit/>
           </a:bodyPr>
           <a:lstStyle>
@@ -2194,15 +2272,19 @@
               <a:defRPr/>
             </a:lvl9pPr>
           </a:lstStyle>
-          <a:p/>
+          <a:p>
+            <a:endParaRPr/>
+          </a:p>
         </p:txBody>
       </p:sp>
       <p:sp>
         <p:nvSpPr>
           <p:cNvPr id="18" name="Google Shape;18;p4"/>
-          <p:cNvSpPr txBox="1"/>
+          <p:cNvSpPr txBox="1">
+            <a:spLocks noGrp="1"/>
+          </p:cNvSpPr>
           <p:nvPr>
-            <p:ph idx="1" type="body"/>
+            <p:ph type="body" idx="1"/>
           </p:nvPr>
         </p:nvSpPr>
         <p:spPr>
@@ -2215,11 +2297,11 @@
           </a:prstGeom>
         </p:spPr>
         <p:txBody>
-          <a:bodyPr anchorCtr="0" anchor="t" bIns="91425" lIns="91425" spcFirstLastPara="1" rIns="91425" wrap="square" tIns="91425">
+          <a:bodyPr spcFirstLastPara="1" wrap="square" lIns="91425" tIns="91425" rIns="91425" bIns="91425" anchor="t" anchorCtr="0">
             <a:noAutofit/>
           </a:bodyPr>
           <a:lstStyle>
-            <a:lvl1pPr indent="-342900" lvl="0" marL="457200">
+            <a:lvl1pPr marL="457200" lvl="0" indent="-342900">
               <a:spcBef>
                 <a:spcPts val="0"/>
               </a:spcBef>
@@ -2230,7 +2312,7 @@
               <a:buChar char="●"/>
               <a:defRPr/>
             </a:lvl1pPr>
-            <a:lvl2pPr indent="-317500" lvl="1" marL="914400">
+            <a:lvl2pPr marL="914400" lvl="1" indent="-317500">
               <a:spcBef>
                 <a:spcPts val="1600"/>
               </a:spcBef>
@@ -2241,7 +2323,7 @@
               <a:buChar char="○"/>
               <a:defRPr/>
             </a:lvl2pPr>
-            <a:lvl3pPr indent="-317500" lvl="2" marL="1371600">
+            <a:lvl3pPr marL="1371600" lvl="2" indent="-317500">
               <a:spcBef>
                 <a:spcPts val="1600"/>
               </a:spcBef>
@@ -2252,7 +2334,7 @@
               <a:buChar char="■"/>
               <a:defRPr/>
             </a:lvl3pPr>
-            <a:lvl4pPr indent="-317500" lvl="3" marL="1828800">
+            <a:lvl4pPr marL="1828800" lvl="3" indent="-317500">
               <a:spcBef>
                 <a:spcPts val="1600"/>
               </a:spcBef>
@@ -2263,7 +2345,7 @@
               <a:buChar char="●"/>
               <a:defRPr/>
             </a:lvl4pPr>
-            <a:lvl5pPr indent="-317500" lvl="4" marL="2286000">
+            <a:lvl5pPr marL="2286000" lvl="4" indent="-317500">
               <a:spcBef>
                 <a:spcPts val="1600"/>
               </a:spcBef>
@@ -2274,7 +2356,7 @@
               <a:buChar char="○"/>
               <a:defRPr/>
             </a:lvl5pPr>
-            <a:lvl6pPr indent="-317500" lvl="5" marL="2743200">
+            <a:lvl6pPr marL="2743200" lvl="5" indent="-317500">
               <a:spcBef>
                 <a:spcPts val="1600"/>
               </a:spcBef>
@@ -2285,7 +2367,7 @@
               <a:buChar char="■"/>
               <a:defRPr/>
             </a:lvl6pPr>
-            <a:lvl7pPr indent="-317500" lvl="6" marL="3200400">
+            <a:lvl7pPr marL="3200400" lvl="6" indent="-317500">
               <a:spcBef>
                 <a:spcPts val="1600"/>
               </a:spcBef>
@@ -2296,7 +2378,7 @@
               <a:buChar char="●"/>
               <a:defRPr/>
             </a:lvl7pPr>
-            <a:lvl8pPr indent="-317500" lvl="7" marL="3657600">
+            <a:lvl8pPr marL="3657600" lvl="7" indent="-317500">
               <a:spcBef>
                 <a:spcPts val="1600"/>
               </a:spcBef>
@@ -2307,7 +2389,7 @@
               <a:buChar char="○"/>
               <a:defRPr/>
             </a:lvl8pPr>
-            <a:lvl9pPr indent="-317500" lvl="8" marL="4114800">
+            <a:lvl9pPr marL="4114800" lvl="8" indent="-317500">
               <a:spcBef>
                 <a:spcPts val="1600"/>
               </a:spcBef>
@@ -2319,15 +2401,19 @@
               <a:defRPr/>
             </a:lvl9pPr>
           </a:lstStyle>
-          <a:p/>
+          <a:p>
+            <a:endParaRPr/>
+          </a:p>
         </p:txBody>
       </p:sp>
       <p:sp>
         <p:nvSpPr>
           <p:cNvPr id="19" name="Google Shape;19;p4"/>
-          <p:cNvSpPr txBox="1"/>
+          <p:cNvSpPr txBox="1">
+            <a:spLocks noGrp="1"/>
+          </p:cNvSpPr>
           <p:nvPr>
-            <p:ph idx="12" type="sldNum"/>
+            <p:ph type="sldNum" idx="12"/>
           </p:nvPr>
         </p:nvSpPr>
         <p:spPr>
@@ -2340,7 +2426,7 @@
           </a:prstGeom>
         </p:spPr>
         <p:txBody>
-          <a:bodyPr anchorCtr="0" anchor="ctr" bIns="91425" lIns="91425" spcFirstLastPara="1" rIns="91425" wrap="square" tIns="91425">
+          <a:bodyPr spcFirstLastPara="1" wrap="square" lIns="91425" tIns="91425" rIns="91425" bIns="91425" anchor="ctr" anchorCtr="0">
             <a:noAutofit/>
           </a:bodyPr>
           <a:lstStyle>
@@ -2382,7 +2468,7 @@
             </a:lvl9pPr>
           </a:lstStyle>
           <a:p>
-            <a:pPr indent="0" lvl="0" marL="0" rtl="0" algn="r">
+            <a:pPr marL="0" lvl="0" indent="0" algn="r" rtl="0">
               <a:spcBef>
                 <a:spcPts val="0"/>
               </a:spcBef>
@@ -2393,7 +2479,7 @@
             </a:pPr>
             <a:fld id="{00000000-1234-1234-1234-123412341234}" type="slidenum">
               <a:rPr lang="es"/>
-              <a:t>‹#›</a:t>
+              <a:t>‹Nº›</a:t>
             </a:fld>
             <a:endParaRPr/>
           </a:p>
@@ -2408,11 +2494,11 @@
 </file>
 
 <file path=ppt/slideLayouts/slideLayout4.xml><?xml version="1.0" encoding="utf-8"?>
-<p:sldLayout xmlns:a="http://schemas.openxmlformats.org/drawingml/2006/main" xmlns:r="http://schemas.openxmlformats.org/officeDocument/2006/relationships" xmlns:mc="http://schemas.openxmlformats.org/markup-compatibility/2006" xmlns:mv="urn:schemas-microsoft-com:mac:vml" xmlns:p="http://schemas.openxmlformats.org/presentationml/2006/main" xmlns:c="http://schemas.openxmlformats.org/drawingml/2006/chart" xmlns:dgm="http://schemas.openxmlformats.org/drawingml/2006/diagram" xmlns:o="urn:schemas-microsoft-com:office:office" xmlns:v="urn:schemas-microsoft-com:vml" xmlns:pvml="urn:schemas-microsoft-com:office:powerpoint" xmlns:com="http://schemas.openxmlformats.org/drawingml/2006/compatibility" xmlns:p14="http://schemas.microsoft.com/office/powerpoint/2010/main" xmlns:p15="http://schemas.microsoft.com/office/powerpoint/2012/main" xmlns:ahyp="http://schemas.microsoft.com/office/drawing/2018/hyperlinkcolor" matchingName="Title and two columns" type="twoColTx">
+<p:sldLayout xmlns:a="http://schemas.openxmlformats.org/drawingml/2006/main" xmlns:r="http://schemas.openxmlformats.org/officeDocument/2006/relationships" xmlns:p="http://schemas.openxmlformats.org/presentationml/2006/main" matchingName="Title and two columns" type="twoColTx">
   <p:cSld name="TITLE_AND_TWO_COLUMNS">
     <p:spTree>
       <p:nvGrpSpPr>
-        <p:cNvPr id="20" name="Shape 20"/>
+        <p:cNvPr id="1" name="Shape 20"/>
         <p:cNvGrpSpPr/>
         <p:nvPr/>
       </p:nvGrpSpPr>
@@ -2427,7 +2513,9 @@
       <p:sp>
         <p:nvSpPr>
           <p:cNvPr id="21" name="Google Shape;21;p5"/>
-          <p:cNvSpPr txBox="1"/>
+          <p:cNvSpPr txBox="1">
+            <a:spLocks noGrp="1"/>
+          </p:cNvSpPr>
           <p:nvPr>
             <p:ph type="title"/>
           </p:nvPr>
@@ -2442,7 +2530,7 @@
           </a:prstGeom>
         </p:spPr>
         <p:txBody>
-          <a:bodyPr anchorCtr="0" anchor="t" bIns="91425" lIns="91425" spcFirstLastPara="1" rIns="91425" wrap="square" tIns="91425">
+          <a:bodyPr spcFirstLastPara="1" wrap="square" lIns="91425" tIns="91425" rIns="91425" bIns="91425" anchor="t" anchorCtr="0">
             <a:noAutofit/>
           </a:bodyPr>
           <a:lstStyle>
@@ -2546,15 +2634,19 @@
               <a:defRPr/>
             </a:lvl9pPr>
           </a:lstStyle>
-          <a:p/>
+          <a:p>
+            <a:endParaRPr/>
+          </a:p>
         </p:txBody>
       </p:sp>
       <p:sp>
         <p:nvSpPr>
           <p:cNvPr id="22" name="Google Shape;22;p5"/>
-          <p:cNvSpPr txBox="1"/>
+          <p:cNvSpPr txBox="1">
+            <a:spLocks noGrp="1"/>
+          </p:cNvSpPr>
           <p:nvPr>
-            <p:ph idx="1" type="body"/>
+            <p:ph type="body" idx="1"/>
           </p:nvPr>
         </p:nvSpPr>
         <p:spPr>
@@ -2567,11 +2659,11 @@
           </a:prstGeom>
         </p:spPr>
         <p:txBody>
-          <a:bodyPr anchorCtr="0" anchor="t" bIns="91425" lIns="91425" spcFirstLastPara="1" rIns="91425" wrap="square" tIns="91425">
+          <a:bodyPr spcFirstLastPara="1" wrap="square" lIns="91425" tIns="91425" rIns="91425" bIns="91425" anchor="t" anchorCtr="0">
             <a:noAutofit/>
           </a:bodyPr>
           <a:lstStyle>
-            <a:lvl1pPr indent="-317500" lvl="0" marL="457200">
+            <a:lvl1pPr marL="457200" lvl="0" indent="-317500">
               <a:spcBef>
                 <a:spcPts val="0"/>
               </a:spcBef>
@@ -2582,7 +2674,7 @@
               <a:buChar char="●"/>
               <a:defRPr sz="1400"/>
             </a:lvl1pPr>
-            <a:lvl2pPr indent="-304800" lvl="1" marL="914400">
+            <a:lvl2pPr marL="914400" lvl="1" indent="-304800">
               <a:spcBef>
                 <a:spcPts val="1600"/>
               </a:spcBef>
@@ -2593,7 +2685,7 @@
               <a:buChar char="○"/>
               <a:defRPr sz="1200"/>
             </a:lvl2pPr>
-            <a:lvl3pPr indent="-304800" lvl="2" marL="1371600">
+            <a:lvl3pPr marL="1371600" lvl="2" indent="-304800">
               <a:spcBef>
                 <a:spcPts val="1600"/>
               </a:spcBef>
@@ -2604,7 +2696,7 @@
               <a:buChar char="■"/>
               <a:defRPr sz="1200"/>
             </a:lvl3pPr>
-            <a:lvl4pPr indent="-304800" lvl="3" marL="1828800">
+            <a:lvl4pPr marL="1828800" lvl="3" indent="-304800">
               <a:spcBef>
                 <a:spcPts val="1600"/>
               </a:spcBef>
@@ -2615,7 +2707,7 @@
               <a:buChar char="●"/>
               <a:defRPr sz="1200"/>
             </a:lvl4pPr>
-            <a:lvl5pPr indent="-304800" lvl="4" marL="2286000">
+            <a:lvl5pPr marL="2286000" lvl="4" indent="-304800">
               <a:spcBef>
                 <a:spcPts val="1600"/>
               </a:spcBef>
@@ -2626,7 +2718,7 @@
               <a:buChar char="○"/>
               <a:defRPr sz="1200"/>
             </a:lvl5pPr>
-            <a:lvl6pPr indent="-304800" lvl="5" marL="2743200">
+            <a:lvl6pPr marL="2743200" lvl="5" indent="-304800">
               <a:spcBef>
                 <a:spcPts val="1600"/>
               </a:spcBef>
@@ -2637,7 +2729,7 @@
               <a:buChar char="■"/>
               <a:defRPr sz="1200"/>
             </a:lvl6pPr>
-            <a:lvl7pPr indent="-304800" lvl="6" marL="3200400">
+            <a:lvl7pPr marL="3200400" lvl="6" indent="-304800">
               <a:spcBef>
                 <a:spcPts val="1600"/>
               </a:spcBef>
@@ -2648,7 +2740,7 @@
               <a:buChar char="●"/>
               <a:defRPr sz="1200"/>
             </a:lvl7pPr>
-            <a:lvl8pPr indent="-304800" lvl="7" marL="3657600">
+            <a:lvl8pPr marL="3657600" lvl="7" indent="-304800">
               <a:spcBef>
                 <a:spcPts val="1600"/>
               </a:spcBef>
@@ -2659,7 +2751,7 @@
               <a:buChar char="○"/>
               <a:defRPr sz="1200"/>
             </a:lvl8pPr>
-            <a:lvl9pPr indent="-304800" lvl="8" marL="4114800">
+            <a:lvl9pPr marL="4114800" lvl="8" indent="-304800">
               <a:spcBef>
                 <a:spcPts val="1600"/>
               </a:spcBef>
@@ -2671,15 +2763,19 @@
               <a:defRPr sz="1200"/>
             </a:lvl9pPr>
           </a:lstStyle>
-          <a:p/>
+          <a:p>
+            <a:endParaRPr/>
+          </a:p>
         </p:txBody>
       </p:sp>
       <p:sp>
         <p:nvSpPr>
           <p:cNvPr id="23" name="Google Shape;23;p5"/>
-          <p:cNvSpPr txBox="1"/>
+          <p:cNvSpPr txBox="1">
+            <a:spLocks noGrp="1"/>
+          </p:cNvSpPr>
           <p:nvPr>
-            <p:ph idx="2" type="body"/>
+            <p:ph type="body" idx="2"/>
           </p:nvPr>
         </p:nvSpPr>
         <p:spPr>
@@ -2692,11 +2788,11 @@
           </a:prstGeom>
         </p:spPr>
         <p:txBody>
-          <a:bodyPr anchorCtr="0" anchor="t" bIns="91425" lIns="91425" spcFirstLastPara="1" rIns="91425" wrap="square" tIns="91425">
+          <a:bodyPr spcFirstLastPara="1" wrap="square" lIns="91425" tIns="91425" rIns="91425" bIns="91425" anchor="t" anchorCtr="0">
             <a:noAutofit/>
           </a:bodyPr>
           <a:lstStyle>
-            <a:lvl1pPr indent="-317500" lvl="0" marL="457200">
+            <a:lvl1pPr marL="457200" lvl="0" indent="-317500">
               <a:spcBef>
                 <a:spcPts val="0"/>
               </a:spcBef>
@@ -2707,7 +2803,7 @@
               <a:buChar char="●"/>
               <a:defRPr sz="1400"/>
             </a:lvl1pPr>
-            <a:lvl2pPr indent="-304800" lvl="1" marL="914400">
+            <a:lvl2pPr marL="914400" lvl="1" indent="-304800">
               <a:spcBef>
                 <a:spcPts val="1600"/>
               </a:spcBef>
@@ -2718,7 +2814,7 @@
               <a:buChar char="○"/>
               <a:defRPr sz="1200"/>
             </a:lvl2pPr>
-            <a:lvl3pPr indent="-304800" lvl="2" marL="1371600">
+            <a:lvl3pPr marL="1371600" lvl="2" indent="-304800">
               <a:spcBef>
                 <a:spcPts val="1600"/>
               </a:spcBef>
@@ -2729,7 +2825,7 @@
               <a:buChar char="■"/>
               <a:defRPr sz="1200"/>
             </a:lvl3pPr>
-            <a:lvl4pPr indent="-304800" lvl="3" marL="1828800">
+            <a:lvl4pPr marL="1828800" lvl="3" indent="-304800">
               <a:spcBef>
                 <a:spcPts val="1600"/>
               </a:spcBef>
@@ -2740,7 +2836,7 @@
               <a:buChar char="●"/>
               <a:defRPr sz="1200"/>
             </a:lvl4pPr>
-            <a:lvl5pPr indent="-304800" lvl="4" marL="2286000">
+            <a:lvl5pPr marL="2286000" lvl="4" indent="-304800">
               <a:spcBef>
                 <a:spcPts val="1600"/>
               </a:spcBef>
@@ -2751,7 +2847,7 @@
               <a:buChar char="○"/>
               <a:defRPr sz="1200"/>
             </a:lvl5pPr>
-            <a:lvl6pPr indent="-304800" lvl="5" marL="2743200">
+            <a:lvl6pPr marL="2743200" lvl="5" indent="-304800">
               <a:spcBef>
                 <a:spcPts val="1600"/>
               </a:spcBef>
@@ -2762,7 +2858,7 @@
               <a:buChar char="■"/>
               <a:defRPr sz="1200"/>
             </a:lvl6pPr>
-            <a:lvl7pPr indent="-304800" lvl="6" marL="3200400">
+            <a:lvl7pPr marL="3200400" lvl="6" indent="-304800">
               <a:spcBef>
                 <a:spcPts val="1600"/>
               </a:spcBef>
@@ -2773,7 +2869,7 @@
               <a:buChar char="●"/>
               <a:defRPr sz="1200"/>
             </a:lvl7pPr>
-            <a:lvl8pPr indent="-304800" lvl="7" marL="3657600">
+            <a:lvl8pPr marL="3657600" lvl="7" indent="-304800">
               <a:spcBef>
                 <a:spcPts val="1600"/>
               </a:spcBef>
@@ -2784,7 +2880,7 @@
               <a:buChar char="○"/>
               <a:defRPr sz="1200"/>
             </a:lvl8pPr>
-            <a:lvl9pPr indent="-304800" lvl="8" marL="4114800">
+            <a:lvl9pPr marL="4114800" lvl="8" indent="-304800">
               <a:spcBef>
                 <a:spcPts val="1600"/>
               </a:spcBef>
@@ -2796,15 +2892,19 @@
               <a:defRPr sz="1200"/>
             </a:lvl9pPr>
           </a:lstStyle>
-          <a:p/>
+          <a:p>
+            <a:endParaRPr/>
+          </a:p>
         </p:txBody>
       </p:sp>
       <p:sp>
         <p:nvSpPr>
           <p:cNvPr id="24" name="Google Shape;24;p5"/>
-          <p:cNvSpPr txBox="1"/>
+          <p:cNvSpPr txBox="1">
+            <a:spLocks noGrp="1"/>
+          </p:cNvSpPr>
           <p:nvPr>
-            <p:ph idx="12" type="sldNum"/>
+            <p:ph type="sldNum" idx="12"/>
           </p:nvPr>
         </p:nvSpPr>
         <p:spPr>
@@ -2817,7 +2917,7 @@
           </a:prstGeom>
         </p:spPr>
         <p:txBody>
-          <a:bodyPr anchorCtr="0" anchor="ctr" bIns="91425" lIns="91425" spcFirstLastPara="1" rIns="91425" wrap="square" tIns="91425">
+          <a:bodyPr spcFirstLastPara="1" wrap="square" lIns="91425" tIns="91425" rIns="91425" bIns="91425" anchor="ctr" anchorCtr="0">
             <a:noAutofit/>
           </a:bodyPr>
           <a:lstStyle>
@@ -2859,7 +2959,7 @@
             </a:lvl9pPr>
           </a:lstStyle>
           <a:p>
-            <a:pPr indent="0" lvl="0" marL="0" rtl="0" algn="r">
+            <a:pPr marL="0" lvl="0" indent="0" algn="r" rtl="0">
               <a:spcBef>
                 <a:spcPts val="0"/>
               </a:spcBef>
@@ -2870,7 +2970,7 @@
             </a:pPr>
             <a:fld id="{00000000-1234-1234-1234-123412341234}" type="slidenum">
               <a:rPr lang="es"/>
-              <a:t>‹#›</a:t>
+              <a:t>‹Nº›</a:t>
             </a:fld>
             <a:endParaRPr/>
           </a:p>
@@ -2885,11 +2985,11 @@
 </file>
 
 <file path=ppt/slideLayouts/slideLayout5.xml><?xml version="1.0" encoding="utf-8"?>
-<p:sldLayout xmlns:a="http://schemas.openxmlformats.org/drawingml/2006/main" xmlns:r="http://schemas.openxmlformats.org/officeDocument/2006/relationships" xmlns:mc="http://schemas.openxmlformats.org/markup-compatibility/2006" xmlns:mv="urn:schemas-microsoft-com:mac:vml" xmlns:p="http://schemas.openxmlformats.org/presentationml/2006/main" xmlns:c="http://schemas.openxmlformats.org/drawingml/2006/chart" xmlns:dgm="http://schemas.openxmlformats.org/drawingml/2006/diagram" xmlns:o="urn:schemas-microsoft-com:office:office" xmlns:v="urn:schemas-microsoft-com:vml" xmlns:pvml="urn:schemas-microsoft-com:office:powerpoint" xmlns:com="http://schemas.openxmlformats.org/drawingml/2006/compatibility" xmlns:p14="http://schemas.microsoft.com/office/powerpoint/2010/main" xmlns:p15="http://schemas.microsoft.com/office/powerpoint/2012/main" xmlns:ahyp="http://schemas.microsoft.com/office/drawing/2018/hyperlinkcolor" matchingName="Title only" type="titleOnly">
+<p:sldLayout xmlns:a="http://schemas.openxmlformats.org/drawingml/2006/main" xmlns:r="http://schemas.openxmlformats.org/officeDocument/2006/relationships" xmlns:p="http://schemas.openxmlformats.org/presentationml/2006/main" matchingName="Title only" type="titleOnly">
   <p:cSld name="TITLE_ONLY">
     <p:spTree>
       <p:nvGrpSpPr>
-        <p:cNvPr id="25" name="Shape 25"/>
+        <p:cNvPr id="1" name="Shape 25"/>
         <p:cNvGrpSpPr/>
         <p:nvPr/>
       </p:nvGrpSpPr>
@@ -2904,7 +3004,9 @@
       <p:sp>
         <p:nvSpPr>
           <p:cNvPr id="26" name="Google Shape;26;p6"/>
-          <p:cNvSpPr txBox="1"/>
+          <p:cNvSpPr txBox="1">
+            <a:spLocks noGrp="1"/>
+          </p:cNvSpPr>
           <p:nvPr>
             <p:ph type="title"/>
           </p:nvPr>
@@ -2919,7 +3021,7 @@
           </a:prstGeom>
         </p:spPr>
         <p:txBody>
-          <a:bodyPr anchorCtr="0" anchor="t" bIns="91425" lIns="91425" spcFirstLastPara="1" rIns="91425" wrap="square" tIns="91425">
+          <a:bodyPr spcFirstLastPara="1" wrap="square" lIns="91425" tIns="91425" rIns="91425" bIns="91425" anchor="t" anchorCtr="0">
             <a:noAutofit/>
           </a:bodyPr>
           <a:lstStyle>
@@ -3023,15 +3125,19 @@
               <a:defRPr/>
             </a:lvl9pPr>
           </a:lstStyle>
-          <a:p/>
+          <a:p>
+            <a:endParaRPr/>
+          </a:p>
         </p:txBody>
       </p:sp>
       <p:sp>
         <p:nvSpPr>
           <p:cNvPr id="27" name="Google Shape;27;p6"/>
-          <p:cNvSpPr txBox="1"/>
+          <p:cNvSpPr txBox="1">
+            <a:spLocks noGrp="1"/>
+          </p:cNvSpPr>
           <p:nvPr>
-            <p:ph idx="12" type="sldNum"/>
+            <p:ph type="sldNum" idx="12"/>
           </p:nvPr>
         </p:nvSpPr>
         <p:spPr>
@@ -3044,7 +3150,7 @@
           </a:prstGeom>
         </p:spPr>
         <p:txBody>
-          <a:bodyPr anchorCtr="0" anchor="ctr" bIns="91425" lIns="91425" spcFirstLastPara="1" rIns="91425" wrap="square" tIns="91425">
+          <a:bodyPr spcFirstLastPara="1" wrap="square" lIns="91425" tIns="91425" rIns="91425" bIns="91425" anchor="ctr" anchorCtr="0">
             <a:noAutofit/>
           </a:bodyPr>
           <a:lstStyle>
@@ -3086,7 +3192,7 @@
             </a:lvl9pPr>
           </a:lstStyle>
           <a:p>
-            <a:pPr indent="0" lvl="0" marL="0" rtl="0" algn="r">
+            <a:pPr marL="0" lvl="0" indent="0" algn="r" rtl="0">
               <a:spcBef>
                 <a:spcPts val="0"/>
               </a:spcBef>
@@ -3097,7 +3203,7 @@
             </a:pPr>
             <a:fld id="{00000000-1234-1234-1234-123412341234}" type="slidenum">
               <a:rPr lang="es"/>
-              <a:t>‹#›</a:t>
+              <a:t>‹Nº›</a:t>
             </a:fld>
             <a:endParaRPr/>
           </a:p>
@@ -3112,11 +3218,11 @@
 </file>
 
 <file path=ppt/slideLayouts/slideLayout6.xml><?xml version="1.0" encoding="utf-8"?>
-<p:sldLayout xmlns:a="http://schemas.openxmlformats.org/drawingml/2006/main" xmlns:r="http://schemas.openxmlformats.org/officeDocument/2006/relationships" xmlns:mc="http://schemas.openxmlformats.org/markup-compatibility/2006" xmlns:mv="urn:schemas-microsoft-com:mac:vml" xmlns:p="http://schemas.openxmlformats.org/presentationml/2006/main" xmlns:c="http://schemas.openxmlformats.org/drawingml/2006/chart" xmlns:dgm="http://schemas.openxmlformats.org/drawingml/2006/diagram" xmlns:o="urn:schemas-microsoft-com:office:office" xmlns:v="urn:schemas-microsoft-com:vml" xmlns:pvml="urn:schemas-microsoft-com:office:powerpoint" xmlns:com="http://schemas.openxmlformats.org/drawingml/2006/compatibility" xmlns:p14="http://schemas.microsoft.com/office/powerpoint/2010/main" xmlns:p15="http://schemas.microsoft.com/office/powerpoint/2012/main" xmlns:ahyp="http://schemas.microsoft.com/office/drawing/2018/hyperlinkcolor" matchingName="One column text">
+<p:sldLayout xmlns:a="http://schemas.openxmlformats.org/drawingml/2006/main" xmlns:r="http://schemas.openxmlformats.org/officeDocument/2006/relationships" xmlns:p="http://schemas.openxmlformats.org/presentationml/2006/main" matchingName="One column text">
   <p:cSld name="ONE_COLUMN_TEXT">
     <p:spTree>
       <p:nvGrpSpPr>
-        <p:cNvPr id="28" name="Shape 28"/>
+        <p:cNvPr id="1" name="Shape 28"/>
         <p:cNvGrpSpPr/>
         <p:nvPr/>
       </p:nvGrpSpPr>
@@ -3131,7 +3237,9 @@
       <p:sp>
         <p:nvSpPr>
           <p:cNvPr id="29" name="Google Shape;29;p7"/>
-          <p:cNvSpPr txBox="1"/>
+          <p:cNvSpPr txBox="1">
+            <a:spLocks noGrp="1"/>
+          </p:cNvSpPr>
           <p:nvPr>
             <p:ph type="title"/>
           </p:nvPr>
@@ -3146,7 +3254,7 @@
           </a:prstGeom>
         </p:spPr>
         <p:txBody>
-          <a:bodyPr anchorCtr="0" anchor="b" bIns="91425" lIns="91425" spcFirstLastPara="1" rIns="91425" wrap="square" tIns="91425">
+          <a:bodyPr spcFirstLastPara="1" wrap="square" lIns="91425" tIns="91425" rIns="91425" bIns="91425" anchor="b" anchorCtr="0">
             <a:noAutofit/>
           </a:bodyPr>
           <a:lstStyle>
@@ -3250,15 +3358,19 @@
               <a:defRPr sz="2400"/>
             </a:lvl9pPr>
           </a:lstStyle>
-          <a:p/>
+          <a:p>
+            <a:endParaRPr/>
+          </a:p>
         </p:txBody>
       </p:sp>
       <p:sp>
         <p:nvSpPr>
           <p:cNvPr id="30" name="Google Shape;30;p7"/>
-          <p:cNvSpPr txBox="1"/>
+          <p:cNvSpPr txBox="1">
+            <a:spLocks noGrp="1"/>
+          </p:cNvSpPr>
           <p:nvPr>
-            <p:ph idx="1" type="body"/>
+            <p:ph type="body" idx="1"/>
           </p:nvPr>
         </p:nvSpPr>
         <p:spPr>
@@ -3271,11 +3383,11 @@
           </a:prstGeom>
         </p:spPr>
         <p:txBody>
-          <a:bodyPr anchorCtr="0" anchor="t" bIns="91425" lIns="91425" spcFirstLastPara="1" rIns="91425" wrap="square" tIns="91425">
+          <a:bodyPr spcFirstLastPara="1" wrap="square" lIns="91425" tIns="91425" rIns="91425" bIns="91425" anchor="t" anchorCtr="0">
             <a:noAutofit/>
           </a:bodyPr>
           <a:lstStyle>
-            <a:lvl1pPr indent="-304800" lvl="0" marL="457200">
+            <a:lvl1pPr marL="457200" lvl="0" indent="-304800">
               <a:spcBef>
                 <a:spcPts val="0"/>
               </a:spcBef>
@@ -3286,7 +3398,7 @@
               <a:buChar char="●"/>
               <a:defRPr sz="1200"/>
             </a:lvl1pPr>
-            <a:lvl2pPr indent="-304800" lvl="1" marL="914400">
+            <a:lvl2pPr marL="914400" lvl="1" indent="-304800">
               <a:spcBef>
                 <a:spcPts val="1600"/>
               </a:spcBef>
@@ -3297,7 +3409,7 @@
               <a:buChar char="○"/>
               <a:defRPr sz="1200"/>
             </a:lvl2pPr>
-            <a:lvl3pPr indent="-304800" lvl="2" marL="1371600">
+            <a:lvl3pPr marL="1371600" lvl="2" indent="-304800">
               <a:spcBef>
                 <a:spcPts val="1600"/>
               </a:spcBef>
@@ -3308,7 +3420,7 @@
               <a:buChar char="■"/>
               <a:defRPr sz="1200"/>
             </a:lvl3pPr>
-            <a:lvl4pPr indent="-304800" lvl="3" marL="1828800">
+            <a:lvl4pPr marL="1828800" lvl="3" indent="-304800">
               <a:spcBef>
                 <a:spcPts val="1600"/>
               </a:spcBef>
@@ -3319,7 +3431,7 @@
               <a:buChar char="●"/>
               <a:defRPr sz="1200"/>
             </a:lvl4pPr>
-            <a:lvl5pPr indent="-304800" lvl="4" marL="2286000">
+            <a:lvl5pPr marL="2286000" lvl="4" indent="-304800">
               <a:spcBef>
                 <a:spcPts val="1600"/>
               </a:spcBef>
@@ -3330,7 +3442,7 @@
               <a:buChar char="○"/>
               <a:defRPr sz="1200"/>
             </a:lvl5pPr>
-            <a:lvl6pPr indent="-304800" lvl="5" marL="2743200">
+            <a:lvl6pPr marL="2743200" lvl="5" indent="-304800">
               <a:spcBef>
                 <a:spcPts val="1600"/>
               </a:spcBef>
@@ -3341,7 +3453,7 @@
               <a:buChar char="■"/>
               <a:defRPr sz="1200"/>
             </a:lvl6pPr>
-            <a:lvl7pPr indent="-304800" lvl="6" marL="3200400">
+            <a:lvl7pPr marL="3200400" lvl="6" indent="-304800">
               <a:spcBef>
                 <a:spcPts val="1600"/>
               </a:spcBef>
@@ -3352,7 +3464,7 @@
               <a:buChar char="●"/>
               <a:defRPr sz="1200"/>
             </a:lvl7pPr>
-            <a:lvl8pPr indent="-304800" lvl="7" marL="3657600">
+            <a:lvl8pPr marL="3657600" lvl="7" indent="-304800">
               <a:spcBef>
                 <a:spcPts val="1600"/>
               </a:spcBef>
@@ -3363,7 +3475,7 @@
               <a:buChar char="○"/>
               <a:defRPr sz="1200"/>
             </a:lvl8pPr>
-            <a:lvl9pPr indent="-304800" lvl="8" marL="4114800">
+            <a:lvl9pPr marL="4114800" lvl="8" indent="-304800">
               <a:spcBef>
                 <a:spcPts val="1600"/>
               </a:spcBef>
@@ -3375,15 +3487,19 @@
               <a:defRPr sz="1200"/>
             </a:lvl9pPr>
           </a:lstStyle>
-          <a:p/>
+          <a:p>
+            <a:endParaRPr/>
+          </a:p>
         </p:txBody>
       </p:sp>
       <p:sp>
         <p:nvSpPr>
           <p:cNvPr id="31" name="Google Shape;31;p7"/>
-          <p:cNvSpPr txBox="1"/>
+          <p:cNvSpPr txBox="1">
+            <a:spLocks noGrp="1"/>
+          </p:cNvSpPr>
           <p:nvPr>
-            <p:ph idx="12" type="sldNum"/>
+            <p:ph type="sldNum" idx="12"/>
           </p:nvPr>
         </p:nvSpPr>
         <p:spPr>
@@ -3396,7 +3512,7 @@
           </a:prstGeom>
         </p:spPr>
         <p:txBody>
-          <a:bodyPr anchorCtr="0" anchor="ctr" bIns="91425" lIns="91425" spcFirstLastPara="1" rIns="91425" wrap="square" tIns="91425">
+          <a:bodyPr spcFirstLastPara="1" wrap="square" lIns="91425" tIns="91425" rIns="91425" bIns="91425" anchor="ctr" anchorCtr="0">
             <a:noAutofit/>
           </a:bodyPr>
           <a:lstStyle>
@@ -3438,7 +3554,7 @@
             </a:lvl9pPr>
           </a:lstStyle>
           <a:p>
-            <a:pPr indent="0" lvl="0" marL="0" rtl="0" algn="r">
+            <a:pPr marL="0" lvl="0" indent="0" algn="r" rtl="0">
               <a:spcBef>
                 <a:spcPts val="0"/>
               </a:spcBef>
@@ -3449,7 +3565,7 @@
             </a:pPr>
             <a:fld id="{00000000-1234-1234-1234-123412341234}" type="slidenum">
               <a:rPr lang="es"/>
-              <a:t>‹#›</a:t>
+              <a:t>‹Nº›</a:t>
             </a:fld>
             <a:endParaRPr/>
           </a:p>
@@ -3464,11 +3580,11 @@
 </file>
 
 <file path=ppt/slideLayouts/slideLayout7.xml><?xml version="1.0" encoding="utf-8"?>
-<p:sldLayout xmlns:a="http://schemas.openxmlformats.org/drawingml/2006/main" xmlns:r="http://schemas.openxmlformats.org/officeDocument/2006/relationships" xmlns:mc="http://schemas.openxmlformats.org/markup-compatibility/2006" xmlns:mv="urn:schemas-microsoft-com:mac:vml" xmlns:p="http://schemas.openxmlformats.org/presentationml/2006/main" xmlns:c="http://schemas.openxmlformats.org/drawingml/2006/chart" xmlns:dgm="http://schemas.openxmlformats.org/drawingml/2006/diagram" xmlns:o="urn:schemas-microsoft-com:office:office" xmlns:v="urn:schemas-microsoft-com:vml" xmlns:pvml="urn:schemas-microsoft-com:office:powerpoint" xmlns:com="http://schemas.openxmlformats.org/drawingml/2006/compatibility" xmlns:p14="http://schemas.microsoft.com/office/powerpoint/2010/main" xmlns:p15="http://schemas.microsoft.com/office/powerpoint/2012/main" xmlns:ahyp="http://schemas.microsoft.com/office/drawing/2018/hyperlinkcolor" matchingName="Main point">
+<p:sldLayout xmlns:a="http://schemas.openxmlformats.org/drawingml/2006/main" xmlns:r="http://schemas.openxmlformats.org/officeDocument/2006/relationships" xmlns:p="http://schemas.openxmlformats.org/presentationml/2006/main" matchingName="Main point">
   <p:cSld name="MAIN_POINT">
     <p:spTree>
       <p:nvGrpSpPr>
-        <p:cNvPr id="32" name="Shape 32"/>
+        <p:cNvPr id="1" name="Shape 32"/>
         <p:cNvGrpSpPr/>
         <p:nvPr/>
       </p:nvGrpSpPr>
@@ -3483,7 +3599,9 @@
       <p:sp>
         <p:nvSpPr>
           <p:cNvPr id="33" name="Google Shape;33;p8"/>
-          <p:cNvSpPr txBox="1"/>
+          <p:cNvSpPr txBox="1">
+            <a:spLocks noGrp="1"/>
+          </p:cNvSpPr>
           <p:nvPr>
             <p:ph type="title"/>
           </p:nvPr>
@@ -3498,7 +3616,7 @@
           </a:prstGeom>
         </p:spPr>
         <p:txBody>
-          <a:bodyPr anchorCtr="0" anchor="ctr" bIns="91425" lIns="91425" spcFirstLastPara="1" rIns="91425" wrap="square" tIns="91425">
+          <a:bodyPr spcFirstLastPara="1" wrap="square" lIns="91425" tIns="91425" rIns="91425" bIns="91425" anchor="ctr" anchorCtr="0">
             <a:noAutofit/>
           </a:bodyPr>
           <a:lstStyle>
@@ -3602,15 +3720,19 @@
               <a:defRPr sz="4800"/>
             </a:lvl9pPr>
           </a:lstStyle>
-          <a:p/>
+          <a:p>
+            <a:endParaRPr/>
+          </a:p>
         </p:txBody>
       </p:sp>
       <p:sp>
         <p:nvSpPr>
           <p:cNvPr id="34" name="Google Shape;34;p8"/>
-          <p:cNvSpPr txBox="1"/>
+          <p:cNvSpPr txBox="1">
+            <a:spLocks noGrp="1"/>
+          </p:cNvSpPr>
           <p:nvPr>
-            <p:ph idx="12" type="sldNum"/>
+            <p:ph type="sldNum" idx="12"/>
           </p:nvPr>
         </p:nvSpPr>
         <p:spPr>
@@ -3623,7 +3745,7 @@
           </a:prstGeom>
         </p:spPr>
         <p:txBody>
-          <a:bodyPr anchorCtr="0" anchor="ctr" bIns="91425" lIns="91425" spcFirstLastPara="1" rIns="91425" wrap="square" tIns="91425">
+          <a:bodyPr spcFirstLastPara="1" wrap="square" lIns="91425" tIns="91425" rIns="91425" bIns="91425" anchor="ctr" anchorCtr="0">
             <a:noAutofit/>
           </a:bodyPr>
           <a:lstStyle>
@@ -3665,7 +3787,7 @@
             </a:lvl9pPr>
           </a:lstStyle>
           <a:p>
-            <a:pPr indent="0" lvl="0" marL="0" rtl="0" algn="r">
+            <a:pPr marL="0" lvl="0" indent="0" algn="r" rtl="0">
               <a:spcBef>
                 <a:spcPts val="0"/>
               </a:spcBef>
@@ -3676,7 +3798,7 @@
             </a:pPr>
             <a:fld id="{00000000-1234-1234-1234-123412341234}" type="slidenum">
               <a:rPr lang="es"/>
-              <a:t>‹#›</a:t>
+              <a:t>‹Nº›</a:t>
             </a:fld>
             <a:endParaRPr/>
           </a:p>
@@ -3691,11 +3813,11 @@
 </file>
 
 <file path=ppt/slideLayouts/slideLayout8.xml><?xml version="1.0" encoding="utf-8"?>
-<p:sldLayout xmlns:a="http://schemas.openxmlformats.org/drawingml/2006/main" xmlns:r="http://schemas.openxmlformats.org/officeDocument/2006/relationships" xmlns:mc="http://schemas.openxmlformats.org/markup-compatibility/2006" xmlns:mv="urn:schemas-microsoft-com:mac:vml" xmlns:p="http://schemas.openxmlformats.org/presentationml/2006/main" xmlns:c="http://schemas.openxmlformats.org/drawingml/2006/chart" xmlns:dgm="http://schemas.openxmlformats.org/drawingml/2006/diagram" xmlns:o="urn:schemas-microsoft-com:office:office" xmlns:v="urn:schemas-microsoft-com:vml" xmlns:pvml="urn:schemas-microsoft-com:office:powerpoint" xmlns:com="http://schemas.openxmlformats.org/drawingml/2006/compatibility" xmlns:p14="http://schemas.microsoft.com/office/powerpoint/2010/main" xmlns:p15="http://schemas.microsoft.com/office/powerpoint/2012/main" xmlns:ahyp="http://schemas.microsoft.com/office/drawing/2018/hyperlinkcolor" matchingName="Section title and description">
+<p:sldLayout xmlns:a="http://schemas.openxmlformats.org/drawingml/2006/main" xmlns:r="http://schemas.openxmlformats.org/officeDocument/2006/relationships" xmlns:p="http://schemas.openxmlformats.org/presentationml/2006/main" matchingName="Section title and description">
   <p:cSld name="SECTION_TITLE_AND_DESCRIPTION">
     <p:spTree>
       <p:nvGrpSpPr>
-        <p:cNvPr id="35" name="Shape 35"/>
+        <p:cNvPr id="1" name="Shape 35"/>
         <p:cNvGrpSpPr/>
         <p:nvPr/>
       </p:nvGrpSpPr>
@@ -3729,12 +3851,12 @@
           </a:ln>
         </p:spPr>
         <p:txBody>
-          <a:bodyPr anchorCtr="0" anchor="ctr" bIns="91425" lIns="91425" spcFirstLastPara="1" rIns="91425" wrap="square" tIns="91425">
+          <a:bodyPr spcFirstLastPara="1" wrap="square" lIns="91425" tIns="91425" rIns="91425" bIns="91425" anchor="ctr" anchorCtr="0">
             <a:noAutofit/>
           </a:bodyPr>
           <a:lstStyle/>
           <a:p>
-            <a:pPr indent="0" lvl="0" marL="0" rtl="0" algn="l">
+            <a:pPr marL="0" lvl="0" indent="0" algn="l" rtl="0">
               <a:spcBef>
                 <a:spcPts val="0"/>
               </a:spcBef>
@@ -3743,9 +3865,6 @@
               </a:spcAft>
               <a:buNone/>
             </a:pPr>
-            <a:r>
-              <a:t/>
-            </a:r>
             <a:endParaRPr/>
           </a:p>
         </p:txBody>
@@ -3753,7 +3872,9 @@
       <p:sp>
         <p:nvSpPr>
           <p:cNvPr id="37" name="Google Shape;37;p9"/>
-          <p:cNvSpPr txBox="1"/>
+          <p:cNvSpPr txBox="1">
+            <a:spLocks noGrp="1"/>
+          </p:cNvSpPr>
           <p:nvPr>
             <p:ph type="title"/>
           </p:nvPr>
@@ -3768,7 +3889,7 @@
           </a:prstGeom>
         </p:spPr>
         <p:txBody>
-          <a:bodyPr anchorCtr="0" anchor="b" bIns="91425" lIns="91425" spcFirstLastPara="1" rIns="91425" wrap="square" tIns="91425">
+          <a:bodyPr spcFirstLastPara="1" wrap="square" lIns="91425" tIns="91425" rIns="91425" bIns="91425" anchor="b" anchorCtr="0">
             <a:noAutofit/>
           </a:bodyPr>
           <a:lstStyle>
@@ -3872,15 +3993,19 @@
               <a:defRPr sz="4200"/>
             </a:lvl9pPr>
           </a:lstStyle>
-          <a:p/>
+          <a:p>
+            <a:endParaRPr/>
+          </a:p>
         </p:txBody>
       </p:sp>
       <p:sp>
         <p:nvSpPr>
           <p:cNvPr id="38" name="Google Shape;38;p9"/>
-          <p:cNvSpPr txBox="1"/>
+          <p:cNvSpPr txBox="1">
+            <a:spLocks noGrp="1"/>
+          </p:cNvSpPr>
           <p:nvPr>
-            <p:ph idx="1" type="subTitle"/>
+            <p:ph type="subTitle" idx="1"/>
           </p:nvPr>
         </p:nvSpPr>
         <p:spPr>
@@ -3893,7 +4018,7 @@
           </a:prstGeom>
         </p:spPr>
         <p:txBody>
-          <a:bodyPr anchorCtr="0" anchor="t" bIns="91425" lIns="91425" spcFirstLastPara="1" rIns="91425" wrap="square" tIns="91425">
+          <a:bodyPr spcFirstLastPara="1" wrap="square" lIns="91425" tIns="91425" rIns="91425" bIns="91425" anchor="t" anchorCtr="0">
             <a:noAutofit/>
           </a:bodyPr>
           <a:lstStyle>
@@ -4024,15 +4149,19 @@
               <a:defRPr sz="2100"/>
             </a:lvl9pPr>
           </a:lstStyle>
-          <a:p/>
+          <a:p>
+            <a:endParaRPr/>
+          </a:p>
         </p:txBody>
       </p:sp>
       <p:sp>
         <p:nvSpPr>
           <p:cNvPr id="39" name="Google Shape;39;p9"/>
-          <p:cNvSpPr txBox="1"/>
+          <p:cNvSpPr txBox="1">
+            <a:spLocks noGrp="1"/>
+          </p:cNvSpPr>
           <p:nvPr>
-            <p:ph idx="2" type="body"/>
+            <p:ph type="body" idx="2"/>
           </p:nvPr>
         </p:nvSpPr>
         <p:spPr>
@@ -4045,11 +4174,11 @@
           </a:prstGeom>
         </p:spPr>
         <p:txBody>
-          <a:bodyPr anchorCtr="0" anchor="ctr" bIns="91425" lIns="91425" spcFirstLastPara="1" rIns="91425" wrap="square" tIns="91425">
+          <a:bodyPr spcFirstLastPara="1" wrap="square" lIns="91425" tIns="91425" rIns="91425" bIns="91425" anchor="ctr" anchorCtr="0">
             <a:noAutofit/>
           </a:bodyPr>
           <a:lstStyle>
-            <a:lvl1pPr indent="-342900" lvl="0" marL="457200">
+            <a:lvl1pPr marL="457200" lvl="0" indent="-342900">
               <a:spcBef>
                 <a:spcPts val="0"/>
               </a:spcBef>
@@ -4060,7 +4189,7 @@
               <a:buChar char="●"/>
               <a:defRPr/>
             </a:lvl1pPr>
-            <a:lvl2pPr indent="-317500" lvl="1" marL="914400">
+            <a:lvl2pPr marL="914400" lvl="1" indent="-317500">
               <a:spcBef>
                 <a:spcPts val="1600"/>
               </a:spcBef>
@@ -4071,7 +4200,7 @@
               <a:buChar char="○"/>
               <a:defRPr/>
             </a:lvl2pPr>
-            <a:lvl3pPr indent="-317500" lvl="2" marL="1371600">
+            <a:lvl3pPr marL="1371600" lvl="2" indent="-317500">
               <a:spcBef>
                 <a:spcPts val="1600"/>
               </a:spcBef>
@@ -4082,7 +4211,7 @@
               <a:buChar char="■"/>
               <a:defRPr/>
             </a:lvl3pPr>
-            <a:lvl4pPr indent="-317500" lvl="3" marL="1828800">
+            <a:lvl4pPr marL="1828800" lvl="3" indent="-317500">
               <a:spcBef>
                 <a:spcPts val="1600"/>
               </a:spcBef>
@@ -4093,7 +4222,7 @@
               <a:buChar char="●"/>
               <a:defRPr/>
             </a:lvl4pPr>
-            <a:lvl5pPr indent="-317500" lvl="4" marL="2286000">
+            <a:lvl5pPr marL="2286000" lvl="4" indent="-317500">
               <a:spcBef>
                 <a:spcPts val="1600"/>
               </a:spcBef>
@@ -4104,7 +4233,7 @@
               <a:buChar char="○"/>
               <a:defRPr/>
             </a:lvl5pPr>
-            <a:lvl6pPr indent="-317500" lvl="5" marL="2743200">
+            <a:lvl6pPr marL="2743200" lvl="5" indent="-317500">
               <a:spcBef>
                 <a:spcPts val="1600"/>
               </a:spcBef>
@@ -4115,7 +4244,7 @@
               <a:buChar char="■"/>
               <a:defRPr/>
             </a:lvl6pPr>
-            <a:lvl7pPr indent="-317500" lvl="6" marL="3200400">
+            <a:lvl7pPr marL="3200400" lvl="6" indent="-317500">
               <a:spcBef>
                 <a:spcPts val="1600"/>
               </a:spcBef>
@@ -4126,7 +4255,7 @@
               <a:buChar char="●"/>
               <a:defRPr/>
             </a:lvl7pPr>
-            <a:lvl8pPr indent="-317500" lvl="7" marL="3657600">
+            <a:lvl8pPr marL="3657600" lvl="7" indent="-317500">
               <a:spcBef>
                 <a:spcPts val="1600"/>
               </a:spcBef>
@@ -4137,7 +4266,7 @@
               <a:buChar char="○"/>
               <a:defRPr/>
             </a:lvl8pPr>
-            <a:lvl9pPr indent="-317500" lvl="8" marL="4114800">
+            <a:lvl9pPr marL="4114800" lvl="8" indent="-317500">
               <a:spcBef>
                 <a:spcPts val="1600"/>
               </a:spcBef>
@@ -4149,15 +4278,19 @@
               <a:defRPr/>
             </a:lvl9pPr>
           </a:lstStyle>
-          <a:p/>
+          <a:p>
+            <a:endParaRPr/>
+          </a:p>
         </p:txBody>
       </p:sp>
       <p:sp>
         <p:nvSpPr>
           <p:cNvPr id="40" name="Google Shape;40;p9"/>
-          <p:cNvSpPr txBox="1"/>
+          <p:cNvSpPr txBox="1">
+            <a:spLocks noGrp="1"/>
+          </p:cNvSpPr>
           <p:nvPr>
-            <p:ph idx="12" type="sldNum"/>
+            <p:ph type="sldNum" idx="12"/>
           </p:nvPr>
         </p:nvSpPr>
         <p:spPr>
@@ -4170,7 +4303,7 @@
           </a:prstGeom>
         </p:spPr>
         <p:txBody>
-          <a:bodyPr anchorCtr="0" anchor="ctr" bIns="91425" lIns="91425" spcFirstLastPara="1" rIns="91425" wrap="square" tIns="91425">
+          <a:bodyPr spcFirstLastPara="1" wrap="square" lIns="91425" tIns="91425" rIns="91425" bIns="91425" anchor="ctr" anchorCtr="0">
             <a:noAutofit/>
           </a:bodyPr>
           <a:lstStyle>
@@ -4212,7 +4345,7 @@
             </a:lvl9pPr>
           </a:lstStyle>
           <a:p>
-            <a:pPr indent="0" lvl="0" marL="0" rtl="0" algn="r">
+            <a:pPr marL="0" lvl="0" indent="0" algn="r" rtl="0">
               <a:spcBef>
                 <a:spcPts val="0"/>
               </a:spcBef>
@@ -4223,7 +4356,7 @@
             </a:pPr>
             <a:fld id="{00000000-1234-1234-1234-123412341234}" type="slidenum">
               <a:rPr lang="es"/>
-              <a:t>‹#›</a:t>
+              <a:t>‹Nº›</a:t>
             </a:fld>
             <a:endParaRPr/>
           </a:p>
@@ -4238,11 +4371,11 @@
 </file>
 
 <file path=ppt/slideLayouts/slideLayout9.xml><?xml version="1.0" encoding="utf-8"?>
-<p:sldLayout xmlns:a="http://schemas.openxmlformats.org/drawingml/2006/main" xmlns:r="http://schemas.openxmlformats.org/officeDocument/2006/relationships" xmlns:mc="http://schemas.openxmlformats.org/markup-compatibility/2006" xmlns:mv="urn:schemas-microsoft-com:mac:vml" xmlns:p="http://schemas.openxmlformats.org/presentationml/2006/main" xmlns:c="http://schemas.openxmlformats.org/drawingml/2006/chart" xmlns:dgm="http://schemas.openxmlformats.org/drawingml/2006/diagram" xmlns:o="urn:schemas-microsoft-com:office:office" xmlns:v="urn:schemas-microsoft-com:vml" xmlns:pvml="urn:schemas-microsoft-com:office:powerpoint" xmlns:com="http://schemas.openxmlformats.org/drawingml/2006/compatibility" xmlns:p14="http://schemas.microsoft.com/office/powerpoint/2010/main" xmlns:p15="http://schemas.microsoft.com/office/powerpoint/2012/main" xmlns:ahyp="http://schemas.microsoft.com/office/drawing/2018/hyperlinkcolor" matchingName="Caption">
+<p:sldLayout xmlns:a="http://schemas.openxmlformats.org/drawingml/2006/main" xmlns:r="http://schemas.openxmlformats.org/officeDocument/2006/relationships" xmlns:p="http://schemas.openxmlformats.org/presentationml/2006/main" matchingName="Caption">
   <p:cSld name="CAPTION_ONLY">
     <p:spTree>
       <p:nvGrpSpPr>
-        <p:cNvPr id="41" name="Shape 41"/>
+        <p:cNvPr id="1" name="Shape 41"/>
         <p:cNvGrpSpPr/>
         <p:nvPr/>
       </p:nvGrpSpPr>
@@ -4257,9 +4390,11 @@
       <p:sp>
         <p:nvSpPr>
           <p:cNvPr id="42" name="Google Shape;42;p10"/>
-          <p:cNvSpPr txBox="1"/>
+          <p:cNvSpPr txBox="1">
+            <a:spLocks noGrp="1"/>
+          </p:cNvSpPr>
           <p:nvPr>
-            <p:ph idx="1" type="body"/>
+            <p:ph type="body" idx="1"/>
           </p:nvPr>
         </p:nvSpPr>
         <p:spPr>
@@ -4272,11 +4407,11 @@
           </a:prstGeom>
         </p:spPr>
         <p:txBody>
-          <a:bodyPr anchorCtr="0" anchor="ctr" bIns="91425" lIns="91425" spcFirstLastPara="1" rIns="91425" wrap="square" tIns="91425">
+          <a:bodyPr spcFirstLastPara="1" wrap="square" lIns="91425" tIns="91425" rIns="91425" bIns="91425" anchor="ctr" anchorCtr="0">
             <a:noAutofit/>
           </a:bodyPr>
           <a:lstStyle>
-            <a:lvl1pPr indent="-228600" lvl="0" marL="457200">
+            <a:lvl1pPr marL="457200" lvl="0" indent="-228600">
               <a:lnSpc>
                 <a:spcPct val="100000"/>
               </a:lnSpc>
@@ -4291,15 +4426,19 @@
               <a:defRPr/>
             </a:lvl1pPr>
           </a:lstStyle>
-          <a:p/>
+          <a:p>
+            <a:endParaRPr/>
+          </a:p>
         </p:txBody>
       </p:sp>
       <p:sp>
         <p:nvSpPr>
           <p:cNvPr id="43" name="Google Shape;43;p10"/>
-          <p:cNvSpPr txBox="1"/>
+          <p:cNvSpPr txBox="1">
+            <a:spLocks noGrp="1"/>
+          </p:cNvSpPr>
           <p:nvPr>
-            <p:ph idx="12" type="sldNum"/>
+            <p:ph type="sldNum" idx="12"/>
           </p:nvPr>
         </p:nvSpPr>
         <p:spPr>
@@ -4312,7 +4451,7 @@
           </a:prstGeom>
         </p:spPr>
         <p:txBody>
-          <a:bodyPr anchorCtr="0" anchor="ctr" bIns="91425" lIns="91425" spcFirstLastPara="1" rIns="91425" wrap="square" tIns="91425">
+          <a:bodyPr spcFirstLastPara="1" wrap="square" lIns="91425" tIns="91425" rIns="91425" bIns="91425" anchor="ctr" anchorCtr="0">
             <a:noAutofit/>
           </a:bodyPr>
           <a:lstStyle>
@@ -4354,7 +4493,7 @@
             </a:lvl9pPr>
           </a:lstStyle>
           <a:p>
-            <a:pPr indent="0" lvl="0" marL="0" rtl="0" algn="r">
+            <a:pPr marL="0" lvl="0" indent="0" algn="r" rtl="0">
               <a:spcBef>
                 <a:spcPts val="0"/>
               </a:spcBef>
@@ -4365,7 +4504,7 @@
             </a:pPr>
             <a:fld id="{00000000-1234-1234-1234-123412341234}" type="slidenum">
               <a:rPr lang="es"/>
-              <a:t>‹#›</a:t>
+              <a:t>‹Nº›</a:t>
             </a:fld>
             <a:endParaRPr/>
           </a:p>
@@ -4380,18 +4519,19 @@
 </file>
 
 <file path=ppt/slideMasters/slideMaster1.xml><?xml version="1.0" encoding="utf-8"?>
-<p:sldMaster xmlns:a="http://schemas.openxmlformats.org/drawingml/2006/main" xmlns:r="http://schemas.openxmlformats.org/officeDocument/2006/relationships" xmlns:mc="http://schemas.openxmlformats.org/markup-compatibility/2006" xmlns:mv="urn:schemas-microsoft-com:mac:vml" xmlns:p="http://schemas.openxmlformats.org/presentationml/2006/main" xmlns:c="http://schemas.openxmlformats.org/drawingml/2006/chart" xmlns:dgm="http://schemas.openxmlformats.org/drawingml/2006/diagram" xmlns:o="urn:schemas-microsoft-com:office:office" xmlns:v="urn:schemas-microsoft-com:vml" xmlns:pvml="urn:schemas-microsoft-com:office:powerpoint" xmlns:com="http://schemas.openxmlformats.org/drawingml/2006/compatibility" xmlns:p14="http://schemas.microsoft.com/office/powerpoint/2010/main" xmlns:p15="http://schemas.microsoft.com/office/powerpoint/2012/main" xmlns:ahyp="http://schemas.microsoft.com/office/drawing/2018/hyperlinkcolor">
+<p:sldMaster xmlns:a="http://schemas.openxmlformats.org/drawingml/2006/main" xmlns:r="http://schemas.openxmlformats.org/officeDocument/2006/relationships" xmlns:p="http://schemas.openxmlformats.org/presentationml/2006/main">
   <p:cSld name="simple-light-2">
     <p:bg>
       <p:bgPr>
         <a:solidFill>
           <a:schemeClr val="lt1"/>
         </a:solidFill>
+        <a:effectLst/>
       </p:bgPr>
     </p:bg>
     <p:spTree>
       <p:nvGrpSpPr>
-        <p:cNvPr id="5" name="Shape 5"/>
+        <p:cNvPr id="1" name="Shape 5"/>
         <p:cNvGrpSpPr/>
         <p:nvPr/>
       </p:nvGrpSpPr>
@@ -4406,7 +4546,9 @@
       <p:sp>
         <p:nvSpPr>
           <p:cNvPr id="6" name="Google Shape;6;p1"/>
-          <p:cNvSpPr txBox="1"/>
+          <p:cNvSpPr txBox="1">
+            <a:spLocks noGrp="1"/>
+          </p:cNvSpPr>
           <p:nvPr>
             <p:ph type="title"/>
           </p:nvPr>
@@ -4425,7 +4567,7 @@
           </a:ln>
         </p:spPr>
         <p:txBody>
-          <a:bodyPr anchorCtr="0" anchor="t" bIns="91425" lIns="91425" spcFirstLastPara="1" rIns="91425" wrap="square" tIns="91425">
+          <a:bodyPr spcFirstLastPara="1" wrap="square" lIns="91425" tIns="91425" rIns="91425" bIns="91425" anchor="t" anchorCtr="0">
             <a:noAutofit/>
           </a:bodyPr>
           <a:lstStyle>
@@ -4592,15 +4734,19 @@
               </a:defRPr>
             </a:lvl9pPr>
           </a:lstStyle>
-          <a:p/>
+          <a:p>
+            <a:endParaRPr/>
+          </a:p>
         </p:txBody>
       </p:sp>
       <p:sp>
         <p:nvSpPr>
           <p:cNvPr id="7" name="Google Shape;7;p1"/>
-          <p:cNvSpPr txBox="1"/>
+          <p:cNvSpPr txBox="1">
+            <a:spLocks noGrp="1"/>
+          </p:cNvSpPr>
           <p:nvPr>
-            <p:ph idx="1" type="body"/>
+            <p:ph type="body" idx="1"/>
           </p:nvPr>
         </p:nvSpPr>
         <p:spPr>
@@ -4617,11 +4763,11 @@
           </a:ln>
         </p:spPr>
         <p:txBody>
-          <a:bodyPr anchorCtr="0" anchor="t" bIns="91425" lIns="91425" spcFirstLastPara="1" rIns="91425" wrap="square" tIns="91425">
+          <a:bodyPr spcFirstLastPara="1" wrap="square" lIns="91425" tIns="91425" rIns="91425" bIns="91425" anchor="t" anchorCtr="0">
             <a:noAutofit/>
           </a:bodyPr>
           <a:lstStyle>
-            <a:lvl1pPr indent="-342900" lvl="0" marL="457200">
+            <a:lvl1pPr marL="457200" lvl="0" indent="-342900">
               <a:lnSpc>
                 <a:spcPct val="115000"/>
               </a:lnSpc>
@@ -4642,7 +4788,7 @@
                 </a:solidFill>
               </a:defRPr>
             </a:lvl1pPr>
-            <a:lvl2pPr indent="-317500" lvl="1" marL="914400">
+            <a:lvl2pPr marL="914400" lvl="1" indent="-317500">
               <a:lnSpc>
                 <a:spcPct val="115000"/>
               </a:lnSpc>
@@ -4663,7 +4809,7 @@
                 </a:solidFill>
               </a:defRPr>
             </a:lvl2pPr>
-            <a:lvl3pPr indent="-317500" lvl="2" marL="1371600">
+            <a:lvl3pPr marL="1371600" lvl="2" indent="-317500">
               <a:lnSpc>
                 <a:spcPct val="115000"/>
               </a:lnSpc>
@@ -4684,7 +4830,7 @@
                 </a:solidFill>
               </a:defRPr>
             </a:lvl3pPr>
-            <a:lvl4pPr indent="-317500" lvl="3" marL="1828800">
+            <a:lvl4pPr marL="1828800" lvl="3" indent="-317500">
               <a:lnSpc>
                 <a:spcPct val="115000"/>
               </a:lnSpc>
@@ -4705,7 +4851,7 @@
                 </a:solidFill>
               </a:defRPr>
             </a:lvl4pPr>
-            <a:lvl5pPr indent="-317500" lvl="4" marL="2286000">
+            <a:lvl5pPr marL="2286000" lvl="4" indent="-317500">
               <a:lnSpc>
                 <a:spcPct val="115000"/>
               </a:lnSpc>
@@ -4726,7 +4872,7 @@
                 </a:solidFill>
               </a:defRPr>
             </a:lvl5pPr>
-            <a:lvl6pPr indent="-317500" lvl="5" marL="2743200">
+            <a:lvl6pPr marL="2743200" lvl="5" indent="-317500">
               <a:lnSpc>
                 <a:spcPct val="115000"/>
               </a:lnSpc>
@@ -4747,7 +4893,7 @@
                 </a:solidFill>
               </a:defRPr>
             </a:lvl6pPr>
-            <a:lvl7pPr indent="-317500" lvl="6" marL="3200400">
+            <a:lvl7pPr marL="3200400" lvl="6" indent="-317500">
               <a:lnSpc>
                 <a:spcPct val="115000"/>
               </a:lnSpc>
@@ -4768,7 +4914,7 @@
                 </a:solidFill>
               </a:defRPr>
             </a:lvl7pPr>
-            <a:lvl8pPr indent="-317500" lvl="7" marL="3657600">
+            <a:lvl8pPr marL="3657600" lvl="7" indent="-317500">
               <a:lnSpc>
                 <a:spcPct val="115000"/>
               </a:lnSpc>
@@ -4789,7 +4935,7 @@
                 </a:solidFill>
               </a:defRPr>
             </a:lvl8pPr>
-            <a:lvl9pPr indent="-317500" lvl="8" marL="4114800">
+            <a:lvl9pPr marL="4114800" lvl="8" indent="-317500">
               <a:lnSpc>
                 <a:spcPct val="115000"/>
               </a:lnSpc>
@@ -4811,15 +4957,19 @@
               </a:defRPr>
             </a:lvl9pPr>
           </a:lstStyle>
-          <a:p/>
+          <a:p>
+            <a:endParaRPr/>
+          </a:p>
         </p:txBody>
       </p:sp>
       <p:sp>
         <p:nvSpPr>
           <p:cNvPr id="8" name="Google Shape;8;p1"/>
-          <p:cNvSpPr txBox="1"/>
+          <p:cNvSpPr txBox="1">
+            <a:spLocks noGrp="1"/>
+          </p:cNvSpPr>
           <p:nvPr>
-            <p:ph idx="12" type="sldNum"/>
+            <p:ph type="sldNum" idx="12"/>
           </p:nvPr>
         </p:nvSpPr>
         <p:spPr>
@@ -4836,7 +4986,7 @@
           </a:ln>
         </p:spPr>
         <p:txBody>
-          <a:bodyPr anchorCtr="0" anchor="ctr" bIns="91425" lIns="91425" spcFirstLastPara="1" rIns="91425" wrap="square" tIns="91425">
+          <a:bodyPr spcFirstLastPara="1" wrap="square" lIns="91425" tIns="91425" rIns="91425" bIns="91425" anchor="ctr" anchorCtr="0">
             <a:noAutofit/>
           </a:bodyPr>
           <a:lstStyle>
@@ -4914,7 +5064,7 @@
             </a:lvl9pPr>
           </a:lstStyle>
           <a:p>
-            <a:pPr indent="0" lvl="0" marL="0" rtl="0" algn="r">
+            <a:pPr marL="0" lvl="0" indent="0" algn="r" rtl="0">
               <a:spcBef>
                 <a:spcPts val="0"/>
               </a:spcBef>
@@ -4925,7 +5075,7 @@
             </a:pPr>
             <a:fld id="{00000000-1234-1234-1234-123412341234}" type="slidenum">
               <a:rPr lang="es"/>
-              <a:t>‹#›</a:t>
+              <a:t>‹Nº›</a:t>
             </a:fld>
             <a:endParaRPr/>
           </a:p>
@@ -4933,7 +5083,7 @@
       </p:sp>
     </p:spTree>
   </p:cSld>
-  <p:clrMap accent1="accent1" accent2="accent2" accent3="accent3" accent4="accent4" accent5="accent5" accent6="accent6" bg1="lt1" bg2="dk2" tx1="dk1" tx2="lt2" folHlink="folHlink" hlink="hlink"/>
+  <p:clrMap bg1="lt1" tx1="dk1" bg2="dk2" tx2="lt2" accent1="accent1" accent2="accent2" accent3="accent3" accent4="accent4" accent5="accent5" accent6="accent6" hlink="hlink" folHlink="folHlink"/>
   <p:sldLayoutIdLst>
     <p:sldLayoutId id="2147483648" r:id="rId1"/>
     <p:sldLayoutId id="2147483649" r:id="rId2"/>
@@ -4947,10 +5097,10 @@
     <p:sldLayoutId id="2147483657" r:id="rId10"/>
     <p:sldLayoutId id="2147483658" r:id="rId11"/>
   </p:sldLayoutIdLst>
-  <p:hf dt="0" ftr="0" hdr="0" sldNum="0"/>
+  <p:hf sldNum="0" hdr="0" ftr="0" dt="0"/>
   <p:txStyles>
     <p:titleStyle>
-      <a:defPPr lvl="0" marR="0" rtl="0" algn="l">
+      <a:defPPr marR="0" lvl="0" algn="l" rtl="0">
         <a:lnSpc>
           <a:spcPct val="100000"/>
         </a:lnSpc>
@@ -4961,7 +5111,7 @@
           <a:spcPts val="0"/>
         </a:spcAft>
       </a:defPPr>
-      <a:lvl1pPr lvl="0" marR="0" rtl="0" algn="l">
+      <a:lvl1pPr marR="0" lvl="0" algn="l" rtl="0">
         <a:lnSpc>
           <a:spcPct val="100000"/>
         </a:lnSpc>
@@ -4975,7 +5125,7 @@
           <a:srgbClr val="000000"/>
         </a:buClr>
         <a:buFont typeface="Arial"/>
-        <a:defRPr b="0" i="0" sz="1400" u="none" cap="none" strike="noStrike">
+        <a:defRPr sz="1400" b="0" i="0" u="none" strike="noStrike" cap="none">
           <a:solidFill>
             <a:srgbClr val="000000"/>
           </a:solidFill>
@@ -4985,7 +5135,7 @@
           <a:sym typeface="Arial"/>
         </a:defRPr>
       </a:lvl1pPr>
-      <a:lvl2pPr lvl="1" marR="0" rtl="0" algn="l">
+      <a:lvl2pPr marR="0" lvl="1" algn="l" rtl="0">
         <a:lnSpc>
           <a:spcPct val="100000"/>
         </a:lnSpc>
@@ -4999,7 +5149,7 @@
           <a:srgbClr val="000000"/>
         </a:buClr>
         <a:buFont typeface="Arial"/>
-        <a:defRPr b="0" i="0" sz="1400" u="none" cap="none" strike="noStrike">
+        <a:defRPr sz="1400" b="0" i="0" u="none" strike="noStrike" cap="none">
           <a:solidFill>
             <a:srgbClr val="000000"/>
           </a:solidFill>
@@ -5009,7 +5159,7 @@
           <a:sym typeface="Arial"/>
         </a:defRPr>
       </a:lvl2pPr>
-      <a:lvl3pPr lvl="2" marR="0" rtl="0" algn="l">
+      <a:lvl3pPr marR="0" lvl="2" algn="l" rtl="0">
         <a:lnSpc>
           <a:spcPct val="100000"/>
         </a:lnSpc>
@@ -5023,7 +5173,7 @@
           <a:srgbClr val="000000"/>
         </a:buClr>
         <a:buFont typeface="Arial"/>
-        <a:defRPr b="0" i="0" sz="1400" u="none" cap="none" strike="noStrike">
+        <a:defRPr sz="1400" b="0" i="0" u="none" strike="noStrike" cap="none">
           <a:solidFill>
             <a:srgbClr val="000000"/>
           </a:solidFill>
@@ -5033,7 +5183,7 @@
           <a:sym typeface="Arial"/>
         </a:defRPr>
       </a:lvl3pPr>
-      <a:lvl4pPr lvl="3" marR="0" rtl="0" algn="l">
+      <a:lvl4pPr marR="0" lvl="3" algn="l" rtl="0">
         <a:lnSpc>
           <a:spcPct val="100000"/>
         </a:lnSpc>
@@ -5047,7 +5197,7 @@
           <a:srgbClr val="000000"/>
         </a:buClr>
         <a:buFont typeface="Arial"/>
-        <a:defRPr b="0" i="0" sz="1400" u="none" cap="none" strike="noStrike">
+        <a:defRPr sz="1400" b="0" i="0" u="none" strike="noStrike" cap="none">
           <a:solidFill>
             <a:srgbClr val="000000"/>
           </a:solidFill>
@@ -5057,7 +5207,7 @@
           <a:sym typeface="Arial"/>
         </a:defRPr>
       </a:lvl4pPr>
-      <a:lvl5pPr lvl="4" marR="0" rtl="0" algn="l">
+      <a:lvl5pPr marR="0" lvl="4" algn="l" rtl="0">
         <a:lnSpc>
           <a:spcPct val="100000"/>
         </a:lnSpc>
@@ -5071,7 +5221,7 @@
           <a:srgbClr val="000000"/>
         </a:buClr>
         <a:buFont typeface="Arial"/>
-        <a:defRPr b="0" i="0" sz="1400" u="none" cap="none" strike="noStrike">
+        <a:defRPr sz="1400" b="0" i="0" u="none" strike="noStrike" cap="none">
           <a:solidFill>
             <a:srgbClr val="000000"/>
           </a:solidFill>
@@ -5081,7 +5231,7 @@
           <a:sym typeface="Arial"/>
         </a:defRPr>
       </a:lvl5pPr>
-      <a:lvl6pPr lvl="5" marR="0" rtl="0" algn="l">
+      <a:lvl6pPr marR="0" lvl="5" algn="l" rtl="0">
         <a:lnSpc>
           <a:spcPct val="100000"/>
         </a:lnSpc>
@@ -5095,7 +5245,7 @@
           <a:srgbClr val="000000"/>
         </a:buClr>
         <a:buFont typeface="Arial"/>
-        <a:defRPr b="0" i="0" sz="1400" u="none" cap="none" strike="noStrike">
+        <a:defRPr sz="1400" b="0" i="0" u="none" strike="noStrike" cap="none">
           <a:solidFill>
             <a:srgbClr val="000000"/>
           </a:solidFill>
@@ -5105,7 +5255,7 @@
           <a:sym typeface="Arial"/>
         </a:defRPr>
       </a:lvl6pPr>
-      <a:lvl7pPr lvl="6" marR="0" rtl="0" algn="l">
+      <a:lvl7pPr marR="0" lvl="6" algn="l" rtl="0">
         <a:lnSpc>
           <a:spcPct val="100000"/>
         </a:lnSpc>
@@ -5119,7 +5269,7 @@
           <a:srgbClr val="000000"/>
         </a:buClr>
         <a:buFont typeface="Arial"/>
-        <a:defRPr b="0" i="0" sz="1400" u="none" cap="none" strike="noStrike">
+        <a:defRPr sz="1400" b="0" i="0" u="none" strike="noStrike" cap="none">
           <a:solidFill>
             <a:srgbClr val="000000"/>
           </a:solidFill>
@@ -5129,7 +5279,7 @@
           <a:sym typeface="Arial"/>
         </a:defRPr>
       </a:lvl7pPr>
-      <a:lvl8pPr lvl="7" marR="0" rtl="0" algn="l">
+      <a:lvl8pPr marR="0" lvl="7" algn="l" rtl="0">
         <a:lnSpc>
           <a:spcPct val="100000"/>
         </a:lnSpc>
@@ -5143,7 +5293,7 @@
           <a:srgbClr val="000000"/>
         </a:buClr>
         <a:buFont typeface="Arial"/>
-        <a:defRPr b="0" i="0" sz="1400" u="none" cap="none" strike="noStrike">
+        <a:defRPr sz="1400" b="0" i="0" u="none" strike="noStrike" cap="none">
           <a:solidFill>
             <a:srgbClr val="000000"/>
           </a:solidFill>
@@ -5153,7 +5303,7 @@
           <a:sym typeface="Arial"/>
         </a:defRPr>
       </a:lvl8pPr>
-      <a:lvl9pPr lvl="8" marR="0" rtl="0" algn="l">
+      <a:lvl9pPr marR="0" lvl="8" algn="l" rtl="0">
         <a:lnSpc>
           <a:spcPct val="100000"/>
         </a:lnSpc>
@@ -5167,7 +5317,7 @@
           <a:srgbClr val="000000"/>
         </a:buClr>
         <a:buFont typeface="Arial"/>
-        <a:defRPr b="0" i="0" sz="1400" u="none" cap="none" strike="noStrike">
+        <a:defRPr sz="1400" b="0" i="0" u="none" strike="noStrike" cap="none">
           <a:solidFill>
             <a:srgbClr val="000000"/>
           </a:solidFill>
@@ -5179,7 +5329,7 @@
       </a:lvl9pPr>
     </p:titleStyle>
     <p:bodyStyle>
-      <a:defPPr lvl="0" marR="0" rtl="0" algn="l">
+      <a:defPPr marR="0" lvl="0" algn="l" rtl="0">
         <a:lnSpc>
           <a:spcPct val="100000"/>
         </a:lnSpc>
@@ -5190,7 +5340,7 @@
           <a:spcPts val="0"/>
         </a:spcAft>
       </a:defPPr>
-      <a:lvl1pPr lvl="0" marR="0" rtl="0" algn="l">
+      <a:lvl1pPr marR="0" lvl="0" algn="l" rtl="0">
         <a:lnSpc>
           <a:spcPct val="100000"/>
         </a:lnSpc>
@@ -5204,7 +5354,7 @@
           <a:srgbClr val="000000"/>
         </a:buClr>
         <a:buFont typeface="Arial"/>
-        <a:defRPr b="0" i="0" sz="1400" u="none" cap="none" strike="noStrike">
+        <a:defRPr sz="1400" b="0" i="0" u="none" strike="noStrike" cap="none">
           <a:solidFill>
             <a:srgbClr val="000000"/>
           </a:solidFill>
@@ -5214,7 +5364,7 @@
           <a:sym typeface="Arial"/>
         </a:defRPr>
       </a:lvl1pPr>
-      <a:lvl2pPr lvl="1" marR="0" rtl="0" algn="l">
+      <a:lvl2pPr marR="0" lvl="1" algn="l" rtl="0">
         <a:lnSpc>
           <a:spcPct val="100000"/>
         </a:lnSpc>
@@ -5228,7 +5378,7 @@
           <a:srgbClr val="000000"/>
         </a:buClr>
         <a:buFont typeface="Arial"/>
-        <a:defRPr b="0" i="0" sz="1400" u="none" cap="none" strike="noStrike">
+        <a:defRPr sz="1400" b="0" i="0" u="none" strike="noStrike" cap="none">
           <a:solidFill>
             <a:srgbClr val="000000"/>
           </a:solidFill>
@@ -5238,7 +5388,7 @@
           <a:sym typeface="Arial"/>
         </a:defRPr>
       </a:lvl2pPr>
-      <a:lvl3pPr lvl="2" marR="0" rtl="0" algn="l">
+      <a:lvl3pPr marR="0" lvl="2" algn="l" rtl="0">
         <a:lnSpc>
           <a:spcPct val="100000"/>
         </a:lnSpc>
@@ -5252,7 +5402,7 @@
           <a:srgbClr val="000000"/>
         </a:buClr>
         <a:buFont typeface="Arial"/>
-        <a:defRPr b="0" i="0" sz="1400" u="none" cap="none" strike="noStrike">
+        <a:defRPr sz="1400" b="0" i="0" u="none" strike="noStrike" cap="none">
           <a:solidFill>
             <a:srgbClr val="000000"/>
           </a:solidFill>
@@ -5262,7 +5412,7 @@
           <a:sym typeface="Arial"/>
         </a:defRPr>
       </a:lvl3pPr>
-      <a:lvl4pPr lvl="3" marR="0" rtl="0" algn="l">
+      <a:lvl4pPr marR="0" lvl="3" algn="l" rtl="0">
         <a:lnSpc>
           <a:spcPct val="100000"/>
         </a:lnSpc>
@@ -5276,7 +5426,7 @@
           <a:srgbClr val="000000"/>
         </a:buClr>
         <a:buFont typeface="Arial"/>
-        <a:defRPr b="0" i="0" sz="1400" u="none" cap="none" strike="noStrike">
+        <a:defRPr sz="1400" b="0" i="0" u="none" strike="noStrike" cap="none">
           <a:solidFill>
             <a:srgbClr val="000000"/>
           </a:solidFill>
@@ -5286,7 +5436,7 @@
           <a:sym typeface="Arial"/>
         </a:defRPr>
       </a:lvl4pPr>
-      <a:lvl5pPr lvl="4" marR="0" rtl="0" algn="l">
+      <a:lvl5pPr marR="0" lvl="4" algn="l" rtl="0">
         <a:lnSpc>
           <a:spcPct val="100000"/>
         </a:lnSpc>
@@ -5300,7 +5450,7 @@
           <a:srgbClr val="000000"/>
         </a:buClr>
         <a:buFont typeface="Arial"/>
-        <a:defRPr b="0" i="0" sz="1400" u="none" cap="none" strike="noStrike">
+        <a:defRPr sz="1400" b="0" i="0" u="none" strike="noStrike" cap="none">
           <a:solidFill>
             <a:srgbClr val="000000"/>
           </a:solidFill>
@@ -5310,7 +5460,7 @@
           <a:sym typeface="Arial"/>
         </a:defRPr>
       </a:lvl5pPr>
-      <a:lvl6pPr lvl="5" marR="0" rtl="0" algn="l">
+      <a:lvl6pPr marR="0" lvl="5" algn="l" rtl="0">
         <a:lnSpc>
           <a:spcPct val="100000"/>
         </a:lnSpc>
@@ -5324,7 +5474,7 @@
           <a:srgbClr val="000000"/>
         </a:buClr>
         <a:buFont typeface="Arial"/>
-        <a:defRPr b="0" i="0" sz="1400" u="none" cap="none" strike="noStrike">
+        <a:defRPr sz="1400" b="0" i="0" u="none" strike="noStrike" cap="none">
           <a:solidFill>
             <a:srgbClr val="000000"/>
           </a:solidFill>
@@ -5334,7 +5484,7 @@
           <a:sym typeface="Arial"/>
         </a:defRPr>
       </a:lvl6pPr>
-      <a:lvl7pPr lvl="6" marR="0" rtl="0" algn="l">
+      <a:lvl7pPr marR="0" lvl="6" algn="l" rtl="0">
         <a:lnSpc>
           <a:spcPct val="100000"/>
         </a:lnSpc>
@@ -5348,7 +5498,7 @@
           <a:srgbClr val="000000"/>
         </a:buClr>
         <a:buFont typeface="Arial"/>
-        <a:defRPr b="0" i="0" sz="1400" u="none" cap="none" strike="noStrike">
+        <a:defRPr sz="1400" b="0" i="0" u="none" strike="noStrike" cap="none">
           <a:solidFill>
             <a:srgbClr val="000000"/>
           </a:solidFill>
@@ -5358,7 +5508,7 @@
           <a:sym typeface="Arial"/>
         </a:defRPr>
       </a:lvl7pPr>
-      <a:lvl8pPr lvl="7" marR="0" rtl="0" algn="l">
+      <a:lvl8pPr marR="0" lvl="7" algn="l" rtl="0">
         <a:lnSpc>
           <a:spcPct val="100000"/>
         </a:lnSpc>
@@ -5372,7 +5522,7 @@
           <a:srgbClr val="000000"/>
         </a:buClr>
         <a:buFont typeface="Arial"/>
-        <a:defRPr b="0" i="0" sz="1400" u="none" cap="none" strike="noStrike">
+        <a:defRPr sz="1400" b="0" i="0" u="none" strike="noStrike" cap="none">
           <a:solidFill>
             <a:srgbClr val="000000"/>
           </a:solidFill>
@@ -5382,7 +5532,7 @@
           <a:sym typeface="Arial"/>
         </a:defRPr>
       </a:lvl8pPr>
-      <a:lvl9pPr lvl="8" marR="0" rtl="0" algn="l">
+      <a:lvl9pPr marR="0" lvl="8" algn="l" rtl="0">
         <a:lnSpc>
           <a:spcPct val="100000"/>
         </a:lnSpc>
@@ -5396,7 +5546,7 @@
           <a:srgbClr val="000000"/>
         </a:buClr>
         <a:buFont typeface="Arial"/>
-        <a:defRPr b="0" i="0" sz="1400" u="none" cap="none" strike="noStrike">
+        <a:defRPr sz="1400" b="0" i="0" u="none" strike="noStrike" cap="none">
           <a:solidFill>
             <a:srgbClr val="000000"/>
           </a:solidFill>
@@ -5408,7 +5558,7 @@
       </a:lvl9pPr>
     </p:bodyStyle>
     <p:otherStyle>
-      <a:defPPr lvl="0" marR="0" rtl="0" algn="l">
+      <a:defPPr marR="0" lvl="0" algn="l" rtl="0">
         <a:lnSpc>
           <a:spcPct val="100000"/>
         </a:lnSpc>
@@ -5419,7 +5569,7 @@
           <a:spcPts val="0"/>
         </a:spcAft>
       </a:defPPr>
-      <a:lvl1pPr lvl="0" marR="0" rtl="0" algn="l">
+      <a:lvl1pPr marR="0" lvl="0" algn="l" rtl="0">
         <a:lnSpc>
           <a:spcPct val="100000"/>
         </a:lnSpc>
@@ -5433,7 +5583,7 @@
           <a:srgbClr val="000000"/>
         </a:buClr>
         <a:buFont typeface="Arial"/>
-        <a:defRPr b="0" i="0" sz="1400" u="none" cap="none" strike="noStrike">
+        <a:defRPr sz="1400" b="0" i="0" u="none" strike="noStrike" cap="none">
           <a:solidFill>
             <a:srgbClr val="000000"/>
           </a:solidFill>
@@ -5443,7 +5593,7 @@
           <a:sym typeface="Arial"/>
         </a:defRPr>
       </a:lvl1pPr>
-      <a:lvl2pPr lvl="1" marR="0" rtl="0" algn="l">
+      <a:lvl2pPr marR="0" lvl="1" algn="l" rtl="0">
         <a:lnSpc>
           <a:spcPct val="100000"/>
         </a:lnSpc>
@@ -5457,7 +5607,7 @@
           <a:srgbClr val="000000"/>
         </a:buClr>
         <a:buFont typeface="Arial"/>
-        <a:defRPr b="0" i="0" sz="1400" u="none" cap="none" strike="noStrike">
+        <a:defRPr sz="1400" b="0" i="0" u="none" strike="noStrike" cap="none">
           <a:solidFill>
             <a:srgbClr val="000000"/>
           </a:solidFill>
@@ -5467,7 +5617,7 @@
           <a:sym typeface="Arial"/>
         </a:defRPr>
       </a:lvl2pPr>
-      <a:lvl3pPr lvl="2" marR="0" rtl="0" algn="l">
+      <a:lvl3pPr marR="0" lvl="2" algn="l" rtl="0">
         <a:lnSpc>
           <a:spcPct val="100000"/>
         </a:lnSpc>
@@ -5481,7 +5631,7 @@
           <a:srgbClr val="000000"/>
         </a:buClr>
         <a:buFont typeface="Arial"/>
-        <a:defRPr b="0" i="0" sz="1400" u="none" cap="none" strike="noStrike">
+        <a:defRPr sz="1400" b="0" i="0" u="none" strike="noStrike" cap="none">
           <a:solidFill>
             <a:srgbClr val="000000"/>
           </a:solidFill>
@@ -5491,7 +5641,7 @@
           <a:sym typeface="Arial"/>
         </a:defRPr>
       </a:lvl3pPr>
-      <a:lvl4pPr lvl="3" marR="0" rtl="0" algn="l">
+      <a:lvl4pPr marR="0" lvl="3" algn="l" rtl="0">
         <a:lnSpc>
           <a:spcPct val="100000"/>
         </a:lnSpc>
@@ -5505,7 +5655,7 @@
           <a:srgbClr val="000000"/>
         </a:buClr>
         <a:buFont typeface="Arial"/>
-        <a:defRPr b="0" i="0" sz="1400" u="none" cap="none" strike="noStrike">
+        <a:defRPr sz="1400" b="0" i="0" u="none" strike="noStrike" cap="none">
           <a:solidFill>
             <a:srgbClr val="000000"/>
           </a:solidFill>
@@ -5515,7 +5665,7 @@
           <a:sym typeface="Arial"/>
         </a:defRPr>
       </a:lvl4pPr>
-      <a:lvl5pPr lvl="4" marR="0" rtl="0" algn="l">
+      <a:lvl5pPr marR="0" lvl="4" algn="l" rtl="0">
         <a:lnSpc>
           <a:spcPct val="100000"/>
         </a:lnSpc>
@@ -5529,7 +5679,7 @@
           <a:srgbClr val="000000"/>
         </a:buClr>
         <a:buFont typeface="Arial"/>
-        <a:defRPr b="0" i="0" sz="1400" u="none" cap="none" strike="noStrike">
+        <a:defRPr sz="1400" b="0" i="0" u="none" strike="noStrike" cap="none">
           <a:solidFill>
             <a:srgbClr val="000000"/>
           </a:solidFill>
@@ -5539,7 +5689,7 @@
           <a:sym typeface="Arial"/>
         </a:defRPr>
       </a:lvl5pPr>
-      <a:lvl6pPr lvl="5" marR="0" rtl="0" algn="l">
+      <a:lvl6pPr marR="0" lvl="5" algn="l" rtl="0">
         <a:lnSpc>
           <a:spcPct val="100000"/>
         </a:lnSpc>
@@ -5553,7 +5703,7 @@
           <a:srgbClr val="000000"/>
         </a:buClr>
         <a:buFont typeface="Arial"/>
-        <a:defRPr b="0" i="0" sz="1400" u="none" cap="none" strike="noStrike">
+        <a:defRPr sz="1400" b="0" i="0" u="none" strike="noStrike" cap="none">
           <a:solidFill>
             <a:srgbClr val="000000"/>
           </a:solidFill>
@@ -5563,7 +5713,7 @@
           <a:sym typeface="Arial"/>
         </a:defRPr>
       </a:lvl6pPr>
-      <a:lvl7pPr lvl="6" marR="0" rtl="0" algn="l">
+      <a:lvl7pPr marR="0" lvl="6" algn="l" rtl="0">
         <a:lnSpc>
           <a:spcPct val="100000"/>
         </a:lnSpc>
@@ -5577,7 +5727,7 @@
           <a:srgbClr val="000000"/>
         </a:buClr>
         <a:buFont typeface="Arial"/>
-        <a:defRPr b="0" i="0" sz="1400" u="none" cap="none" strike="noStrike">
+        <a:defRPr sz="1400" b="0" i="0" u="none" strike="noStrike" cap="none">
           <a:solidFill>
             <a:srgbClr val="000000"/>
           </a:solidFill>
@@ -5587,7 +5737,7 @@
           <a:sym typeface="Arial"/>
         </a:defRPr>
       </a:lvl7pPr>
-      <a:lvl8pPr lvl="7" marR="0" rtl="0" algn="l">
+      <a:lvl8pPr marR="0" lvl="7" algn="l" rtl="0">
         <a:lnSpc>
           <a:spcPct val="100000"/>
         </a:lnSpc>
@@ -5601,7 +5751,7 @@
           <a:srgbClr val="000000"/>
         </a:buClr>
         <a:buFont typeface="Arial"/>
-        <a:defRPr b="0" i="0" sz="1400" u="none" cap="none" strike="noStrike">
+        <a:defRPr sz="1400" b="0" i="0" u="none" strike="noStrike" cap="none">
           <a:solidFill>
             <a:srgbClr val="000000"/>
           </a:solidFill>
@@ -5611,7 +5761,7 @@
           <a:sym typeface="Arial"/>
         </a:defRPr>
       </a:lvl8pPr>
-      <a:lvl9pPr lvl="8" marR="0" rtl="0" algn="l">
+      <a:lvl9pPr marR="0" lvl="8" algn="l" rtl="0">
         <a:lnSpc>
           <a:spcPct val="100000"/>
         </a:lnSpc>
@@ -5625,7 +5775,7 @@
           <a:srgbClr val="000000"/>
         </a:buClr>
         <a:buFont typeface="Arial"/>
-        <a:defRPr b="0" i="0" sz="1400" u="none" cap="none" strike="noStrike">
+        <a:defRPr sz="1400" b="0" i="0" u="none" strike="noStrike" cap="none">
           <a:solidFill>
             <a:srgbClr val="000000"/>
           </a:solidFill>
@@ -5641,7 +5791,7 @@
 </file>
 
 <file path=ppt/slides/slide1.xml><?xml version="1.0" encoding="utf-8"?>
-<p:sld xmlns:a="http://schemas.openxmlformats.org/drawingml/2006/main" xmlns:r="http://schemas.openxmlformats.org/officeDocument/2006/relationships" xmlns:mc="http://schemas.openxmlformats.org/markup-compatibility/2006" xmlns:mv="urn:schemas-microsoft-com:mac:vml" xmlns:p="http://schemas.openxmlformats.org/presentationml/2006/main" xmlns:c="http://schemas.openxmlformats.org/drawingml/2006/chart" xmlns:dgm="http://schemas.openxmlformats.org/drawingml/2006/diagram" xmlns:o="urn:schemas-microsoft-com:office:office" xmlns:v="urn:schemas-microsoft-com:vml" xmlns:pvml="urn:schemas-microsoft-com:office:powerpoint" xmlns:com="http://schemas.openxmlformats.org/drawingml/2006/compatibility" xmlns:p14="http://schemas.microsoft.com/office/powerpoint/2010/main" xmlns:p15="http://schemas.microsoft.com/office/powerpoint/2012/main" xmlns:ahyp="http://schemas.microsoft.com/office/drawing/2018/hyperlinkcolor">
+<p:sld xmlns:a="http://schemas.openxmlformats.org/drawingml/2006/main" xmlns:r="http://schemas.openxmlformats.org/officeDocument/2006/relationships" xmlns:p="http://schemas.openxmlformats.org/presentationml/2006/main">
   <p:cSld>
     <p:bg>
       <p:bgPr>
@@ -5653,11 +5803,12 @@
             <a:fillRect/>
           </a:stretch>
         </a:blipFill>
+        <a:effectLst/>
       </p:bgPr>
     </p:bg>
     <p:spTree>
       <p:nvGrpSpPr>
-        <p:cNvPr id="53" name="Shape 53"/>
+        <p:cNvPr id="1" name="Shape 53"/>
         <p:cNvGrpSpPr/>
         <p:nvPr/>
       </p:nvGrpSpPr>
@@ -5672,27 +5823,29 @@
       <p:sp>
         <p:nvSpPr>
           <p:cNvPr id="54" name="Google Shape;54;p13"/>
-          <p:cNvSpPr txBox="1"/>
+          <p:cNvSpPr txBox="1">
+            <a:spLocks noGrp="1"/>
+          </p:cNvSpPr>
           <p:nvPr>
             <p:ph type="title"/>
           </p:nvPr>
         </p:nvSpPr>
         <p:spPr>
           <a:xfrm>
-            <a:off x="512025" y="433575"/>
-            <a:ext cx="8355300" cy="1443000"/>
+            <a:off x="512025" y="1349991"/>
+            <a:ext cx="8355300" cy="767622"/>
           </a:xfrm>
           <a:prstGeom prst="rect">
             <a:avLst/>
           </a:prstGeom>
         </p:spPr>
         <p:txBody>
-          <a:bodyPr anchorCtr="0" anchor="t" bIns="91425" lIns="91425" spcFirstLastPara="1" rIns="91425" wrap="square" tIns="91425">
+          <a:bodyPr spcFirstLastPara="1" wrap="square" lIns="91425" tIns="91425" rIns="91425" bIns="91425" anchor="t" anchorCtr="0">
             <a:noAutofit/>
           </a:bodyPr>
           <a:lstStyle/>
           <a:p>
-            <a:pPr indent="0" lvl="0" marL="0" rtl="0" algn="ctr">
+            <a:pPr marL="0" lvl="0" indent="0" algn="ctr" rtl="0">
               <a:spcBef>
                 <a:spcPts val="0"/>
               </a:spcBef>
@@ -5702,24 +5855,33 @@
               <a:buNone/>
             </a:pPr>
             <a:r>
-              <a:rPr lang="es" sz="4300">
+              <a:rPr lang="es" sz="3600" dirty="0">
                 <a:latin typeface="Lobster"/>
                 <a:ea typeface="Lobster"/>
                 <a:cs typeface="Lobster"/>
                 <a:sym typeface="Lobster"/>
               </a:rPr>
-              <a:t>Aumenta tu masa muscular sin lesionarte</a:t>
+              <a:t>Aumenta tu masa </a:t>
             </a:r>
             <a:r>
-              <a:rPr lang="es" sz="3900">
+              <a:rPr lang="es" sz="3600" dirty="0" smtClean="0">
                 <a:latin typeface="Lobster"/>
                 <a:ea typeface="Lobster"/>
                 <a:cs typeface="Lobster"/>
                 <a:sym typeface="Lobster"/>
               </a:rPr>
-              <a:t> </a:t>
+              <a:t>muscular </a:t>
             </a:r>
-            <a:endParaRPr sz="3900">
+            <a:r>
+              <a:rPr lang="es" sz="3600" dirty="0">
+                <a:latin typeface="Lobster"/>
+                <a:ea typeface="Lobster"/>
+                <a:cs typeface="Lobster"/>
+                <a:sym typeface="Lobster"/>
+              </a:rPr>
+              <a:t>sin lesionarte </a:t>
+            </a:r>
+            <a:endParaRPr sz="3600" dirty="0">
               <a:latin typeface="Lobster"/>
               <a:ea typeface="Lobster"/>
               <a:cs typeface="Lobster"/>
@@ -5731,9 +5893,11 @@
       <p:sp>
         <p:nvSpPr>
           <p:cNvPr id="55" name="Google Shape;55;p13"/>
-          <p:cNvSpPr txBox="1"/>
+          <p:cNvSpPr txBox="1">
+            <a:spLocks noGrp="1"/>
+          </p:cNvSpPr>
           <p:nvPr>
-            <p:ph idx="1" type="body"/>
+            <p:ph type="body" idx="1"/>
           </p:nvPr>
         </p:nvSpPr>
         <p:spPr>
@@ -5750,12 +5914,12 @@
           </a:ln>
         </p:spPr>
         <p:txBody>
-          <a:bodyPr anchorCtr="0" anchor="t" bIns="91425" lIns="91425" spcFirstLastPara="1" rIns="91425" wrap="square" tIns="91425">
+          <a:bodyPr spcFirstLastPara="1" wrap="square" lIns="91425" tIns="91425" rIns="91425" bIns="91425" anchor="t" anchorCtr="0">
             <a:noAutofit/>
           </a:bodyPr>
           <a:lstStyle/>
           <a:p>
-            <a:pPr indent="0" lvl="0" marL="0" rtl="0" algn="l">
+            <a:pPr marL="0" lvl="0" indent="0" algn="l" rtl="0">
               <a:spcBef>
                 <a:spcPts val="0"/>
               </a:spcBef>
@@ -5765,21 +5929,21 @@
               <a:buNone/>
             </a:pPr>
             <a:r>
-              <a:rPr b="1" lang="es" sz="3000">
+              <a:rPr lang="es" sz="3000" b="1">
                 <a:solidFill>
                   <a:schemeClr val="lt1"/>
                 </a:solidFill>
               </a:rPr>
               <a:t>Integrantes:</a:t>
             </a:r>
-            <a:endParaRPr b="1" sz="3000">
+            <a:endParaRPr sz="3000" b="1">
               <a:solidFill>
                 <a:schemeClr val="lt1"/>
               </a:solidFill>
             </a:endParaRPr>
           </a:p>
           <a:p>
-            <a:pPr indent="-355600" lvl="0" marL="457200" rtl="0" algn="l">
+            <a:pPr marL="457200" lvl="0" indent="-355600" algn="l" rtl="0">
               <a:spcBef>
                 <a:spcPts val="1600"/>
               </a:spcBef>
@@ -5807,7 +5971,7 @@
             </a:endParaRPr>
           </a:p>
           <a:p>
-            <a:pPr indent="-355600" lvl="0" marL="457200" rtl="0" algn="l">
+            <a:pPr marL="457200" lvl="0" indent="-355600" algn="l" rtl="0">
               <a:spcBef>
                 <a:spcPts val="0"/>
               </a:spcBef>
@@ -5852,7 +6016,7 @@
         </p:blipFill>
         <p:spPr>
           <a:xfrm>
-            <a:off x="349100" y="2245925"/>
+            <a:off x="338173" y="2375829"/>
             <a:ext cx="2338149" cy="1557525"/>
           </a:xfrm>
           <a:prstGeom prst="rect">
@@ -5880,7 +6044,7 @@
         </p:blipFill>
         <p:spPr>
           <a:xfrm>
-            <a:off x="1690225" y="3143451"/>
+            <a:off x="1324681" y="3280877"/>
             <a:ext cx="2338150" cy="1555933"/>
           </a:xfrm>
           <a:prstGeom prst="rect">
@@ -5908,7 +6072,7 @@
         </p:blipFill>
         <p:spPr>
           <a:xfrm>
-            <a:off x="3232575" y="2306425"/>
+            <a:off x="2964298" y="2377429"/>
             <a:ext cx="2521127" cy="1555925"/>
           </a:xfrm>
           <a:prstGeom prst="rect">
@@ -5920,6 +6084,343 @@
           </a:ln>
         </p:spPr>
       </p:pic>
+      <p:sp>
+        <p:nvSpPr>
+          <p:cNvPr id="7" name="Título 1"/>
+          <p:cNvSpPr txBox="1">
+            <a:spLocks/>
+          </p:cNvSpPr>
+          <p:nvPr/>
+        </p:nvSpPr>
+        <p:spPr>
+          <a:xfrm>
+            <a:off x="2065143" y="358612"/>
+            <a:ext cx="5041788" cy="991379"/>
+          </a:xfrm>
+          <a:prstGeom prst="rect">
+            <a:avLst/>
+          </a:prstGeom>
+          <a:noFill/>
+          <a:ln>
+            <a:noFill/>
+          </a:ln>
+        </p:spPr>
+        <p:txBody>
+          <a:bodyPr spcFirstLastPara="1" wrap="square" lIns="91425" tIns="91425" rIns="91425" bIns="91425" anchor="t" anchorCtr="0">
+            <a:noAutofit/>
+          </a:bodyPr>
+          <a:lstStyle>
+            <a:defPPr marR="0" lvl="0" algn="l" rtl="0">
+              <a:lnSpc>
+                <a:spcPct val="100000"/>
+              </a:lnSpc>
+              <a:spcBef>
+                <a:spcPts val="0"/>
+              </a:spcBef>
+              <a:spcAft>
+                <a:spcPts val="0"/>
+              </a:spcAft>
+            </a:defPPr>
+            <a:lvl1pPr marR="0" lvl="0" algn="l" rtl="0">
+              <a:lnSpc>
+                <a:spcPct val="100000"/>
+              </a:lnSpc>
+              <a:spcBef>
+                <a:spcPts val="0"/>
+              </a:spcBef>
+              <a:spcAft>
+                <a:spcPts val="0"/>
+              </a:spcAft>
+              <a:buClr>
+                <a:schemeClr val="dk1"/>
+              </a:buClr>
+              <a:buSzPts val="2800"/>
+              <a:buFont typeface="Arial"/>
+              <a:buNone/>
+              <a:defRPr sz="2800" b="0" i="0" u="none" strike="noStrike" cap="none">
+                <a:solidFill>
+                  <a:schemeClr val="dk1"/>
+                </a:solidFill>
+                <a:latin typeface="Arial"/>
+                <a:ea typeface="Arial"/>
+                <a:cs typeface="Arial"/>
+                <a:sym typeface="Arial"/>
+              </a:defRPr>
+            </a:lvl1pPr>
+            <a:lvl2pPr marR="0" lvl="1" algn="l" rtl="0">
+              <a:lnSpc>
+                <a:spcPct val="100000"/>
+              </a:lnSpc>
+              <a:spcBef>
+                <a:spcPts val="0"/>
+              </a:spcBef>
+              <a:spcAft>
+                <a:spcPts val="0"/>
+              </a:spcAft>
+              <a:buClr>
+                <a:schemeClr val="dk1"/>
+              </a:buClr>
+              <a:buSzPts val="2800"/>
+              <a:buFont typeface="Arial"/>
+              <a:buNone/>
+              <a:defRPr sz="2800" b="0" i="0" u="none" strike="noStrike" cap="none">
+                <a:solidFill>
+                  <a:schemeClr val="dk1"/>
+                </a:solidFill>
+                <a:latin typeface="Arial"/>
+                <a:ea typeface="Arial"/>
+                <a:cs typeface="Arial"/>
+                <a:sym typeface="Arial"/>
+              </a:defRPr>
+            </a:lvl2pPr>
+            <a:lvl3pPr marR="0" lvl="2" algn="l" rtl="0">
+              <a:lnSpc>
+                <a:spcPct val="100000"/>
+              </a:lnSpc>
+              <a:spcBef>
+                <a:spcPts val="0"/>
+              </a:spcBef>
+              <a:spcAft>
+                <a:spcPts val="0"/>
+              </a:spcAft>
+              <a:buClr>
+                <a:schemeClr val="dk1"/>
+              </a:buClr>
+              <a:buSzPts val="2800"/>
+              <a:buFont typeface="Arial"/>
+              <a:buNone/>
+              <a:defRPr sz="2800" b="0" i="0" u="none" strike="noStrike" cap="none">
+                <a:solidFill>
+                  <a:schemeClr val="dk1"/>
+                </a:solidFill>
+                <a:latin typeface="Arial"/>
+                <a:ea typeface="Arial"/>
+                <a:cs typeface="Arial"/>
+                <a:sym typeface="Arial"/>
+              </a:defRPr>
+            </a:lvl3pPr>
+            <a:lvl4pPr marR="0" lvl="3" algn="l" rtl="0">
+              <a:lnSpc>
+                <a:spcPct val="100000"/>
+              </a:lnSpc>
+              <a:spcBef>
+                <a:spcPts val="0"/>
+              </a:spcBef>
+              <a:spcAft>
+                <a:spcPts val="0"/>
+              </a:spcAft>
+              <a:buClr>
+                <a:schemeClr val="dk1"/>
+              </a:buClr>
+              <a:buSzPts val="2800"/>
+              <a:buFont typeface="Arial"/>
+              <a:buNone/>
+              <a:defRPr sz="2800" b="0" i="0" u="none" strike="noStrike" cap="none">
+                <a:solidFill>
+                  <a:schemeClr val="dk1"/>
+                </a:solidFill>
+                <a:latin typeface="Arial"/>
+                <a:ea typeface="Arial"/>
+                <a:cs typeface="Arial"/>
+                <a:sym typeface="Arial"/>
+              </a:defRPr>
+            </a:lvl4pPr>
+            <a:lvl5pPr marR="0" lvl="4" algn="l" rtl="0">
+              <a:lnSpc>
+                <a:spcPct val="100000"/>
+              </a:lnSpc>
+              <a:spcBef>
+                <a:spcPts val="0"/>
+              </a:spcBef>
+              <a:spcAft>
+                <a:spcPts val="0"/>
+              </a:spcAft>
+              <a:buClr>
+                <a:schemeClr val="dk1"/>
+              </a:buClr>
+              <a:buSzPts val="2800"/>
+              <a:buFont typeface="Arial"/>
+              <a:buNone/>
+              <a:defRPr sz="2800" b="0" i="0" u="none" strike="noStrike" cap="none">
+                <a:solidFill>
+                  <a:schemeClr val="dk1"/>
+                </a:solidFill>
+                <a:latin typeface="Arial"/>
+                <a:ea typeface="Arial"/>
+                <a:cs typeface="Arial"/>
+                <a:sym typeface="Arial"/>
+              </a:defRPr>
+            </a:lvl5pPr>
+            <a:lvl6pPr marR="0" lvl="5" algn="l" rtl="0">
+              <a:lnSpc>
+                <a:spcPct val="100000"/>
+              </a:lnSpc>
+              <a:spcBef>
+                <a:spcPts val="0"/>
+              </a:spcBef>
+              <a:spcAft>
+                <a:spcPts val="0"/>
+              </a:spcAft>
+              <a:buClr>
+                <a:schemeClr val="dk1"/>
+              </a:buClr>
+              <a:buSzPts val="2800"/>
+              <a:buFont typeface="Arial"/>
+              <a:buNone/>
+              <a:defRPr sz="2800" b="0" i="0" u="none" strike="noStrike" cap="none">
+                <a:solidFill>
+                  <a:schemeClr val="dk1"/>
+                </a:solidFill>
+                <a:latin typeface="Arial"/>
+                <a:ea typeface="Arial"/>
+                <a:cs typeface="Arial"/>
+                <a:sym typeface="Arial"/>
+              </a:defRPr>
+            </a:lvl6pPr>
+            <a:lvl7pPr marR="0" lvl="6" algn="l" rtl="0">
+              <a:lnSpc>
+                <a:spcPct val="100000"/>
+              </a:lnSpc>
+              <a:spcBef>
+                <a:spcPts val="0"/>
+              </a:spcBef>
+              <a:spcAft>
+                <a:spcPts val="0"/>
+              </a:spcAft>
+              <a:buClr>
+                <a:schemeClr val="dk1"/>
+              </a:buClr>
+              <a:buSzPts val="2800"/>
+              <a:buFont typeface="Arial"/>
+              <a:buNone/>
+              <a:defRPr sz="2800" b="0" i="0" u="none" strike="noStrike" cap="none">
+                <a:solidFill>
+                  <a:schemeClr val="dk1"/>
+                </a:solidFill>
+                <a:latin typeface="Arial"/>
+                <a:ea typeface="Arial"/>
+                <a:cs typeface="Arial"/>
+                <a:sym typeface="Arial"/>
+              </a:defRPr>
+            </a:lvl7pPr>
+            <a:lvl8pPr marR="0" lvl="7" algn="l" rtl="0">
+              <a:lnSpc>
+                <a:spcPct val="100000"/>
+              </a:lnSpc>
+              <a:spcBef>
+                <a:spcPts val="0"/>
+              </a:spcBef>
+              <a:spcAft>
+                <a:spcPts val="0"/>
+              </a:spcAft>
+              <a:buClr>
+                <a:schemeClr val="dk1"/>
+              </a:buClr>
+              <a:buSzPts val="2800"/>
+              <a:buFont typeface="Arial"/>
+              <a:buNone/>
+              <a:defRPr sz="2800" b="0" i="0" u="none" strike="noStrike" cap="none">
+                <a:solidFill>
+                  <a:schemeClr val="dk1"/>
+                </a:solidFill>
+                <a:latin typeface="Arial"/>
+                <a:ea typeface="Arial"/>
+                <a:cs typeface="Arial"/>
+                <a:sym typeface="Arial"/>
+              </a:defRPr>
+            </a:lvl8pPr>
+            <a:lvl9pPr marR="0" lvl="8" algn="l" rtl="0">
+              <a:lnSpc>
+                <a:spcPct val="100000"/>
+              </a:lnSpc>
+              <a:spcBef>
+                <a:spcPts val="0"/>
+              </a:spcBef>
+              <a:spcAft>
+                <a:spcPts val="0"/>
+              </a:spcAft>
+              <a:buClr>
+                <a:schemeClr val="dk1"/>
+              </a:buClr>
+              <a:buSzPts val="2800"/>
+              <a:buFont typeface="Arial"/>
+              <a:buNone/>
+              <a:defRPr sz="2800" b="0" i="0" u="none" strike="noStrike" cap="none">
+                <a:solidFill>
+                  <a:schemeClr val="dk1"/>
+                </a:solidFill>
+                <a:latin typeface="Arial"/>
+                <a:ea typeface="Arial"/>
+                <a:cs typeface="Arial"/>
+                <a:sym typeface="Arial"/>
+              </a:defRPr>
+            </a:lvl9pPr>
+          </a:lstStyle>
+          <a:p>
+            <a:pPr algn="ctr"/>
+            <a:r>
+              <a:rPr lang="pt-BR" dirty="0" smtClean="0">
+                <a:solidFill>
+                  <a:schemeClr val="bg1">
+                    <a:lumMod val="50000"/>
+                  </a:schemeClr>
+                </a:solidFill>
+              </a:rPr>
+              <a:t>Instituto Tecnológico Superior </a:t>
+            </a:r>
+            <a:br>
+              <a:rPr lang="pt-BR" dirty="0" smtClean="0">
+                <a:solidFill>
+                  <a:schemeClr val="bg1">
+                    <a:lumMod val="50000"/>
+                  </a:schemeClr>
+                </a:solidFill>
+              </a:rPr>
+            </a:br>
+            <a:r>
+              <a:rPr lang="pt-BR" dirty="0" smtClean="0">
+                <a:solidFill>
+                  <a:schemeClr val="bg1">
+                    <a:lumMod val="50000"/>
+                  </a:schemeClr>
+                </a:solidFill>
+              </a:rPr>
+              <a:t>"Benito Juárez"</a:t>
+            </a:r>
+            <a:endParaRPr lang="es-EC" dirty="0">
+              <a:solidFill>
+                <a:schemeClr val="bg1">
+                  <a:lumMod val="50000"/>
+                </a:schemeClr>
+              </a:solidFill>
+            </a:endParaRPr>
+          </a:p>
+        </p:txBody>
+      </p:sp>
+      <p:pic>
+        <p:nvPicPr>
+          <p:cNvPr id="2" name="Imagen 1"/>
+          <p:cNvPicPr>
+            <a:picLocks noChangeAspect="1"/>
+          </p:cNvPicPr>
+          <p:nvPr/>
+        </p:nvPicPr>
+        <p:blipFill>
+          <a:blip r:embed="rId7"/>
+          <a:stretch>
+            <a:fillRect/>
+          </a:stretch>
+        </p:blipFill>
+        <p:spPr>
+          <a:xfrm>
+            <a:off x="1245562" y="535074"/>
+            <a:ext cx="668856" cy="638454"/>
+          </a:xfrm>
+          <a:prstGeom prst="rect">
+            <a:avLst/>
+          </a:prstGeom>
+        </p:spPr>
+      </p:pic>
     </p:spTree>
   </p:cSld>
   <p:clrMapOvr>
@@ -5929,7 +6430,7 @@
 </file>
 
 <file path=ppt/slides/slide2.xml><?xml version="1.0" encoding="utf-8"?>
-<p:sld xmlns:a="http://schemas.openxmlformats.org/drawingml/2006/main" xmlns:r="http://schemas.openxmlformats.org/officeDocument/2006/relationships" xmlns:mc="http://schemas.openxmlformats.org/markup-compatibility/2006" xmlns:mv="urn:schemas-microsoft-com:mac:vml" xmlns:p="http://schemas.openxmlformats.org/presentationml/2006/main" xmlns:c="http://schemas.openxmlformats.org/drawingml/2006/chart" xmlns:dgm="http://schemas.openxmlformats.org/drawingml/2006/diagram" xmlns:o="urn:schemas-microsoft-com:office:office" xmlns:v="urn:schemas-microsoft-com:vml" xmlns:pvml="urn:schemas-microsoft-com:office:powerpoint" xmlns:com="http://schemas.openxmlformats.org/drawingml/2006/compatibility" xmlns:p14="http://schemas.microsoft.com/office/powerpoint/2010/main" xmlns:p15="http://schemas.microsoft.com/office/powerpoint/2012/main" xmlns:ahyp="http://schemas.microsoft.com/office/drawing/2018/hyperlinkcolor">
+<p:sld xmlns:a="http://schemas.openxmlformats.org/drawingml/2006/main" xmlns:r="http://schemas.openxmlformats.org/officeDocument/2006/relationships" xmlns:p="http://schemas.openxmlformats.org/presentationml/2006/main">
   <p:cSld>
     <p:bg>
       <p:bgPr>
@@ -5941,11 +6442,12 @@
             <a:fillRect/>
           </a:stretch>
         </a:blipFill>
+        <a:effectLst/>
       </p:bgPr>
     </p:bg>
     <p:spTree>
       <p:nvGrpSpPr>
-        <p:cNvPr id="62" name="Shape 62"/>
+        <p:cNvPr id="1" name="Shape 62"/>
         <p:cNvGrpSpPr/>
         <p:nvPr/>
       </p:nvGrpSpPr>
@@ -5960,14 +6462,16 @@
       <p:sp>
         <p:nvSpPr>
           <p:cNvPr id="63" name="Google Shape;63;p14"/>
-          <p:cNvSpPr txBox="1"/>
+          <p:cNvSpPr txBox="1">
+            <a:spLocks noGrp="1"/>
+          </p:cNvSpPr>
           <p:nvPr>
             <p:ph type="title"/>
           </p:nvPr>
         </p:nvSpPr>
         <p:spPr>
           <a:xfrm>
-            <a:off x="3239400" y="482375"/>
+            <a:off x="3278311" y="959030"/>
             <a:ext cx="2970000" cy="768000"/>
           </a:xfrm>
           <a:prstGeom prst="rect">
@@ -5975,12 +6479,12 @@
           </a:prstGeom>
         </p:spPr>
         <p:txBody>
-          <a:bodyPr anchorCtr="0" anchor="t" bIns="91425" lIns="91425" spcFirstLastPara="1" rIns="91425" wrap="square" tIns="91425">
+          <a:bodyPr spcFirstLastPara="1" wrap="square" lIns="91425" tIns="91425" rIns="91425" bIns="91425" anchor="t" anchorCtr="0">
             <a:noAutofit/>
           </a:bodyPr>
           <a:lstStyle/>
           <a:p>
-            <a:pPr indent="0" lvl="0" marL="0" rtl="0" algn="l">
+            <a:pPr marL="0" lvl="0" indent="0" algn="l" rtl="0">
               <a:spcBef>
                 <a:spcPts val="0"/>
               </a:spcBef>
@@ -5990,37 +6494,39 @@
               <a:buNone/>
             </a:pPr>
             <a:r>
-              <a:rPr b="1" lang="es" sz="4000"/>
+              <a:rPr lang="es" sz="4000" b="1" dirty="0"/>
               <a:t>Problema</a:t>
             </a:r>
-            <a:endParaRPr b="1" sz="4000"/>
+            <a:endParaRPr sz="4000" b="1" dirty="0"/>
           </a:p>
         </p:txBody>
       </p:sp>
       <p:sp>
         <p:nvSpPr>
           <p:cNvPr id="64" name="Google Shape;64;p14"/>
-          <p:cNvSpPr txBox="1"/>
+          <p:cNvSpPr txBox="1">
+            <a:spLocks noGrp="1"/>
+          </p:cNvSpPr>
           <p:nvPr>
-            <p:ph idx="1" type="body"/>
+            <p:ph type="body" idx="1"/>
           </p:nvPr>
         </p:nvSpPr>
         <p:spPr>
           <a:xfrm>
-            <a:off x="1057650" y="1576225"/>
-            <a:ext cx="6971700" cy="2327400"/>
+            <a:off x="987447" y="1900422"/>
+            <a:ext cx="4275217" cy="1912821"/>
           </a:xfrm>
           <a:prstGeom prst="rect">
             <a:avLst/>
           </a:prstGeom>
         </p:spPr>
         <p:txBody>
-          <a:bodyPr anchorCtr="0" anchor="t" bIns="91425" lIns="91425" spcFirstLastPara="1" rIns="91425" wrap="square" tIns="91425">
+          <a:bodyPr spcFirstLastPara="1" wrap="square" lIns="91425" tIns="91425" rIns="91425" bIns="91425" anchor="t" anchorCtr="0">
             <a:noAutofit/>
           </a:bodyPr>
           <a:lstStyle/>
           <a:p>
-            <a:pPr indent="0" lvl="0" marL="0" rtl="0" algn="just">
+            <a:pPr marL="0" lvl="0" indent="0" algn="just" rtl="0">
               <a:spcBef>
                 <a:spcPts val="0"/>
               </a:spcBef>
@@ -6030,13 +6536,62 @@
               <a:buNone/>
             </a:pPr>
             <a:r>
-              <a:rPr lang="es" sz="2000"/>
-              <a:t>En la actualidad tenemos que estar a dos metros de distancia para protegernos del coronavirus, algunos gimnasios son pequeños por lo tanto mucha gente no puede entrar al gimnasio a realizar los ejercicios para aumentar la masa muscular.   </a:t>
+              <a:rPr lang="es" sz="2000" dirty="0"/>
+              <a:t>A</a:t>
             </a:r>
-            <a:endParaRPr sz="2000"/>
+            <a:r>
+              <a:rPr lang="es" sz="2000" dirty="0" smtClean="0"/>
+              <a:t>lgunos </a:t>
+            </a:r>
+            <a:r>
+              <a:rPr lang="es" sz="2000" dirty="0"/>
+              <a:t>gimnasios son pequeños por lo tanto mucha gente no puede entrar al gimnasio a realizar los ejercicios para aumentar la masa muscular.   </a:t>
+            </a:r>
+            <a:endParaRPr sz="2000" dirty="0"/>
           </a:p>
         </p:txBody>
       </p:sp>
+      <p:pic>
+        <p:nvPicPr>
+          <p:cNvPr id="2" name="Imagen 1"/>
+          <p:cNvPicPr>
+            <a:picLocks noChangeAspect="1"/>
+          </p:cNvPicPr>
+          <p:nvPr/>
+        </p:nvPicPr>
+        <p:blipFill>
+          <a:blip r:embed="rId4"/>
+          <a:stretch>
+            <a:fillRect/>
+          </a:stretch>
+        </p:blipFill>
+        <p:spPr>
+          <a:xfrm>
+            <a:off x="5613004" y="1900422"/>
+            <a:ext cx="2966792" cy="2123296"/>
+          </a:xfrm>
+          <a:prstGeom prst="rect">
+            <a:avLst/>
+          </a:prstGeom>
+          <a:ln>
+            <a:noFill/>
+          </a:ln>
+          <a:effectLst>
+            <a:softEdge rad="112500"/>
+          </a:effectLst>
+          <a:scene3d>
+            <a:camera prst="orthographicFront">
+              <a:rot lat="0" lon="0" rev="0"/>
+            </a:camera>
+            <a:lightRig rig="glow" dir="t">
+              <a:rot lat="0" lon="0" rev="14100000"/>
+            </a:lightRig>
+          </a:scene3d>
+          <a:sp3d prstMaterial="softEdge">
+            <a:bevelT w="127000" prst="artDeco"/>
+          </a:sp3d>
+        </p:spPr>
+      </p:pic>
     </p:spTree>
   </p:cSld>
   <p:clrMapOvr>
@@ -6046,7 +6601,7 @@
 </file>
 
 <file path=ppt/slides/slide3.xml><?xml version="1.0" encoding="utf-8"?>
-<p:sld xmlns:a="http://schemas.openxmlformats.org/drawingml/2006/main" xmlns:r="http://schemas.openxmlformats.org/officeDocument/2006/relationships" xmlns:mc="http://schemas.openxmlformats.org/markup-compatibility/2006" xmlns:mv="urn:schemas-microsoft-com:mac:vml" xmlns:p="http://schemas.openxmlformats.org/presentationml/2006/main" xmlns:c="http://schemas.openxmlformats.org/drawingml/2006/chart" xmlns:dgm="http://schemas.openxmlformats.org/drawingml/2006/diagram" xmlns:o="urn:schemas-microsoft-com:office:office" xmlns:v="urn:schemas-microsoft-com:vml" xmlns:pvml="urn:schemas-microsoft-com:office:powerpoint" xmlns:com="http://schemas.openxmlformats.org/drawingml/2006/compatibility" xmlns:p14="http://schemas.microsoft.com/office/powerpoint/2010/main" xmlns:p15="http://schemas.microsoft.com/office/powerpoint/2012/main" xmlns:ahyp="http://schemas.microsoft.com/office/drawing/2018/hyperlinkcolor">
+<p:sld xmlns:a="http://schemas.openxmlformats.org/drawingml/2006/main" xmlns:r="http://schemas.openxmlformats.org/officeDocument/2006/relationships" xmlns:p="http://schemas.openxmlformats.org/presentationml/2006/main">
   <p:cSld>
     <p:bg>
       <p:bgPr>
@@ -6058,11 +6613,12 @@
             <a:fillRect/>
           </a:stretch>
         </a:blipFill>
+        <a:effectLst/>
       </p:bgPr>
     </p:bg>
     <p:spTree>
       <p:nvGrpSpPr>
-        <p:cNvPr id="68" name="Shape 68"/>
+        <p:cNvPr id="1" name="Shape 68"/>
         <p:cNvGrpSpPr/>
         <p:nvPr/>
       </p:nvGrpSpPr>
@@ -6077,14 +6633,16 @@
       <p:sp>
         <p:nvSpPr>
           <p:cNvPr id="69" name="Google Shape;69;p15"/>
-          <p:cNvSpPr txBox="1"/>
+          <p:cNvSpPr txBox="1">
+            <a:spLocks noGrp="1"/>
+          </p:cNvSpPr>
           <p:nvPr>
             <p:ph type="title"/>
           </p:nvPr>
         </p:nvSpPr>
         <p:spPr>
           <a:xfrm>
-            <a:off x="311700" y="445025"/>
+            <a:off x="371990" y="656040"/>
             <a:ext cx="8520600" cy="572700"/>
           </a:xfrm>
           <a:prstGeom prst="rect">
@@ -6092,12 +6650,12 @@
           </a:prstGeom>
         </p:spPr>
         <p:txBody>
-          <a:bodyPr anchorCtr="0" anchor="t" bIns="91425" lIns="91425" spcFirstLastPara="1" rIns="91425" wrap="square" tIns="91425">
+          <a:bodyPr spcFirstLastPara="1" wrap="square" lIns="91425" tIns="91425" rIns="91425" bIns="91425" anchor="t" anchorCtr="0">
             <a:noAutofit/>
           </a:bodyPr>
           <a:lstStyle/>
           <a:p>
-            <a:pPr indent="0" lvl="0" marL="0" rtl="0" algn="ctr">
+            <a:pPr marL="0" lvl="0" indent="0" algn="ctr" rtl="0">
               <a:spcBef>
                 <a:spcPts val="0"/>
               </a:spcBef>
@@ -6107,41 +6665,39 @@
               <a:buNone/>
             </a:pPr>
             <a:r>
-              <a:rPr b="1" lang="es" sz="4000"/>
+              <a:rPr lang="es" sz="4000" b="1" dirty="0" smtClean="0"/>
               <a:t>Solución</a:t>
             </a:r>
-            <a:r>
-              <a:rPr lang="es"/>
-              <a:t>.</a:t>
-            </a:r>
-            <a:endParaRPr/>
+            <a:endParaRPr dirty="0"/>
           </a:p>
         </p:txBody>
       </p:sp>
       <p:sp>
         <p:nvSpPr>
           <p:cNvPr id="70" name="Google Shape;70;p15"/>
-          <p:cNvSpPr txBox="1"/>
+          <p:cNvSpPr txBox="1">
+            <a:spLocks noGrp="1"/>
+          </p:cNvSpPr>
           <p:nvPr>
-            <p:ph idx="1" type="body"/>
+            <p:ph type="body" idx="1"/>
           </p:nvPr>
         </p:nvSpPr>
         <p:spPr>
           <a:xfrm>
-            <a:off x="698225" y="1536075"/>
-            <a:ext cx="5072400" cy="2862600"/>
+            <a:off x="941416" y="1555530"/>
+            <a:ext cx="3834864" cy="2218802"/>
           </a:xfrm>
           <a:prstGeom prst="rect">
             <a:avLst/>
           </a:prstGeom>
         </p:spPr>
         <p:txBody>
-          <a:bodyPr anchorCtr="0" anchor="t" bIns="91425" lIns="91425" spcFirstLastPara="1" rIns="91425" wrap="square" tIns="91425">
+          <a:bodyPr spcFirstLastPara="1" wrap="square" lIns="91425" tIns="91425" rIns="91425" bIns="91425" anchor="t" anchorCtr="0">
             <a:noAutofit/>
           </a:bodyPr>
           <a:lstStyle/>
           <a:p>
-            <a:pPr indent="0" lvl="0" marL="0" rtl="0" algn="just">
+            <a:pPr marL="0" lvl="0" indent="0" algn="just" rtl="0">
               <a:spcBef>
                 <a:spcPts val="0"/>
               </a:spcBef>
@@ -6151,59 +6707,86 @@
               <a:buNone/>
             </a:pPr>
             <a:r>
-              <a:rPr lang="es" sz="2000">
+              <a:rPr lang="es" sz="2000" dirty="0" smtClean="0">
                 <a:solidFill>
                   <a:srgbClr val="444444"/>
                 </a:solidFill>
               </a:rPr>
-              <a:t>El proyecto es de tipo factible teniendo por objetivo proporcionar una solución para mejorar el estilo de vida</a:t>
+              <a:t>P</a:t>
             </a:r>
             <a:r>
-              <a:rPr lang="es" sz="2000">
+              <a:rPr lang="es" sz="2000" dirty="0" smtClean="0">
                 <a:solidFill>
                   <a:srgbClr val="444444"/>
                 </a:solidFill>
               </a:rPr>
-              <a:t>, otros beneficios son</a:t>
+              <a:t>roporcionamos </a:t>
             </a:r>
             <a:r>
-              <a:rPr lang="es" sz="2000">
+              <a:rPr lang="es" sz="2000" dirty="0">
                 <a:solidFill>
                   <a:srgbClr val="444444"/>
                 </a:solidFill>
               </a:rPr>
-              <a:t>: el aumento de tono y masa muscular, la ayuda en la reducción de peso y una mejora en la salud en general estar en forma y gozar de buena salud. </a:t>
+              <a:t>una solución para mejorar el estilo de vida, otros beneficios son: el aumento de tono y masa muscular, la ayuda en la reducción </a:t>
             </a:r>
-            <a:endParaRPr sz="2800"/>
+            <a:r>
+              <a:rPr lang="es" sz="2000" dirty="0" smtClean="0">
+                <a:solidFill>
+                  <a:srgbClr val="444444"/>
+                </a:solidFill>
+              </a:rPr>
+              <a:t>de peso.</a:t>
+            </a:r>
+            <a:endParaRPr sz="2800" dirty="0"/>
           </a:p>
         </p:txBody>
       </p:sp>
       <p:pic>
         <p:nvPicPr>
-          <p:cNvPr id="71" name="Google Shape;71;p15"/>
-          <p:cNvPicPr preferRelativeResize="0"/>
+          <p:cNvPr id="2" name="Imagen 1"/>
+          <p:cNvPicPr>
+            <a:picLocks noChangeAspect="1"/>
+          </p:cNvPicPr>
           <p:nvPr/>
         </p:nvPicPr>
         <p:blipFill>
-          <a:blip r:embed="rId4">
-            <a:alphaModFix/>
-          </a:blip>
+          <a:blip r:embed="rId4"/>
           <a:stretch>
             <a:fillRect/>
           </a:stretch>
         </p:blipFill>
         <p:spPr>
           <a:xfrm>
-            <a:off x="6216800" y="1659625"/>
-            <a:ext cx="2615500" cy="2615500"/>
+            <a:off x="5282118" y="1596048"/>
+            <a:ext cx="3414409" cy="2178284"/>
           </a:xfrm>
-          <a:prstGeom prst="rect">
-            <a:avLst/>
+          <a:prstGeom prst="roundRect">
+            <a:avLst>
+              <a:gd name="adj" fmla="val 16667"/>
+            </a:avLst>
           </a:prstGeom>
-          <a:noFill/>
           <a:ln>
             <a:noFill/>
           </a:ln>
+          <a:effectLst>
+            <a:outerShdw blurRad="149987" dist="250190" dir="8460000" algn="ctr">
+              <a:srgbClr val="000000">
+                <a:alpha val="28000"/>
+              </a:srgbClr>
+            </a:outerShdw>
+          </a:effectLst>
+          <a:scene3d>
+            <a:camera prst="orthographicFront">
+              <a:rot lat="0" lon="0" rev="0"/>
+            </a:camera>
+            <a:lightRig rig="contrasting" dir="t">
+              <a:rot lat="0" lon="0" rev="1500000"/>
+            </a:lightRig>
+          </a:scene3d>
+          <a:sp3d prstMaterial="metal">
+            <a:bevelT w="88900" h="88900"/>
+          </a:sp3d>
         </p:spPr>
       </p:pic>
     </p:spTree>
@@ -6215,7 +6798,288 @@
 </file>
 
 <file path=ppt/theme/theme1.xml><?xml version="1.0" encoding="utf-8"?>
-<a:theme xmlns:a="http://schemas.openxmlformats.org/drawingml/2006/main" xmlns:r="http://schemas.openxmlformats.org/officeDocument/2006/relationships">
+<a:theme xmlns:a="http://schemas.openxmlformats.org/drawingml/2006/main" name="Simple Light">
+  <a:themeElements>
+    <a:clrScheme name="Simple Light">
+      <a:dk1>
+        <a:srgbClr val="000000"/>
+      </a:dk1>
+      <a:lt1>
+        <a:srgbClr val="FFFFFF"/>
+      </a:lt1>
+      <a:dk2>
+        <a:srgbClr val="595959"/>
+      </a:dk2>
+      <a:lt2>
+        <a:srgbClr val="EEEEEE"/>
+      </a:lt2>
+      <a:accent1>
+        <a:srgbClr val="FFAB40"/>
+      </a:accent1>
+      <a:accent2>
+        <a:srgbClr val="212121"/>
+      </a:accent2>
+      <a:accent3>
+        <a:srgbClr val="78909C"/>
+      </a:accent3>
+      <a:accent4>
+        <a:srgbClr val="FFAB40"/>
+      </a:accent4>
+      <a:accent5>
+        <a:srgbClr val="0097A7"/>
+      </a:accent5>
+      <a:accent6>
+        <a:srgbClr val="EEFF41"/>
+      </a:accent6>
+      <a:hlink>
+        <a:srgbClr val="0097A7"/>
+      </a:hlink>
+      <a:folHlink>
+        <a:srgbClr val="0097A7"/>
+      </a:folHlink>
+    </a:clrScheme>
+    <a:fontScheme name="Office">
+      <a:majorFont>
+        <a:latin typeface="Arial"/>
+        <a:ea typeface=""/>
+        <a:cs typeface=""/>
+        <a:font script="Jpan" typeface="ＭＳ Ｐゴシック"/>
+        <a:font script="Hang" typeface="맑은 고딕"/>
+        <a:font script="Hans" typeface="宋体"/>
+        <a:font script="Hant" typeface="新細明體"/>
+        <a:font script="Arab" typeface="Times New Roman"/>
+        <a:font script="Hebr" typeface="Times New Roman"/>
+        <a:font script="Thai" typeface="Angsana New"/>
+        <a:font script="Ethi" typeface="Nyala"/>
+        <a:font script="Beng" typeface="Vrinda"/>
+        <a:font script="Gujr" typeface="Shruti"/>
+        <a:font script="Khmr" typeface="MoolBoran"/>
+        <a:font script="Knda" typeface="Tunga"/>
+        <a:font script="Guru" typeface="Raavi"/>
+        <a:font script="Cans" typeface="Euphemia"/>
+        <a:font script="Cher" typeface="Plantagenet Cherokee"/>
+        <a:font script="Yiii" typeface="Microsoft Yi Baiti"/>
+        <a:font script="Tibt" typeface="Microsoft Himalaya"/>
+        <a:font script="Thaa" typeface="MV Boli"/>
+        <a:font script="Deva" typeface="Mangal"/>
+        <a:font script="Telu" typeface="Gautami"/>
+        <a:font script="Taml" typeface="Latha"/>
+        <a:font script="Syrc" typeface="Estrangelo Edessa"/>
+        <a:font script="Orya" typeface="Kalinga"/>
+        <a:font script="Mlym" typeface="Kartika"/>
+        <a:font script="Laoo" typeface="DokChampa"/>
+        <a:font script="Sinh" typeface="Iskoola Pota"/>
+        <a:font script="Mong" typeface="Mongolian Baiti"/>
+        <a:font script="Viet" typeface="Times New Roman"/>
+        <a:font script="Uigh" typeface="Microsoft Uighur"/>
+        <a:font script="Geor" typeface="Sylfaen"/>
+      </a:majorFont>
+      <a:minorFont>
+        <a:latin typeface="Arial"/>
+        <a:ea typeface=""/>
+        <a:cs typeface=""/>
+        <a:font script="Jpan" typeface="ＭＳ Ｐゴシック"/>
+        <a:font script="Hang" typeface="맑은 고딕"/>
+        <a:font script="Hans" typeface="宋体"/>
+        <a:font script="Hant" typeface="新細明體"/>
+        <a:font script="Arab" typeface="Arial"/>
+        <a:font script="Hebr" typeface="Arial"/>
+        <a:font script="Thai" typeface="Cordia New"/>
+        <a:font script="Ethi" typeface="Nyala"/>
+        <a:font script="Beng" typeface="Vrinda"/>
+        <a:font script="Gujr" typeface="Shruti"/>
+        <a:font script="Khmr" typeface="DaunPenh"/>
+        <a:font script="Knda" typeface="Tunga"/>
+        <a:font script="Guru" typeface="Raavi"/>
+        <a:font script="Cans" typeface="Euphemia"/>
+        <a:font script="Cher" typeface="Plantagenet Cherokee"/>
+        <a:font script="Yiii" typeface="Microsoft Yi Baiti"/>
+        <a:font script="Tibt" typeface="Microsoft Himalaya"/>
+        <a:font script="Thaa" typeface="MV Boli"/>
+        <a:font script="Deva" typeface="Mangal"/>
+        <a:font script="Telu" typeface="Gautami"/>
+        <a:font script="Taml" typeface="Latha"/>
+        <a:font script="Syrc" typeface="Estrangelo Edessa"/>
+        <a:font script="Orya" typeface="Kalinga"/>
+        <a:font script="Mlym" typeface="Kartika"/>
+        <a:font script="Laoo" typeface="DokChampa"/>
+        <a:font script="Sinh" typeface="Iskoola Pota"/>
+        <a:font script="Mong" typeface="Mongolian Baiti"/>
+        <a:font script="Viet" typeface="Arial"/>
+        <a:font script="Uigh" typeface="Microsoft Uighur"/>
+        <a:font script="Geor" typeface="Sylfaen"/>
+      </a:minorFont>
+    </a:fontScheme>
+    <a:fmtScheme name="Office">
+      <a:fillStyleLst>
+        <a:solidFill>
+          <a:schemeClr val="phClr"/>
+        </a:solidFill>
+        <a:gradFill rotWithShape="1">
+          <a:gsLst>
+            <a:gs pos="0">
+              <a:schemeClr val="phClr">
+                <a:tint val="50000"/>
+                <a:satMod val="300000"/>
+              </a:schemeClr>
+            </a:gs>
+            <a:gs pos="35000">
+              <a:schemeClr val="phClr">
+                <a:tint val="37000"/>
+                <a:satMod val="300000"/>
+              </a:schemeClr>
+            </a:gs>
+            <a:gs pos="100000">
+              <a:schemeClr val="phClr">
+                <a:tint val="15000"/>
+                <a:satMod val="350000"/>
+              </a:schemeClr>
+            </a:gs>
+          </a:gsLst>
+          <a:lin ang="16200000" scaled="1"/>
+        </a:gradFill>
+        <a:gradFill rotWithShape="1">
+          <a:gsLst>
+            <a:gs pos="0">
+              <a:schemeClr val="phClr">
+                <a:tint val="100000"/>
+                <a:shade val="100000"/>
+                <a:satMod val="130000"/>
+              </a:schemeClr>
+            </a:gs>
+            <a:gs pos="100000">
+              <a:schemeClr val="phClr">
+                <a:tint val="50000"/>
+                <a:shade val="100000"/>
+                <a:satMod val="350000"/>
+              </a:schemeClr>
+            </a:gs>
+          </a:gsLst>
+          <a:lin ang="16200000" scaled="0"/>
+        </a:gradFill>
+      </a:fillStyleLst>
+      <a:lnStyleLst>
+        <a:ln w="9525" cap="flat" cmpd="sng" algn="ctr">
+          <a:solidFill>
+            <a:schemeClr val="phClr">
+              <a:shade val="95000"/>
+              <a:satMod val="105000"/>
+            </a:schemeClr>
+          </a:solidFill>
+          <a:prstDash val="solid"/>
+        </a:ln>
+        <a:ln w="25400" cap="flat" cmpd="sng" algn="ctr">
+          <a:solidFill>
+            <a:schemeClr val="phClr"/>
+          </a:solidFill>
+          <a:prstDash val="solid"/>
+        </a:ln>
+        <a:ln w="38100" cap="flat" cmpd="sng" algn="ctr">
+          <a:solidFill>
+            <a:schemeClr val="phClr"/>
+          </a:solidFill>
+          <a:prstDash val="solid"/>
+        </a:ln>
+      </a:lnStyleLst>
+      <a:effectStyleLst>
+        <a:effectStyle>
+          <a:effectLst>
+            <a:outerShdw blurRad="40000" dist="20000" dir="5400000" rotWithShape="0">
+              <a:srgbClr val="000000">
+                <a:alpha val="38000"/>
+              </a:srgbClr>
+            </a:outerShdw>
+          </a:effectLst>
+        </a:effectStyle>
+        <a:effectStyle>
+          <a:effectLst>
+            <a:outerShdw blurRad="40000" dist="23000" dir="5400000" rotWithShape="0">
+              <a:srgbClr val="000000">
+                <a:alpha val="35000"/>
+              </a:srgbClr>
+            </a:outerShdw>
+          </a:effectLst>
+        </a:effectStyle>
+        <a:effectStyle>
+          <a:effectLst>
+            <a:outerShdw blurRad="40000" dist="23000" dir="5400000" rotWithShape="0">
+              <a:srgbClr val="000000">
+                <a:alpha val="35000"/>
+              </a:srgbClr>
+            </a:outerShdw>
+          </a:effectLst>
+          <a:scene3d>
+            <a:camera prst="orthographicFront">
+              <a:rot lat="0" lon="0" rev="0"/>
+            </a:camera>
+            <a:lightRig rig="threePt" dir="t">
+              <a:rot lat="0" lon="0" rev="1200000"/>
+            </a:lightRig>
+          </a:scene3d>
+          <a:sp3d>
+            <a:bevelT w="63500" h="25400"/>
+          </a:sp3d>
+        </a:effectStyle>
+      </a:effectStyleLst>
+      <a:bgFillStyleLst>
+        <a:solidFill>
+          <a:schemeClr val="phClr"/>
+        </a:solidFill>
+        <a:gradFill rotWithShape="1">
+          <a:gsLst>
+            <a:gs pos="0">
+              <a:schemeClr val="phClr">
+                <a:tint val="40000"/>
+                <a:satMod val="350000"/>
+              </a:schemeClr>
+            </a:gs>
+            <a:gs pos="40000">
+              <a:schemeClr val="phClr">
+                <a:tint val="45000"/>
+                <a:shade val="99000"/>
+                <a:satMod val="350000"/>
+              </a:schemeClr>
+            </a:gs>
+            <a:gs pos="100000">
+              <a:schemeClr val="phClr">
+                <a:shade val="20000"/>
+                <a:satMod val="255000"/>
+              </a:schemeClr>
+            </a:gs>
+          </a:gsLst>
+          <a:path path="circle">
+            <a:fillToRect l="50000" t="-80000" r="50000" b="180000"/>
+          </a:path>
+        </a:gradFill>
+        <a:gradFill rotWithShape="1">
+          <a:gsLst>
+            <a:gs pos="0">
+              <a:schemeClr val="phClr">
+                <a:tint val="80000"/>
+                <a:satMod val="300000"/>
+              </a:schemeClr>
+            </a:gs>
+            <a:gs pos="100000">
+              <a:schemeClr val="phClr">
+                <a:shade val="30000"/>
+                <a:satMod val="200000"/>
+              </a:schemeClr>
+            </a:gs>
+          </a:gsLst>
+          <a:path path="circle">
+            <a:fillToRect l="50000" t="50000" r="50000" b="50000"/>
+          </a:path>
+        </a:gradFill>
+      </a:bgFillStyleLst>
+    </a:fmtScheme>
+  </a:themeElements>
+  <a:objectDefaults/>
+  <a:extraClrSchemeLst/>
+</a:theme>
+</file>
+
+<file path=ppt/theme/theme2.xml><?xml version="1.0" encoding="utf-8"?>
+<a:theme xmlns:a="http://schemas.openxmlformats.org/drawingml/2006/main">
   <a:themeElements>
     <a:clrScheme name="Default">
       <a:dk1>
@@ -6490,284 +7354,7 @@
       </a:bgFillStyleLst>
     </a:fmtScheme>
   </a:themeElements>
-</a:theme>
-</file>
-
-<file path=ppt/theme/theme2.xml><?xml version="1.0" encoding="utf-8"?>
-<a:theme xmlns:a="http://schemas.openxmlformats.org/drawingml/2006/main" xmlns:r="http://schemas.openxmlformats.org/officeDocument/2006/relationships" name="Simple Light">
-  <a:themeElements>
-    <a:clrScheme name="Simple Light">
-      <a:dk1>
-        <a:srgbClr val="000000"/>
-      </a:dk1>
-      <a:lt1>
-        <a:srgbClr val="FFFFFF"/>
-      </a:lt1>
-      <a:dk2>
-        <a:srgbClr val="595959"/>
-      </a:dk2>
-      <a:lt2>
-        <a:srgbClr val="EEEEEE"/>
-      </a:lt2>
-      <a:accent1>
-        <a:srgbClr val="FFAB40"/>
-      </a:accent1>
-      <a:accent2>
-        <a:srgbClr val="212121"/>
-      </a:accent2>
-      <a:accent3>
-        <a:srgbClr val="78909C"/>
-      </a:accent3>
-      <a:accent4>
-        <a:srgbClr val="FFAB40"/>
-      </a:accent4>
-      <a:accent5>
-        <a:srgbClr val="0097A7"/>
-      </a:accent5>
-      <a:accent6>
-        <a:srgbClr val="EEFF41"/>
-      </a:accent6>
-      <a:hlink>
-        <a:srgbClr val="0097A7"/>
-      </a:hlink>
-      <a:folHlink>
-        <a:srgbClr val="0097A7"/>
-      </a:folHlink>
-    </a:clrScheme>
-    <a:fontScheme name="Office">
-      <a:majorFont>
-        <a:latin typeface="Arial"/>
-        <a:ea typeface=""/>
-        <a:cs typeface=""/>
-        <a:font script="Jpan" typeface="ＭＳ Ｐゴシック"/>
-        <a:font script="Hang" typeface="맑은 고딕"/>
-        <a:font script="Hans" typeface="宋体"/>
-        <a:font script="Hant" typeface="新細明體"/>
-        <a:font script="Arab" typeface="Times New Roman"/>
-        <a:font script="Hebr" typeface="Times New Roman"/>
-        <a:font script="Thai" typeface="Angsana New"/>
-        <a:font script="Ethi" typeface="Nyala"/>
-        <a:font script="Beng" typeface="Vrinda"/>
-        <a:font script="Gujr" typeface="Shruti"/>
-        <a:font script="Khmr" typeface="MoolBoran"/>
-        <a:font script="Knda" typeface="Tunga"/>
-        <a:font script="Guru" typeface="Raavi"/>
-        <a:font script="Cans" typeface="Euphemia"/>
-        <a:font script="Cher" typeface="Plantagenet Cherokee"/>
-        <a:font script="Yiii" typeface="Microsoft Yi Baiti"/>
-        <a:font script="Tibt" typeface="Microsoft Himalaya"/>
-        <a:font script="Thaa" typeface="MV Boli"/>
-        <a:font script="Deva" typeface="Mangal"/>
-        <a:font script="Telu" typeface="Gautami"/>
-        <a:font script="Taml" typeface="Latha"/>
-        <a:font script="Syrc" typeface="Estrangelo Edessa"/>
-        <a:font script="Orya" typeface="Kalinga"/>
-        <a:font script="Mlym" typeface="Kartika"/>
-        <a:font script="Laoo" typeface="DokChampa"/>
-        <a:font script="Sinh" typeface="Iskoola Pota"/>
-        <a:font script="Mong" typeface="Mongolian Baiti"/>
-        <a:font script="Viet" typeface="Times New Roman"/>
-        <a:font script="Uigh" typeface="Microsoft Uighur"/>
-        <a:font script="Geor" typeface="Sylfaen"/>
-      </a:majorFont>
-      <a:minorFont>
-        <a:latin typeface="Arial"/>
-        <a:ea typeface=""/>
-        <a:cs typeface=""/>
-        <a:font script="Jpan" typeface="ＭＳ Ｐゴシック"/>
-        <a:font script="Hang" typeface="맑은 고딕"/>
-        <a:font script="Hans" typeface="宋体"/>
-        <a:font script="Hant" typeface="新細明體"/>
-        <a:font script="Arab" typeface="Arial"/>
-        <a:font script="Hebr" typeface="Arial"/>
-        <a:font script="Thai" typeface="Cordia New"/>
-        <a:font script="Ethi" typeface="Nyala"/>
-        <a:font script="Beng" typeface="Vrinda"/>
-        <a:font script="Gujr" typeface="Shruti"/>
-        <a:font script="Khmr" typeface="DaunPenh"/>
-        <a:font script="Knda" typeface="Tunga"/>
-        <a:font script="Guru" typeface="Raavi"/>
-        <a:font script="Cans" typeface="Euphemia"/>
-        <a:font script="Cher" typeface="Plantagenet Cherokee"/>
-        <a:font script="Yiii" typeface="Microsoft Yi Baiti"/>
-        <a:font script="Tibt" typeface="Microsoft Himalaya"/>
-        <a:font script="Thaa" typeface="MV Boli"/>
-        <a:font script="Deva" typeface="Mangal"/>
-        <a:font script="Telu" typeface="Gautami"/>
-        <a:font script="Taml" typeface="Latha"/>
-        <a:font script="Syrc" typeface="Estrangelo Edessa"/>
-        <a:font script="Orya" typeface="Kalinga"/>
-        <a:font script="Mlym" typeface="Kartika"/>
-        <a:font script="Laoo" typeface="DokChampa"/>
-        <a:font script="Sinh" typeface="Iskoola Pota"/>
-        <a:font script="Mong" typeface="Mongolian Baiti"/>
-        <a:font script="Viet" typeface="Arial"/>
-        <a:font script="Uigh" typeface="Microsoft Uighur"/>
-        <a:font script="Geor" typeface="Sylfaen"/>
-      </a:minorFont>
-    </a:fontScheme>
-    <a:fmtScheme name="Office">
-      <a:fillStyleLst>
-        <a:solidFill>
-          <a:schemeClr val="phClr"/>
-        </a:solidFill>
-        <a:gradFill rotWithShape="1">
-          <a:gsLst>
-            <a:gs pos="0">
-              <a:schemeClr val="phClr">
-                <a:tint val="50000"/>
-                <a:satMod val="300000"/>
-              </a:schemeClr>
-            </a:gs>
-            <a:gs pos="35000">
-              <a:schemeClr val="phClr">
-                <a:tint val="37000"/>
-                <a:satMod val="300000"/>
-              </a:schemeClr>
-            </a:gs>
-            <a:gs pos="100000">
-              <a:schemeClr val="phClr">
-                <a:tint val="15000"/>
-                <a:satMod val="350000"/>
-              </a:schemeClr>
-            </a:gs>
-          </a:gsLst>
-          <a:lin ang="16200000" scaled="1"/>
-        </a:gradFill>
-        <a:gradFill rotWithShape="1">
-          <a:gsLst>
-            <a:gs pos="0">
-              <a:schemeClr val="phClr">
-                <a:tint val="100000"/>
-                <a:shade val="100000"/>
-                <a:satMod val="130000"/>
-              </a:schemeClr>
-            </a:gs>
-            <a:gs pos="100000">
-              <a:schemeClr val="phClr">
-                <a:tint val="50000"/>
-                <a:shade val="100000"/>
-                <a:satMod val="350000"/>
-              </a:schemeClr>
-            </a:gs>
-          </a:gsLst>
-          <a:lin ang="16200000" scaled="0"/>
-        </a:gradFill>
-      </a:fillStyleLst>
-      <a:lnStyleLst>
-        <a:ln w="9525" cap="flat" cmpd="sng" algn="ctr">
-          <a:solidFill>
-            <a:schemeClr val="phClr">
-              <a:shade val="95000"/>
-              <a:satMod val="105000"/>
-            </a:schemeClr>
-          </a:solidFill>
-          <a:prstDash val="solid"/>
-        </a:ln>
-        <a:ln w="25400" cap="flat" cmpd="sng" algn="ctr">
-          <a:solidFill>
-            <a:schemeClr val="phClr"/>
-          </a:solidFill>
-          <a:prstDash val="solid"/>
-        </a:ln>
-        <a:ln w="38100" cap="flat" cmpd="sng" algn="ctr">
-          <a:solidFill>
-            <a:schemeClr val="phClr"/>
-          </a:solidFill>
-          <a:prstDash val="solid"/>
-        </a:ln>
-      </a:lnStyleLst>
-      <a:effectStyleLst>
-        <a:effectStyle>
-          <a:effectLst>
-            <a:outerShdw blurRad="40000" dist="20000" dir="5400000" rotWithShape="0">
-              <a:srgbClr val="000000">
-                <a:alpha val="38000"/>
-              </a:srgbClr>
-            </a:outerShdw>
-          </a:effectLst>
-        </a:effectStyle>
-        <a:effectStyle>
-          <a:effectLst>
-            <a:outerShdw blurRad="40000" dist="23000" dir="5400000" rotWithShape="0">
-              <a:srgbClr val="000000">
-                <a:alpha val="35000"/>
-              </a:srgbClr>
-            </a:outerShdw>
-          </a:effectLst>
-        </a:effectStyle>
-        <a:effectStyle>
-          <a:effectLst>
-            <a:outerShdw blurRad="40000" dist="23000" dir="5400000" rotWithShape="0">
-              <a:srgbClr val="000000">
-                <a:alpha val="35000"/>
-              </a:srgbClr>
-            </a:outerShdw>
-          </a:effectLst>
-          <a:scene3d>
-            <a:camera prst="orthographicFront">
-              <a:rot lat="0" lon="0" rev="0"/>
-            </a:camera>
-            <a:lightRig rig="threePt" dir="t">
-              <a:rot lat="0" lon="0" rev="1200000"/>
-            </a:lightRig>
-          </a:scene3d>
-          <a:sp3d>
-            <a:bevelT w="63500" h="25400"/>
-          </a:sp3d>
-        </a:effectStyle>
-      </a:effectStyleLst>
-      <a:bgFillStyleLst>
-        <a:solidFill>
-          <a:schemeClr val="phClr"/>
-        </a:solidFill>
-        <a:gradFill rotWithShape="1">
-          <a:gsLst>
-            <a:gs pos="0">
-              <a:schemeClr val="phClr">
-                <a:tint val="40000"/>
-                <a:satMod val="350000"/>
-              </a:schemeClr>
-            </a:gs>
-            <a:gs pos="40000">
-              <a:schemeClr val="phClr">
-                <a:tint val="45000"/>
-                <a:shade val="99000"/>
-                <a:satMod val="350000"/>
-              </a:schemeClr>
-            </a:gs>
-            <a:gs pos="100000">
-              <a:schemeClr val="phClr">
-                <a:shade val="20000"/>
-                <a:satMod val="255000"/>
-              </a:schemeClr>
-            </a:gs>
-          </a:gsLst>
-          <a:path path="circle">
-            <a:fillToRect l="50000" t="-80000" r="50000" b="180000"/>
-          </a:path>
-        </a:gradFill>
-        <a:gradFill rotWithShape="1">
-          <a:gsLst>
-            <a:gs pos="0">
-              <a:schemeClr val="phClr">
-                <a:tint val="80000"/>
-                <a:satMod val="300000"/>
-              </a:schemeClr>
-            </a:gs>
-            <a:gs pos="100000">
-              <a:schemeClr val="phClr">
-                <a:shade val="30000"/>
-                <a:satMod val="200000"/>
-              </a:schemeClr>
-            </a:gs>
-          </a:gsLst>
-          <a:path path="circle">
-            <a:fillToRect l="50000" t="50000" r="50000" b="50000"/>
-          </a:path>
-        </a:gradFill>
-      </a:bgFillStyleLst>
-    </a:fmtScheme>
-  </a:themeElements>
+  <a:objectDefaults/>
+  <a:extraClrSchemeLst/>
 </a:theme>
 </file>